--- a/figures/Figure 1.pptx
+++ b/figures/Figure 1.pptx
@@ -6155,14 +6155,14 @@
           <p:nvPr>
             <p:extLst>
               <p:ext uri="{D42A27DB-BD31-4B8C-83A1-F6EECF244321}">
-                <p14:modId xmlns:p14="http://schemas.microsoft.com/office/powerpoint/2010/main" val="1680040214"/>
+                <p14:modId xmlns:p14="http://schemas.microsoft.com/office/powerpoint/2010/main" val="1636752993"/>
               </p:ext>
             </p:extLst>
           </p:nvPr>
         </p:nvGraphicFramePr>
         <p:xfrm>
           <a:off x="567339" y="3076766"/>
-          <a:ext cx="1551021" cy="3681518"/>
+          <a:ext cx="1551021" cy="3254093"/>
         </p:xfrm>
         <a:graphic>
           <a:graphicData uri="http://schemas.openxmlformats.org/drawingml/2006/chart">
@@ -6185,14 +6185,14 @@
           <p:nvPr>
             <p:extLst>
               <p:ext uri="{D42A27DB-BD31-4B8C-83A1-F6EECF244321}">
-                <p14:modId xmlns:p14="http://schemas.microsoft.com/office/powerpoint/2010/main" val="419916426"/>
+                <p14:modId xmlns:p14="http://schemas.microsoft.com/office/powerpoint/2010/main" val="694496963"/>
               </p:ext>
             </p:extLst>
           </p:nvPr>
         </p:nvGraphicFramePr>
         <p:xfrm>
-          <a:off x="2049432" y="2977060"/>
-          <a:ext cx="2662647" cy="3813009"/>
+          <a:off x="2049432" y="2977061"/>
+          <a:ext cx="2662647" cy="3370318"/>
         </p:xfrm>
         <a:graphic>
           <a:graphicData uri="http://schemas.openxmlformats.org/drawingml/2006/chart">
@@ -6809,7 +6809,7 @@
         <p:spPr>
           <a:xfrm>
             <a:off x="11050815" y="1195561"/>
-            <a:ext cx="4190856" cy="1815882"/>
+            <a:ext cx="4190856" cy="1600438"/>
           </a:xfrm>
           <a:prstGeom prst="rect">
             <a:avLst/>
@@ -6849,7 +6849,7 @@
             </a:pPr>
             <a:r>
               <a:rPr lang="en-US" sz="1400" dirty="0"/>
-              <a:t>RSD based on a one-in-a-million extra risk (10</a:t>
+              <a:t>RSD based on a one-in-a-million extra risk (1×10</a:t>
             </a:r>
             <a:r>
               <a:rPr lang="en-US" sz="1400" baseline="30000" dirty="0"/>
@@ -6857,7 +6857,7 @@
             </a:r>
             <a:r>
               <a:rPr lang="en-US" sz="1400" dirty="0"/>
-              <a:t> risk) </a:t>
+              <a:t>) </a:t>
             </a:r>
           </a:p>
           <a:p>
@@ -6904,8 +6904,8 @@
         </p:nvSpPr>
         <p:spPr>
           <a:xfrm>
-            <a:off x="11050815" y="3084874"/>
-            <a:ext cx="4190856" cy="1815882"/>
+            <a:off x="11050815" y="2858895"/>
+            <a:ext cx="4190856" cy="1600438"/>
           </a:xfrm>
           <a:prstGeom prst="rect">
             <a:avLst/>
@@ -6935,7 +6935,7 @@
             </a:pPr>
             <a:r>
               <a:rPr lang="en-US" sz="1400" dirty="0"/>
-              <a:t>Human Dose Associated with an Effect of Magnitude M and Population Incidence I (HDMI): the human dose at which a fraction (or incidence) I of the population shows an effect of magnitude (or severity) M or greater for the adverse effect considered</a:t>
+              <a:t>Human Dose Associated with an Effect of Magnitude M and Population Incidence I (HDMI): the human dose at which a fraction (or incidence) I of the population shows an effect of magnitude (or severity) M or greater for the adverse effect</a:t>
             </a:r>
           </a:p>
           <a:p>
@@ -7691,7 +7691,7 @@
         </p:nvSpPr>
         <p:spPr>
           <a:xfrm>
-            <a:off x="11050815" y="4974187"/>
+            <a:off x="11050815" y="4531496"/>
             <a:ext cx="4190856" cy="1815882"/>
           </a:xfrm>
           <a:prstGeom prst="rect">

--- a/figures/Figure 1.pptx
+++ b/figures/Figure 1.pptx
@@ -118,7 +118,7 @@
 <file path=ppt/revisionInfo.xml><?xml version="1.0" encoding="utf-8"?>
 <p1510:revInfo xmlns:a="http://schemas.openxmlformats.org/drawingml/2006/main" xmlns:r="http://schemas.openxmlformats.org/officeDocument/2006/relationships" xmlns:p1510="http://schemas.microsoft.com/office/powerpoint/2015/10/main">
   <p1510:revLst>
-    <p1510:client id="{5EEDA46A-5631-473B-98B9-A625FA5AFAD3}" v="10" dt="2022-12-14T16:39:31.961"/>
+    <p1510:client id="{5EEDA46A-5631-473B-98B9-A625FA5AFAD3}" v="22" dt="2022-12-22T21:01:11.934"/>
   </p1510:revLst>
 </p1510:revInfo>
 </file>
@@ -128,12 +128,12 @@
   <pc:docChgLst>
     <pc:chgData name="Jang, Suji" userId="46b71c7e-d943-42a9-b5c6-2fce31a8aaf0" providerId="ADAL" clId="{5EEDA46A-5631-473B-98B9-A625FA5AFAD3}"/>
     <pc:docChg chg="undo custSel modSld">
-      <pc:chgData name="Jang, Suji" userId="46b71c7e-d943-42a9-b5c6-2fce31a8aaf0" providerId="ADAL" clId="{5EEDA46A-5631-473B-98B9-A625FA5AFAD3}" dt="2022-12-14T16:48:39.909" v="209" actId="947"/>
+      <pc:chgData name="Jang, Suji" userId="46b71c7e-d943-42a9-b5c6-2fce31a8aaf0" providerId="ADAL" clId="{5EEDA46A-5631-473B-98B9-A625FA5AFAD3}" dt="2022-12-22T21:02:16.950" v="244" actId="27918"/>
       <pc:docMkLst>
         <pc:docMk/>
       </pc:docMkLst>
       <pc:sldChg chg="addSp delSp modSp mod">
-        <pc:chgData name="Jang, Suji" userId="46b71c7e-d943-42a9-b5c6-2fce31a8aaf0" providerId="ADAL" clId="{5EEDA46A-5631-473B-98B9-A625FA5AFAD3}" dt="2022-12-14T16:48:39.909" v="209" actId="947"/>
+        <pc:chgData name="Jang, Suji" userId="46b71c7e-d943-42a9-b5c6-2fce31a8aaf0" providerId="ADAL" clId="{5EEDA46A-5631-473B-98B9-A625FA5AFAD3}" dt="2022-12-22T21:02:16.950" v="244" actId="27918"/>
         <pc:sldMkLst>
           <pc:docMk/>
           <pc:sldMk cId="154029117" sldId="256"/>
@@ -379,19 +379,35 @@
           </ac:grpSpMkLst>
         </pc:grpChg>
         <pc:graphicFrameChg chg="mod">
-          <ac:chgData name="Jang, Suji" userId="46b71c7e-d943-42a9-b5c6-2fce31a8aaf0" providerId="ADAL" clId="{5EEDA46A-5631-473B-98B9-A625FA5AFAD3}" dt="2022-12-14T16:45:47.250" v="208" actId="14100"/>
+          <ac:chgData name="Jang, Suji" userId="46b71c7e-d943-42a9-b5c6-2fce31a8aaf0" providerId="ADAL" clId="{5EEDA46A-5631-473B-98B9-A625FA5AFAD3}" dt="2022-12-22T20:58:03.729" v="218" actId="255"/>
           <ac:graphicFrameMkLst>
             <pc:docMk/>
             <pc:sldMk cId="154029117" sldId="256"/>
             <ac:graphicFrameMk id="11" creationId="{DE0DA183-A897-4BFF-B847-8AB61B096C79}"/>
           </ac:graphicFrameMkLst>
         </pc:graphicFrameChg>
-        <pc:graphicFrameChg chg="mod">
-          <ac:chgData name="Jang, Suji" userId="46b71c7e-d943-42a9-b5c6-2fce31a8aaf0" providerId="ADAL" clId="{5EEDA46A-5631-473B-98B9-A625FA5AFAD3}" dt="2022-12-14T16:45:47.250" v="208" actId="14100"/>
+        <pc:graphicFrameChg chg="del mod">
+          <ac:chgData name="Jang, Suji" userId="46b71c7e-d943-42a9-b5c6-2fce31a8aaf0" providerId="ADAL" clId="{5EEDA46A-5631-473B-98B9-A625FA5AFAD3}" dt="2022-12-22T20:57:19.205" v="210" actId="478"/>
           <ac:graphicFrameMkLst>
             <pc:docMk/>
             <pc:sldMk cId="154029117" sldId="256"/>
             <ac:graphicFrameMk id="12" creationId="{830738AD-2501-43CE-91F6-F8B3FC26CF07}"/>
+          </ac:graphicFrameMkLst>
+        </pc:graphicFrameChg>
+        <pc:graphicFrameChg chg="add del mod">
+          <ac:chgData name="Jang, Suji" userId="46b71c7e-d943-42a9-b5c6-2fce31a8aaf0" providerId="ADAL" clId="{5EEDA46A-5631-473B-98B9-A625FA5AFAD3}" dt="2022-12-22T21:00:14.877" v="226" actId="478"/>
+          <ac:graphicFrameMkLst>
+            <pc:docMk/>
+            <pc:sldMk cId="154029117" sldId="256"/>
+            <ac:graphicFrameMk id="24" creationId="{1929FE94-FE08-CFA4-9EE7-140BD42A9DDA}"/>
+          </ac:graphicFrameMkLst>
+        </pc:graphicFrameChg>
+        <pc:graphicFrameChg chg="add mod">
+          <ac:chgData name="Jang, Suji" userId="46b71c7e-d943-42a9-b5c6-2fce31a8aaf0" providerId="ADAL" clId="{5EEDA46A-5631-473B-98B9-A625FA5AFAD3}" dt="2022-12-22T21:01:11.934" v="241" actId="403"/>
+          <ac:graphicFrameMkLst>
+            <pc:docMk/>
+            <pc:sldMk cId="154029117" sldId="256"/>
+            <ac:graphicFrameMk id="26" creationId="{1929FE94-FE08-CFA4-9EE7-140BD42A9DDA}"/>
           </ac:graphicFrameMkLst>
         </pc:graphicFrameChg>
         <pc:cxnChg chg="mod">
@@ -549,7 +565,7 @@
           <a:lstStyle/>
           <a:p>
             <a:pPr>
-              <a:defRPr sz="1680" b="0" i="0" u="none" strike="noStrike" kern="1200" spc="0" baseline="0">
+              <a:defRPr sz="1600" b="0" i="0" u="none" strike="noStrike" kern="1200" spc="0" baseline="0">
                 <a:solidFill>
                   <a:schemeClr val="tx1">
                     <a:lumMod val="65000"/>
@@ -562,7 +578,7 @@
               </a:defRPr>
             </a:pPr>
             <a:r>
-              <a:rPr lang="en-US"/>
+              <a:rPr lang="en-US" sz="1600" dirty="0"/>
               <a:t>No. of D-R data points</a:t>
             </a:r>
           </a:p>
@@ -589,7 +605,7 @@
         <a:lstStyle/>
         <a:p>
           <a:pPr>
-            <a:defRPr sz="1680" b="0" i="0" u="none" strike="noStrike" kern="1200" spc="0" baseline="0">
+            <a:defRPr sz="1600" b="0" i="0" u="none" strike="noStrike" kern="1200" spc="0" baseline="0">
               <a:solidFill>
                 <a:schemeClr val="tx1">
                   <a:lumMod val="65000"/>
@@ -916,7 +932,7 @@
           <a:lstStyle/>
           <a:p>
             <a:pPr>
-              <a:defRPr sz="1680" b="0" i="0" u="none" strike="noStrike" kern="1200" spc="0" baseline="0">
+              <a:defRPr sz="1400" b="0" i="0" u="none" strike="noStrike" kern="1200" spc="0" baseline="0">
                 <a:solidFill>
                   <a:schemeClr val="tx1">
                     <a:lumMod val="65000"/>
@@ -930,8 +946,13 @@
             </a:pPr>
             <a:r>
               <a:rPr lang="en-US"/>
-              <a:t>Organ type</a:t>
-            </a:r>
+              <a:t>Cancer</a:t>
+            </a:r>
+            <a:r>
+              <a:rPr lang="en-US" baseline="0"/>
+              <a:t> Organ Types</a:t>
+            </a:r>
+            <a:endParaRPr lang="en-US"/>
           </a:p>
         </c:rich>
       </c:tx>
@@ -948,7 +969,7 @@
         <a:lstStyle/>
         <a:p>
           <a:pPr>
-            <a:defRPr sz="1680" b="0" i="0" u="none" strike="noStrike" kern="1200" spc="0" baseline="0">
+            <a:defRPr sz="1400" b="0" i="0" u="none" strike="noStrike" kern="1200" spc="0" baseline="0">
               <a:solidFill>
                 <a:schemeClr val="tx1">
                   <a:lumMod val="65000"/>
@@ -965,285 +986,145 @@
       </c:txPr>
     </c:title>
     <c:autoTitleDeleted val="0"/>
+    <c:view3D>
+      <c:rotX val="15"/>
+      <c:rotY val="20"/>
+      <c:depthPercent val="100"/>
+      <c:rAngAx val="1"/>
+    </c:view3D>
+    <c:floor>
+      <c:thickness val="0"/>
+      <c:spPr>
+        <a:noFill/>
+        <a:ln>
+          <a:noFill/>
+        </a:ln>
+        <a:effectLst/>
+        <a:sp3d/>
+      </c:spPr>
+    </c:floor>
+    <c:sideWall>
+      <c:thickness val="0"/>
+      <c:spPr>
+        <a:noFill/>
+        <a:ln>
+          <a:noFill/>
+        </a:ln>
+        <a:effectLst/>
+        <a:sp3d/>
+      </c:spPr>
+    </c:sideWall>
+    <c:backWall>
+      <c:thickness val="0"/>
+      <c:spPr>
+        <a:noFill/>
+        <a:ln>
+          <a:noFill/>
+        </a:ln>
+        <a:effectLst/>
+        <a:sp3d/>
+      </c:spPr>
+    </c:backWall>
     <c:plotArea>
       <c:layout/>
-      <c:barChart>
+      <c:bar3DChart>
         <c:barDir val="bar"/>
-        <c:grouping val="clustered"/>
-        <c:varyColors val="1"/>
+        <c:grouping val="stacked"/>
+        <c:varyColors val="0"/>
         <c:ser>
           <c:idx val="0"/>
           <c:order val="0"/>
+          <c:spPr>
+            <a:solidFill>
+              <a:schemeClr val="accent1"/>
+            </a:solidFill>
+            <a:ln>
+              <a:noFill/>
+            </a:ln>
+            <a:effectLst/>
+            <a:sp3d/>
+          </c:spPr>
           <c:invertIfNegative val="0"/>
-          <c:dPt>
-            <c:idx val="0"/>
-            <c:invertIfNegative val="0"/>
-            <c:bubble3D val="0"/>
-            <c:spPr>
-              <a:solidFill>
-                <a:schemeClr val="accent1"/>
-              </a:solidFill>
-              <a:ln w="19050">
-                <a:solidFill>
-                  <a:schemeClr val="lt1"/>
-                </a:solidFill>
-              </a:ln>
-              <a:effectLst/>
-            </c:spPr>
-            <c:extLst>
-              <c:ext xmlns:c16="http://schemas.microsoft.com/office/drawing/2014/chart" uri="{C3380CC4-5D6E-409C-BE32-E72D297353CC}">
-                <c16:uniqueId val="{00000001-B17A-4B54-BBCB-BE05ADCCA8CB}"/>
-              </c:ext>
-            </c:extLst>
-          </c:dPt>
-          <c:dPt>
-            <c:idx val="1"/>
-            <c:invertIfNegative val="0"/>
-            <c:bubble3D val="0"/>
-            <c:spPr>
-              <a:solidFill>
-                <a:schemeClr val="accent2"/>
-              </a:solidFill>
-              <a:ln w="19050">
-                <a:solidFill>
-                  <a:schemeClr val="lt1"/>
-                </a:solidFill>
-              </a:ln>
-              <a:effectLst/>
-            </c:spPr>
-            <c:extLst>
-              <c:ext xmlns:c16="http://schemas.microsoft.com/office/drawing/2014/chart" uri="{C3380CC4-5D6E-409C-BE32-E72D297353CC}">
-                <c16:uniqueId val="{00000003-B17A-4B54-BBCB-BE05ADCCA8CB}"/>
-              </c:ext>
-            </c:extLst>
-          </c:dPt>
-          <c:dPt>
-            <c:idx val="2"/>
-            <c:invertIfNegative val="0"/>
-            <c:bubble3D val="0"/>
-            <c:spPr>
-              <a:solidFill>
-                <a:schemeClr val="accent3"/>
-              </a:solidFill>
-              <a:ln w="19050">
-                <a:solidFill>
-                  <a:schemeClr val="lt1"/>
-                </a:solidFill>
-              </a:ln>
-              <a:effectLst/>
-            </c:spPr>
-            <c:extLst>
-              <c:ext xmlns:c16="http://schemas.microsoft.com/office/drawing/2014/chart" uri="{C3380CC4-5D6E-409C-BE32-E72D297353CC}">
-                <c16:uniqueId val="{00000005-B17A-4B54-BBCB-BE05ADCCA8CB}"/>
-              </c:ext>
-            </c:extLst>
-          </c:dPt>
-          <c:dPt>
-            <c:idx val="3"/>
-            <c:invertIfNegative val="0"/>
-            <c:bubble3D val="0"/>
-            <c:spPr>
-              <a:solidFill>
-                <a:schemeClr val="accent4"/>
-              </a:solidFill>
-              <a:ln w="19050">
-                <a:solidFill>
-                  <a:schemeClr val="lt1"/>
-                </a:solidFill>
-              </a:ln>
-              <a:effectLst/>
-            </c:spPr>
-            <c:extLst>
-              <c:ext xmlns:c16="http://schemas.microsoft.com/office/drawing/2014/chart" uri="{C3380CC4-5D6E-409C-BE32-E72D297353CC}">
-                <c16:uniqueId val="{00000007-B17A-4B54-BBCB-BE05ADCCA8CB}"/>
-              </c:ext>
-            </c:extLst>
-          </c:dPt>
-          <c:dPt>
-            <c:idx val="4"/>
-            <c:invertIfNegative val="0"/>
-            <c:bubble3D val="0"/>
-            <c:spPr>
-              <a:solidFill>
-                <a:schemeClr val="accent5"/>
-              </a:solidFill>
-              <a:ln w="19050">
-                <a:solidFill>
-                  <a:schemeClr val="lt1"/>
-                </a:solidFill>
-              </a:ln>
-              <a:effectLst/>
-            </c:spPr>
-            <c:extLst>
-              <c:ext xmlns:c16="http://schemas.microsoft.com/office/drawing/2014/chart" uri="{C3380CC4-5D6E-409C-BE32-E72D297353CC}">
-                <c16:uniqueId val="{00000009-B17A-4B54-BBCB-BE05ADCCA8CB}"/>
-              </c:ext>
-            </c:extLst>
-          </c:dPt>
-          <c:dPt>
-            <c:idx val="5"/>
-            <c:invertIfNegative val="0"/>
-            <c:bubble3D val="0"/>
-            <c:spPr>
-              <a:solidFill>
-                <a:schemeClr val="accent6"/>
-              </a:solidFill>
-              <a:ln w="19050">
-                <a:solidFill>
-                  <a:schemeClr val="lt1"/>
-                </a:solidFill>
-              </a:ln>
-              <a:effectLst/>
-            </c:spPr>
-            <c:extLst>
-              <c:ext xmlns:c16="http://schemas.microsoft.com/office/drawing/2014/chart" uri="{C3380CC4-5D6E-409C-BE32-E72D297353CC}">
-                <c16:uniqueId val="{0000000B-B17A-4B54-BBCB-BE05ADCCA8CB}"/>
-              </c:ext>
-            </c:extLst>
-          </c:dPt>
-          <c:dPt>
-            <c:idx val="6"/>
-            <c:invertIfNegative val="0"/>
-            <c:bubble3D val="0"/>
-            <c:spPr>
-              <a:solidFill>
-                <a:schemeClr val="accent1">
-                  <a:lumMod val="60000"/>
-                </a:schemeClr>
-              </a:solidFill>
-              <a:ln w="19050">
-                <a:solidFill>
-                  <a:schemeClr val="lt1"/>
-                </a:solidFill>
-              </a:ln>
-              <a:effectLst/>
-            </c:spPr>
-            <c:extLst>
-              <c:ext xmlns:c16="http://schemas.microsoft.com/office/drawing/2014/chart" uri="{C3380CC4-5D6E-409C-BE32-E72D297353CC}">
-                <c16:uniqueId val="{0000000D-B17A-4B54-BBCB-BE05ADCCA8CB}"/>
-              </c:ext>
-            </c:extLst>
-          </c:dPt>
-          <c:dPt>
-            <c:idx val="7"/>
-            <c:invertIfNegative val="0"/>
-            <c:bubble3D val="0"/>
-            <c:spPr>
-              <a:solidFill>
-                <a:schemeClr val="accent2">
-                  <a:lumMod val="60000"/>
-                </a:schemeClr>
-              </a:solidFill>
-              <a:ln w="19050">
-                <a:solidFill>
-                  <a:schemeClr val="lt1"/>
-                </a:solidFill>
-              </a:ln>
-              <a:effectLst/>
-            </c:spPr>
-            <c:extLst>
-              <c:ext xmlns:c16="http://schemas.microsoft.com/office/drawing/2014/chart" uri="{C3380CC4-5D6E-409C-BE32-E72D297353CC}">
-                <c16:uniqueId val="{0000000F-B17A-4B54-BBCB-BE05ADCCA8CB}"/>
-              </c:ext>
-            </c:extLst>
-          </c:dPt>
-          <c:dPt>
-            <c:idx val="8"/>
-            <c:invertIfNegative val="0"/>
-            <c:bubble3D val="0"/>
-            <c:spPr>
-              <a:solidFill>
-                <a:schemeClr val="accent3">
-                  <a:lumMod val="60000"/>
-                </a:schemeClr>
-              </a:solidFill>
-              <a:ln w="19050">
-                <a:solidFill>
-                  <a:schemeClr val="lt1"/>
-                </a:solidFill>
-              </a:ln>
-              <a:effectLst/>
-            </c:spPr>
-            <c:extLst>
-              <c:ext xmlns:c16="http://schemas.microsoft.com/office/drawing/2014/chart" uri="{C3380CC4-5D6E-409C-BE32-E72D297353CC}">
-                <c16:uniqueId val="{00000011-B17A-4B54-BBCB-BE05ADCCA8CB}"/>
-              </c:ext>
-            </c:extLst>
-          </c:dPt>
           <c:cat>
             <c:strRef>
-              <c:f>Sheet1!$R$314:$R$322</c:f>
+              <c:f>Sheet2!$F$2:$F$11</c:f>
               <c:strCache>
-                <c:ptCount val="9"/>
+                <c:ptCount val="10"/>
                 <c:pt idx="0">
-                  <c:v>Liver</c:v>
+                  <c:v>Others</c:v>
                 </c:pt>
                 <c:pt idx="1">
-                  <c:v>Others</c:v>
+                  <c:v>Adrenal Glands</c:v>
                 </c:pt>
                 <c:pt idx="2">
-                  <c:v>GI</c:v>
+                  <c:v>Thyroid</c:v>
                 </c:pt>
                 <c:pt idx="3">
-                  <c:v>Mammary…</c:v>
+                  <c:v>Kidneys</c:v>
                 </c:pt>
                 <c:pt idx="4">
+                  <c:v>Vascular System</c:v>
+                </c:pt>
+                <c:pt idx="5">
+                  <c:v>Gastrointestinal</c:v>
+                </c:pt>
+                <c:pt idx="6">
+                  <c:v>Systemic</c:v>
+                </c:pt>
+                <c:pt idx="7">
                   <c:v>Bladder</c:v>
                 </c:pt>
-                <c:pt idx="5">
-                  <c:v>Lung</c:v>
+                <c:pt idx="8">
+                  <c:v>Stomach/Forestomach</c:v>
                 </c:pt>
-                <c:pt idx="6">
-                  <c:v>Thyroid</c:v>
-                </c:pt>
-                <c:pt idx="7">
-                  <c:v>Vascular…</c:v>
-                </c:pt>
-                <c:pt idx="8">
-                  <c:v>Systemic</c:v>
+                <c:pt idx="9">
+                  <c:v>Liver</c:v>
                 </c:pt>
               </c:strCache>
             </c:strRef>
           </c:cat>
           <c:val>
             <c:numRef>
-              <c:f>Sheet1!$S$314:$S$322</c:f>
+              <c:f>Sheet2!$G$2:$G$11</c:f>
               <c:numCache>
                 <c:formatCode>General</c:formatCode>
-                <c:ptCount val="9"/>
+                <c:ptCount val="10"/>
                 <c:pt idx="0">
-                  <c:v>181</c:v>
+                  <c:v>56</c:v>
                 </c:pt>
                 <c:pt idx="1">
-                  <c:v>72</c:v>
+                  <c:v>8</c:v>
                 </c:pt>
                 <c:pt idx="2">
-                  <c:v>34</c:v>
+                  <c:v>8</c:v>
                 </c:pt>
                 <c:pt idx="3">
-                  <c:v>18</c:v>
+                  <c:v>8</c:v>
                 </c:pt>
                 <c:pt idx="4">
-                  <c:v>17</c:v>
+                  <c:v>8</c:v>
                 </c:pt>
                 <c:pt idx="5">
+                  <c:v>9</c:v>
+                </c:pt>
+                <c:pt idx="6">
+                  <c:v>9</c:v>
+                </c:pt>
+                <c:pt idx="7">
                   <c:v>13</c:v>
                 </c:pt>
-                <c:pt idx="6">
-                  <c:v>12</c:v>
+                <c:pt idx="8">
+                  <c:v>19</c:v>
                 </c:pt>
-                <c:pt idx="7">
-                  <c:v>12</c:v>
-                </c:pt>
-                <c:pt idx="8">
-                  <c:v>10</c:v>
+                <c:pt idx="9">
+                  <c:v>117</c:v>
                 </c:pt>
               </c:numCache>
             </c:numRef>
           </c:val>
           <c:extLst>
             <c:ext xmlns:c16="http://schemas.microsoft.com/office/drawing/2014/chart" uri="{C3380CC4-5D6E-409C-BE32-E72D297353CC}">
-              <c16:uniqueId val="{00000012-B17A-4B54-BBCB-BE05ADCCA8CB}"/>
+              <c16:uniqueId val="{00000000-1F8A-47DC-B4D6-6990AACC3619}"/>
             </c:ext>
           </c:extLst>
         </c:ser>
@@ -1255,17 +1136,64 @@
           <c:showPercent val="0"/>
           <c:showBubbleSize val="0"/>
         </c:dLbls>
-        <c:gapWidth val="34"/>
-        <c:axId val="486195808"/>
-        <c:axId val="486201632"/>
-      </c:barChart>
-      <c:valAx>
-        <c:axId val="486201632"/>
+        <c:gapWidth val="150"/>
+        <c:shape val="box"/>
+        <c:axId val="1623785183"/>
+        <c:axId val="1623783103"/>
+        <c:axId val="0"/>
+      </c:bar3DChart>
+      <c:catAx>
+        <c:axId val="1623785183"/>
         <c:scaling>
           <c:orientation val="minMax"/>
         </c:scaling>
         <c:delete val="0"/>
-        <c:axPos val="t"/>
+        <c:axPos val="l"/>
+        <c:numFmt formatCode="General" sourceLinked="1"/>
+        <c:majorTickMark val="none"/>
+        <c:minorTickMark val="none"/>
+        <c:tickLblPos val="nextTo"/>
+        <c:spPr>
+          <a:noFill/>
+          <a:ln>
+            <a:noFill/>
+          </a:ln>
+          <a:effectLst/>
+        </c:spPr>
+        <c:txPr>
+          <a:bodyPr rot="-60000000" spcFirstLastPara="1" vertOverflow="ellipsis" vert="horz" wrap="square" anchor="ctr" anchorCtr="1"/>
+          <a:lstStyle/>
+          <a:p>
+            <a:pPr>
+              <a:defRPr sz="1200" b="0" i="0" u="none" strike="noStrike" kern="1200" baseline="0">
+                <a:solidFill>
+                  <a:schemeClr val="tx1">
+                    <a:lumMod val="65000"/>
+                    <a:lumOff val="35000"/>
+                  </a:schemeClr>
+                </a:solidFill>
+                <a:latin typeface="+mn-lt"/>
+                <a:ea typeface="+mn-ea"/>
+                <a:cs typeface="+mn-cs"/>
+              </a:defRPr>
+            </a:pPr>
+            <a:endParaRPr lang="en-US"/>
+          </a:p>
+        </c:txPr>
+        <c:crossAx val="1623783103"/>
+        <c:crosses val="autoZero"/>
+        <c:auto val="1"/>
+        <c:lblAlgn val="ctr"/>
+        <c:lblOffset val="100"/>
+        <c:noMultiLvlLbl val="0"/>
+      </c:catAx>
+      <c:valAx>
+        <c:axId val="1623783103"/>
+        <c:scaling>
+          <c:orientation val="minMax"/>
+        </c:scaling>
+        <c:delete val="0"/>
+        <c:axPos val="b"/>
         <c:majorGridlines>
           <c:spPr>
             <a:ln w="9525" cap="flat" cmpd="sng" algn="ctr">
@@ -1296,7 +1224,7 @@
           <a:lstStyle/>
           <a:p>
             <a:pPr>
-              <a:defRPr sz="1400" b="0" i="0" u="none" strike="noStrike" kern="1200" baseline="0">
+              <a:defRPr sz="900" b="0" i="0" u="none" strike="noStrike" kern="1200" baseline="0">
                 <a:solidFill>
                   <a:schemeClr val="tx1">
                     <a:lumMod val="65000"/>
@@ -1311,61 +1239,10 @@
             <a:endParaRPr lang="en-US"/>
           </a:p>
         </c:txPr>
-        <c:crossAx val="486195808"/>
+        <c:crossAx val="1623785183"/>
         <c:crosses val="autoZero"/>
         <c:crossBetween val="between"/>
       </c:valAx>
-      <c:catAx>
-        <c:axId val="486195808"/>
-        <c:scaling>
-          <c:orientation val="maxMin"/>
-        </c:scaling>
-        <c:delete val="0"/>
-        <c:axPos val="l"/>
-        <c:numFmt formatCode="General" sourceLinked="1"/>
-        <c:majorTickMark val="none"/>
-        <c:minorTickMark val="none"/>
-        <c:tickLblPos val="nextTo"/>
-        <c:spPr>
-          <a:noFill/>
-          <a:ln w="9525" cap="flat" cmpd="sng" algn="ctr">
-            <a:solidFill>
-              <a:schemeClr val="tx1">
-                <a:lumMod val="15000"/>
-                <a:lumOff val="85000"/>
-              </a:schemeClr>
-            </a:solidFill>
-            <a:round/>
-          </a:ln>
-          <a:effectLst/>
-        </c:spPr>
-        <c:txPr>
-          <a:bodyPr rot="-60000000" spcFirstLastPara="1" vertOverflow="ellipsis" vert="horz" wrap="square" anchor="ctr" anchorCtr="1"/>
-          <a:lstStyle/>
-          <a:p>
-            <a:pPr>
-              <a:defRPr sz="1400" b="0" i="0" u="none" strike="noStrike" kern="1200" baseline="0">
-                <a:solidFill>
-                  <a:schemeClr val="tx1">
-                    <a:lumMod val="65000"/>
-                    <a:lumOff val="35000"/>
-                  </a:schemeClr>
-                </a:solidFill>
-                <a:latin typeface="+mn-lt"/>
-                <a:ea typeface="+mn-ea"/>
-                <a:cs typeface="+mn-cs"/>
-              </a:defRPr>
-            </a:pPr>
-            <a:endParaRPr lang="en-US"/>
-          </a:p>
-        </c:txPr>
-        <c:crossAx val="486201632"/>
-        <c:crosses val="autoZero"/>
-        <c:auto val="1"/>
-        <c:lblAlgn val="ctr"/>
-        <c:lblOffset val="5"/>
-        <c:noMultiLvlLbl val="0"/>
-      </c:catAx>
       <c:spPr>
         <a:noFill/>
         <a:ln>
@@ -1397,7 +1274,7 @@
     <a:lstStyle/>
     <a:p>
       <a:pPr>
-        <a:defRPr sz="1400"/>
+        <a:defRPr/>
       </a:pPr>
       <a:endParaRPr lang="en-US"/>
     </a:p>
@@ -1992,7 +1869,7 @@
 </file>
 
 <file path=ppt/charts/style2.xml><?xml version="1.0" encoding="utf-8"?>
-<cs:chartStyle xmlns:cs="http://schemas.microsoft.com/office/drawing/2012/chartStyle" xmlns:a="http://schemas.openxmlformats.org/drawingml/2006/main" id="251">
+<cs:chartStyle xmlns:cs="http://schemas.microsoft.com/office/drawing/2012/chartStyle" xmlns:a="http://schemas.openxmlformats.org/drawingml/2006/main" id="286">
   <cs:axisTitle>
     <cs:lnRef idx="0"/>
     <cs:fillRef idx="0"/>
@@ -2015,17 +1892,6 @@
         <a:lumOff val="35000"/>
       </a:schemeClr>
     </cs:fontRef>
-    <cs:spPr>
-      <a:ln w="9525" cap="flat" cmpd="sng" algn="ctr">
-        <a:solidFill>
-          <a:schemeClr val="tx1">
-            <a:lumMod val="15000"/>
-            <a:lumOff val="85000"/>
-          </a:schemeClr>
-        </a:solidFill>
-        <a:round/>
-      </a:ln>
-    </cs:spPr>
     <cs:defRPr sz="900" kern="1200"/>
   </cs:categoryAxis>
   <cs:chartArea mods="allowNoFillOverride allowNoLineOverride">
@@ -2049,7 +1915,7 @@
         <a:round/>
       </a:ln>
     </cs:spPr>
-    <cs:defRPr sz="900" kern="1200"/>
+    <cs:defRPr sz="1000" kern="1200"/>
   </cs:chartArea>
   <cs:dataLabel>
     <cs:lnRef idx="0"/>
@@ -2100,13 +1966,6 @@
     <cs:fontRef idx="minor">
       <a:schemeClr val="tx1"/>
     </cs:fontRef>
-    <cs:spPr>
-      <a:ln w="19050">
-        <a:solidFill>
-          <a:schemeClr val="lt1"/>
-        </a:solidFill>
-      </a:ln>
-    </cs:spPr>
   </cs:dataPoint>
   <cs:dataPoint3D>
     <cs:lnRef idx="0"/>
@@ -2117,19 +1976,12 @@
     <cs:fontRef idx="minor">
       <a:schemeClr val="tx1"/>
     </cs:fontRef>
-    <cs:spPr>
-      <a:ln w="25400">
-        <a:solidFill>
-          <a:schemeClr val="lt1"/>
-        </a:solidFill>
-      </a:ln>
-    </cs:spPr>
   </cs:dataPoint3D>
   <cs:dataPointLine>
     <cs:lnRef idx="0">
       <cs:styleClr val="auto"/>
     </cs:lnRef>
-    <cs:fillRef idx="0"/>
+    <cs:fillRef idx="1"/>
     <cs:effectRef idx="0"/>
     <cs:fontRef idx="minor">
       <a:schemeClr val="tx1"/>
@@ -2167,7 +2019,7 @@
     <cs:lnRef idx="0">
       <cs:styleClr val="auto"/>
     </cs:lnRef>
-    <cs:fillRef idx="0"/>
+    <cs:fillRef idx="1"/>
     <cs:effectRef idx="0"/>
     <cs:fontRef idx="minor">
       <a:schemeClr val="tx1"/>
@@ -2592,7 +2444,7 @@
           <a:p>
             <a:fld id="{A2E4C608-3332-4DE4-B983-82BE468F5C46}" type="datetimeFigureOut">
               <a:rPr lang="en-US" smtClean="0"/>
-              <a:t>12/14/2022</a:t>
+              <a:t>12/22/2022</a:t>
             </a:fld>
             <a:endParaRPr lang="en-US"/>
           </a:p>
@@ -3079,7 +2931,7 @@
           <a:p>
             <a:fld id="{82724D4C-6803-4E3B-BEA7-ED6632D6534A}" type="datetimeFigureOut">
               <a:rPr lang="en-US" smtClean="0"/>
-              <a:t>12/14/2022</a:t>
+              <a:t>12/22/2022</a:t>
             </a:fld>
             <a:endParaRPr lang="en-US"/>
           </a:p>
@@ -3249,7 +3101,7 @@
           <a:p>
             <a:fld id="{82724D4C-6803-4E3B-BEA7-ED6632D6534A}" type="datetimeFigureOut">
               <a:rPr lang="en-US" smtClean="0"/>
-              <a:t>12/14/2022</a:t>
+              <a:t>12/22/2022</a:t>
             </a:fld>
             <a:endParaRPr lang="en-US"/>
           </a:p>
@@ -3429,7 +3281,7 @@
           <a:p>
             <a:fld id="{82724D4C-6803-4E3B-BEA7-ED6632D6534A}" type="datetimeFigureOut">
               <a:rPr lang="en-US" smtClean="0"/>
-              <a:t>12/14/2022</a:t>
+              <a:t>12/22/2022</a:t>
             </a:fld>
             <a:endParaRPr lang="en-US"/>
           </a:p>
@@ -3599,7 +3451,7 @@
           <a:p>
             <a:fld id="{82724D4C-6803-4E3B-BEA7-ED6632D6534A}" type="datetimeFigureOut">
               <a:rPr lang="en-US" smtClean="0"/>
-              <a:t>12/14/2022</a:t>
+              <a:t>12/22/2022</a:t>
             </a:fld>
             <a:endParaRPr lang="en-US"/>
           </a:p>
@@ -3843,7 +3695,7 @@
           <a:p>
             <a:fld id="{82724D4C-6803-4E3B-BEA7-ED6632D6534A}" type="datetimeFigureOut">
               <a:rPr lang="en-US" smtClean="0"/>
-              <a:t>12/14/2022</a:t>
+              <a:t>12/22/2022</a:t>
             </a:fld>
             <a:endParaRPr lang="en-US"/>
           </a:p>
@@ -4075,7 +3927,7 @@
           <a:p>
             <a:fld id="{82724D4C-6803-4E3B-BEA7-ED6632D6534A}" type="datetimeFigureOut">
               <a:rPr lang="en-US" smtClean="0"/>
-              <a:t>12/14/2022</a:t>
+              <a:t>12/22/2022</a:t>
             </a:fld>
             <a:endParaRPr lang="en-US"/>
           </a:p>
@@ -4442,7 +4294,7 @@
           <a:p>
             <a:fld id="{82724D4C-6803-4E3B-BEA7-ED6632D6534A}" type="datetimeFigureOut">
               <a:rPr lang="en-US" smtClean="0"/>
-              <a:t>12/14/2022</a:t>
+              <a:t>12/22/2022</a:t>
             </a:fld>
             <a:endParaRPr lang="en-US"/>
           </a:p>
@@ -4560,7 +4412,7 @@
           <a:p>
             <a:fld id="{82724D4C-6803-4E3B-BEA7-ED6632D6534A}" type="datetimeFigureOut">
               <a:rPr lang="en-US" smtClean="0"/>
-              <a:t>12/14/2022</a:t>
+              <a:t>12/22/2022</a:t>
             </a:fld>
             <a:endParaRPr lang="en-US"/>
           </a:p>
@@ -4655,7 +4507,7 @@
           <a:p>
             <a:fld id="{82724D4C-6803-4E3B-BEA7-ED6632D6534A}" type="datetimeFigureOut">
               <a:rPr lang="en-US" smtClean="0"/>
-              <a:t>12/14/2022</a:t>
+              <a:t>12/22/2022</a:t>
             </a:fld>
             <a:endParaRPr lang="en-US"/>
           </a:p>
@@ -4932,7 +4784,7 @@
           <a:p>
             <a:fld id="{82724D4C-6803-4E3B-BEA7-ED6632D6534A}" type="datetimeFigureOut">
               <a:rPr lang="en-US" smtClean="0"/>
-              <a:t>12/14/2022</a:t>
+              <a:t>12/22/2022</a:t>
             </a:fld>
             <a:endParaRPr lang="en-US"/>
           </a:p>
@@ -5189,7 +5041,7 @@
           <a:p>
             <a:fld id="{82724D4C-6803-4E3B-BEA7-ED6632D6534A}" type="datetimeFigureOut">
               <a:rPr lang="en-US" smtClean="0"/>
-              <a:t>12/14/2022</a:t>
+              <a:t>12/22/2022</a:t>
             </a:fld>
             <a:endParaRPr lang="en-US"/>
           </a:p>
@@ -5402,7 +5254,7 @@
           <a:p>
             <a:fld id="{82724D4C-6803-4E3B-BEA7-ED6632D6534A}" type="datetimeFigureOut">
               <a:rPr lang="en-US" smtClean="0"/>
-              <a:t>12/14/2022</a:t>
+              <a:t>12/22/2022</a:t>
             </a:fld>
             <a:endParaRPr lang="en-US"/>
           </a:p>
@@ -6155,48 +6007,18 @@
           <p:nvPr>
             <p:extLst>
               <p:ext uri="{D42A27DB-BD31-4B8C-83A1-F6EECF244321}">
-                <p14:modId xmlns:p14="http://schemas.microsoft.com/office/powerpoint/2010/main" val="1636752993"/>
+                <p14:modId xmlns:p14="http://schemas.microsoft.com/office/powerpoint/2010/main" val="1093159559"/>
               </p:ext>
             </p:extLst>
           </p:nvPr>
         </p:nvGraphicFramePr>
         <p:xfrm>
           <a:off x="567339" y="3076766"/>
-          <a:ext cx="1551021" cy="3254093"/>
+          <a:ext cx="1551021" cy="3681518"/>
         </p:xfrm>
         <a:graphic>
           <a:graphicData uri="http://schemas.openxmlformats.org/drawingml/2006/chart">
             <c:chart xmlns:c="http://schemas.openxmlformats.org/drawingml/2006/chart" xmlns:r="http://schemas.openxmlformats.org/officeDocument/2006/relationships" r:id="rId3"/>
-          </a:graphicData>
-        </a:graphic>
-      </p:graphicFrame>
-      <p:graphicFrame>
-        <p:nvGraphicFramePr>
-          <p:cNvPr id="12" name="Chart 11">
-            <a:extLst>
-              <a:ext uri="{FF2B5EF4-FFF2-40B4-BE49-F238E27FC236}">
-                <a16:creationId xmlns:a16="http://schemas.microsoft.com/office/drawing/2014/main" id="{830738AD-2501-43CE-91F6-F8B3FC26CF07}"/>
-              </a:ext>
-            </a:extLst>
-          </p:cNvPr>
-          <p:cNvGraphicFramePr>
-            <a:graphicFrameLocks/>
-          </p:cNvGraphicFramePr>
-          <p:nvPr>
-            <p:extLst>
-              <p:ext uri="{D42A27DB-BD31-4B8C-83A1-F6EECF244321}">
-                <p14:modId xmlns:p14="http://schemas.microsoft.com/office/powerpoint/2010/main" val="694496963"/>
-              </p:ext>
-            </p:extLst>
-          </p:nvPr>
-        </p:nvGraphicFramePr>
-        <p:xfrm>
-          <a:off x="2049432" y="2977061"/>
-          <a:ext cx="2662647" cy="3370318"/>
-        </p:xfrm>
-        <a:graphic>
-          <a:graphicData uri="http://schemas.openxmlformats.org/drawingml/2006/chart">
-            <c:chart xmlns:c="http://schemas.openxmlformats.org/drawingml/2006/chart" xmlns:r="http://schemas.openxmlformats.org/officeDocument/2006/relationships" r:id="rId4"/>
           </a:graphicData>
         </a:graphic>
       </p:graphicFrame>
@@ -6809,7 +6631,7 @@
         <p:spPr>
           <a:xfrm>
             <a:off x="11050815" y="1195561"/>
-            <a:ext cx="4190856" cy="1600438"/>
+            <a:ext cx="4190856" cy="1815882"/>
           </a:xfrm>
           <a:prstGeom prst="rect">
             <a:avLst/>
@@ -6849,7 +6671,7 @@
             </a:pPr>
             <a:r>
               <a:rPr lang="en-US" sz="1400" dirty="0"/>
-              <a:t>RSD based on a one-in-a-million extra risk (1×10</a:t>
+              <a:t>RSD based on a one-in-a-million extra risk (10</a:t>
             </a:r>
             <a:r>
               <a:rPr lang="en-US" sz="1400" baseline="30000" dirty="0"/>
@@ -6857,7 +6679,7 @@
             </a:r>
             <a:r>
               <a:rPr lang="en-US" sz="1400" dirty="0"/>
-              <a:t>) </a:t>
+              <a:t> risk) </a:t>
             </a:r>
           </a:p>
           <a:p>
@@ -6904,8 +6726,8 @@
         </p:nvSpPr>
         <p:spPr>
           <a:xfrm>
-            <a:off x="11050815" y="2858895"/>
-            <a:ext cx="4190856" cy="1600438"/>
+            <a:off x="11050815" y="3084874"/>
+            <a:ext cx="4190856" cy="1815882"/>
           </a:xfrm>
           <a:prstGeom prst="rect">
             <a:avLst/>
@@ -6935,7 +6757,7 @@
             </a:pPr>
             <a:r>
               <a:rPr lang="en-US" sz="1400" dirty="0"/>
-              <a:t>Human Dose Associated with an Effect of Magnitude M and Population Incidence I (HDMI): the human dose at which a fraction (or incidence) I of the population shows an effect of magnitude (or severity) M or greater for the adverse effect</a:t>
+              <a:t>Human Dose Associated with an Effect of Magnitude M and Population Incidence I (HDMI): the human dose at which a fraction (or incidence) I of the population shows an effect of magnitude (or severity) M or greater for the adverse effect considered</a:t>
             </a:r>
           </a:p>
           <a:p>
@@ -7691,7 +7513,7 @@
         </p:nvSpPr>
         <p:spPr>
           <a:xfrm>
-            <a:off x="11050815" y="4531496"/>
+            <a:off x="11050815" y="4974187"/>
             <a:ext cx="4190856" cy="1815882"/>
           </a:xfrm>
           <a:prstGeom prst="rect">
@@ -8603,6 +8425,36 @@
           </p:style>
         </p:cxnSp>
       </p:grpSp>
+      <p:graphicFrame>
+        <p:nvGraphicFramePr>
+          <p:cNvPr id="26" name="Chart 25">
+            <a:extLst>
+              <a:ext uri="{FF2B5EF4-FFF2-40B4-BE49-F238E27FC236}">
+                <a16:creationId xmlns:a16="http://schemas.microsoft.com/office/drawing/2014/main" id="{1929FE94-FE08-CFA4-9EE7-140BD42A9DDA}"/>
+              </a:ext>
+            </a:extLst>
+          </p:cNvPr>
+          <p:cNvGraphicFramePr>
+            <a:graphicFrameLocks/>
+          </p:cNvGraphicFramePr>
+          <p:nvPr>
+            <p:extLst>
+              <p:ext uri="{D42A27DB-BD31-4B8C-83A1-F6EECF244321}">
+                <p14:modId xmlns:p14="http://schemas.microsoft.com/office/powerpoint/2010/main" val="663045067"/>
+              </p:ext>
+            </p:extLst>
+          </p:nvPr>
+        </p:nvGraphicFramePr>
+        <p:xfrm>
+          <a:off x="2132851" y="3084874"/>
+          <a:ext cx="2619039" cy="3673410"/>
+        </p:xfrm>
+        <a:graphic>
+          <a:graphicData uri="http://schemas.openxmlformats.org/drawingml/2006/chart">
+            <c:chart xmlns:c="http://schemas.openxmlformats.org/drawingml/2006/chart" xmlns:r="http://schemas.openxmlformats.org/officeDocument/2006/relationships" r:id="rId4"/>
+          </a:graphicData>
+        </a:graphic>
+      </p:graphicFrame>
     </p:spTree>
     <p:extLst>
       <p:ext uri="{BB962C8B-B14F-4D97-AF65-F5344CB8AC3E}">

--- a/figures/Figure 1.pptx
+++ b/figures/Figure 1.pptx
@@ -118,7 +118,7 @@
 <file path=ppt/revisionInfo.xml><?xml version="1.0" encoding="utf-8"?>
 <p1510:revInfo xmlns:a="http://schemas.openxmlformats.org/drawingml/2006/main" xmlns:r="http://schemas.openxmlformats.org/officeDocument/2006/relationships" xmlns:p1510="http://schemas.microsoft.com/office/powerpoint/2015/10/main">
   <p1510:revLst>
-    <p1510:client id="{5EEDA46A-5631-473B-98B9-A625FA5AFAD3}" v="22" dt="2022-12-22T21:01:11.934"/>
+    <p1510:client id="{331345D9-CAAA-4E17-BE9F-415EF1BD68FE}" v="14" dt="2023-01-05T09:09:10.418"/>
   </p1510:revLst>
 </p1510:revInfo>
 </file>
@@ -541,6 +541,334 @@
       </pc:sldChg>
     </pc:docChg>
   </pc:docChgLst>
+  <pc:docChgLst>
+    <pc:chgData name="Jang, Suji" userId="46b71c7e-d943-42a9-b5c6-2fce31a8aaf0" providerId="ADAL" clId="{331345D9-CAAA-4E17-BE9F-415EF1BD68FE}"/>
+    <pc:docChg chg="undo custSel modSld">
+      <pc:chgData name="Jang, Suji" userId="46b71c7e-d943-42a9-b5c6-2fce31a8aaf0" providerId="ADAL" clId="{331345D9-CAAA-4E17-BE9F-415EF1BD68FE}" dt="2023-01-05T09:09:10.418" v="94" actId="5736"/>
+      <pc:docMkLst>
+        <pc:docMk/>
+      </pc:docMkLst>
+      <pc:sldChg chg="addSp delSp modSp mod">
+        <pc:chgData name="Jang, Suji" userId="46b71c7e-d943-42a9-b5c6-2fce31a8aaf0" providerId="ADAL" clId="{331345D9-CAAA-4E17-BE9F-415EF1BD68FE}" dt="2023-01-05T09:09:10.418" v="94" actId="5736"/>
+        <pc:sldMkLst>
+          <pc:docMk/>
+          <pc:sldMk cId="154029117" sldId="256"/>
+        </pc:sldMkLst>
+        <pc:spChg chg="mod">
+          <ac:chgData name="Jang, Suji" userId="46b71c7e-d943-42a9-b5c6-2fce31a8aaf0" providerId="ADAL" clId="{331345D9-CAAA-4E17-BE9F-415EF1BD68FE}" dt="2023-01-05T09:09:10.418" v="94" actId="5736"/>
+          <ac:spMkLst>
+            <pc:docMk/>
+            <pc:sldMk cId="154029117" sldId="256"/>
+            <ac:spMk id="5" creationId="{8842A989-3598-4A3D-A287-93886937223A}"/>
+          </ac:spMkLst>
+        </pc:spChg>
+        <pc:spChg chg="mod">
+          <ac:chgData name="Jang, Suji" userId="46b71c7e-d943-42a9-b5c6-2fce31a8aaf0" providerId="ADAL" clId="{331345D9-CAAA-4E17-BE9F-415EF1BD68FE}" dt="2023-01-05T09:09:10.418" v="94" actId="5736"/>
+          <ac:spMkLst>
+            <pc:docMk/>
+            <pc:sldMk cId="154029117" sldId="256"/>
+            <ac:spMk id="6" creationId="{04B4E85F-A95A-4D71-9AE7-373452DE5CEF}"/>
+          </ac:spMkLst>
+        </pc:spChg>
+        <pc:spChg chg="mod">
+          <ac:chgData name="Jang, Suji" userId="46b71c7e-d943-42a9-b5c6-2fce31a8aaf0" providerId="ADAL" clId="{331345D9-CAAA-4E17-BE9F-415EF1BD68FE}" dt="2023-01-05T09:09:10.418" v="94" actId="5736"/>
+          <ac:spMkLst>
+            <pc:docMk/>
+            <pc:sldMk cId="154029117" sldId="256"/>
+            <ac:spMk id="7" creationId="{D890CD5F-DE21-46B1-84AF-081CA4EECF14}"/>
+          </ac:spMkLst>
+        </pc:spChg>
+        <pc:spChg chg="mod">
+          <ac:chgData name="Jang, Suji" userId="46b71c7e-d943-42a9-b5c6-2fce31a8aaf0" providerId="ADAL" clId="{331345D9-CAAA-4E17-BE9F-415EF1BD68FE}" dt="2023-01-05T09:09:10.418" v="94" actId="5736"/>
+          <ac:spMkLst>
+            <pc:docMk/>
+            <pc:sldMk cId="154029117" sldId="256"/>
+            <ac:spMk id="8" creationId="{9DDA437B-B368-408C-A38C-7CCFE1DFCE45}"/>
+          </ac:spMkLst>
+        </pc:spChg>
+        <pc:spChg chg="mod">
+          <ac:chgData name="Jang, Suji" userId="46b71c7e-d943-42a9-b5c6-2fce31a8aaf0" providerId="ADAL" clId="{331345D9-CAAA-4E17-BE9F-415EF1BD68FE}" dt="2023-01-05T09:09:10.418" v="94" actId="5736"/>
+          <ac:spMkLst>
+            <pc:docMk/>
+            <pc:sldMk cId="154029117" sldId="256"/>
+            <ac:spMk id="9" creationId="{D8CBE676-9182-4997-B241-BC4ACB17DFCE}"/>
+          </ac:spMkLst>
+        </pc:spChg>
+        <pc:spChg chg="mod">
+          <ac:chgData name="Jang, Suji" userId="46b71c7e-d943-42a9-b5c6-2fce31a8aaf0" providerId="ADAL" clId="{331345D9-CAAA-4E17-BE9F-415EF1BD68FE}" dt="2023-01-05T09:09:10.418" v="94" actId="5736"/>
+          <ac:spMkLst>
+            <pc:docMk/>
+            <pc:sldMk cId="154029117" sldId="256"/>
+            <ac:spMk id="10" creationId="{58E757BA-65D9-45FF-82D0-FE148700F1F1}"/>
+          </ac:spMkLst>
+        </pc:spChg>
+        <pc:spChg chg="mod topLvl">
+          <ac:chgData name="Jang, Suji" userId="46b71c7e-d943-42a9-b5c6-2fce31a8aaf0" providerId="ADAL" clId="{331345D9-CAAA-4E17-BE9F-415EF1BD68FE}" dt="2023-01-05T09:05:12.233" v="61" actId="164"/>
+          <ac:spMkLst>
+            <pc:docMk/>
+            <pc:sldMk cId="154029117" sldId="256"/>
+            <ac:spMk id="13" creationId="{2E62CF4C-55CC-4FE2-B142-FFEB45A2BE8F}"/>
+          </ac:spMkLst>
+        </pc:spChg>
+        <pc:spChg chg="mod topLvl">
+          <ac:chgData name="Jang, Suji" userId="46b71c7e-d943-42a9-b5c6-2fce31a8aaf0" providerId="ADAL" clId="{331345D9-CAAA-4E17-BE9F-415EF1BD68FE}" dt="2023-01-05T09:05:14.727" v="62" actId="164"/>
+          <ac:spMkLst>
+            <pc:docMk/>
+            <pc:sldMk cId="154029117" sldId="256"/>
+            <ac:spMk id="14" creationId="{F8E0CB00-6C12-45E8-A5C5-A70E77BA3B46}"/>
+          </ac:spMkLst>
+        </pc:spChg>
+        <pc:spChg chg="mod topLvl">
+          <ac:chgData name="Jang, Suji" userId="46b71c7e-d943-42a9-b5c6-2fce31a8aaf0" providerId="ADAL" clId="{331345D9-CAAA-4E17-BE9F-415EF1BD68FE}" dt="2023-01-05T09:05:04.057" v="59" actId="164"/>
+          <ac:spMkLst>
+            <pc:docMk/>
+            <pc:sldMk cId="154029117" sldId="256"/>
+            <ac:spMk id="15" creationId="{221997B2-73F2-4B23-9E03-11AFA847B0AD}"/>
+          </ac:spMkLst>
+        </pc:spChg>
+        <pc:spChg chg="mod topLvl">
+          <ac:chgData name="Jang, Suji" userId="46b71c7e-d943-42a9-b5c6-2fce31a8aaf0" providerId="ADAL" clId="{331345D9-CAAA-4E17-BE9F-415EF1BD68FE}" dt="2023-01-05T09:05:07.082" v="60" actId="164"/>
+          <ac:spMkLst>
+            <pc:docMk/>
+            <pc:sldMk cId="154029117" sldId="256"/>
+            <ac:spMk id="16" creationId="{82C3D29B-0DB6-45D4-BFCE-A9DF5CF31FC0}"/>
+          </ac:spMkLst>
+        </pc:spChg>
+        <pc:spChg chg="mod">
+          <ac:chgData name="Jang, Suji" userId="46b71c7e-d943-42a9-b5c6-2fce31a8aaf0" providerId="ADAL" clId="{331345D9-CAAA-4E17-BE9F-415EF1BD68FE}" dt="2023-01-05T09:09:10.418" v="94" actId="5736"/>
+          <ac:spMkLst>
+            <pc:docMk/>
+            <pc:sldMk cId="154029117" sldId="256"/>
+            <ac:spMk id="18" creationId="{7E07C574-E2EB-4C43-B839-3044309CFE9D}"/>
+          </ac:spMkLst>
+        </pc:spChg>
+        <pc:spChg chg="mod">
+          <ac:chgData name="Jang, Suji" userId="46b71c7e-d943-42a9-b5c6-2fce31a8aaf0" providerId="ADAL" clId="{331345D9-CAAA-4E17-BE9F-415EF1BD68FE}" dt="2023-01-05T09:09:10.418" v="94" actId="5736"/>
+          <ac:spMkLst>
+            <pc:docMk/>
+            <pc:sldMk cId="154029117" sldId="256"/>
+            <ac:spMk id="19" creationId="{F39FB78F-16CC-46C4-8DCF-D0171F89E191}"/>
+          </ac:spMkLst>
+        </pc:spChg>
+        <pc:spChg chg="mod">
+          <ac:chgData name="Jang, Suji" userId="46b71c7e-d943-42a9-b5c6-2fce31a8aaf0" providerId="ADAL" clId="{331345D9-CAAA-4E17-BE9F-415EF1BD68FE}" dt="2023-01-05T09:09:10.418" v="94" actId="5736"/>
+          <ac:spMkLst>
+            <pc:docMk/>
+            <pc:sldMk cId="154029117" sldId="256"/>
+            <ac:spMk id="31" creationId="{0EB7DB77-1C89-4D47-A45E-D99E402B9956}"/>
+          </ac:spMkLst>
+        </pc:spChg>
+        <pc:spChg chg="mod">
+          <ac:chgData name="Jang, Suji" userId="46b71c7e-d943-42a9-b5c6-2fce31a8aaf0" providerId="ADAL" clId="{331345D9-CAAA-4E17-BE9F-415EF1BD68FE}" dt="2023-01-05T09:09:10.418" v="94" actId="5736"/>
+          <ac:spMkLst>
+            <pc:docMk/>
+            <pc:sldMk cId="154029117" sldId="256"/>
+            <ac:spMk id="32" creationId="{9DF7DF60-120D-416C-BC24-C03ED4F96648}"/>
+          </ac:spMkLst>
+        </pc:spChg>
+        <pc:spChg chg="mod">
+          <ac:chgData name="Jang, Suji" userId="46b71c7e-d943-42a9-b5c6-2fce31a8aaf0" providerId="ADAL" clId="{331345D9-CAAA-4E17-BE9F-415EF1BD68FE}" dt="2023-01-05T09:09:10.418" v="94" actId="5736"/>
+          <ac:spMkLst>
+            <pc:docMk/>
+            <pc:sldMk cId="154029117" sldId="256"/>
+            <ac:spMk id="92" creationId="{D1854C37-B5A3-1937-5027-9E3F711B796D}"/>
+          </ac:spMkLst>
+        </pc:spChg>
+        <pc:spChg chg="mod">
+          <ac:chgData name="Jang, Suji" userId="46b71c7e-d943-42a9-b5c6-2fce31a8aaf0" providerId="ADAL" clId="{331345D9-CAAA-4E17-BE9F-415EF1BD68FE}" dt="2023-01-05T09:09:10.418" v="94" actId="5736"/>
+          <ac:spMkLst>
+            <pc:docMk/>
+            <pc:sldMk cId="154029117" sldId="256"/>
+            <ac:spMk id="99" creationId="{18BB68B2-398F-5A10-359F-9B55A6032BB0}"/>
+          </ac:spMkLst>
+        </pc:spChg>
+        <pc:spChg chg="mod">
+          <ac:chgData name="Jang, Suji" userId="46b71c7e-d943-42a9-b5c6-2fce31a8aaf0" providerId="ADAL" clId="{331345D9-CAAA-4E17-BE9F-415EF1BD68FE}" dt="2023-01-05T09:09:10.418" v="94" actId="5736"/>
+          <ac:spMkLst>
+            <pc:docMk/>
+            <pc:sldMk cId="154029117" sldId="256"/>
+            <ac:spMk id="101" creationId="{569FAC04-A6FA-3E5D-4C49-59D7A276AE0A}"/>
+          </ac:spMkLst>
+        </pc:spChg>
+        <pc:spChg chg="mod">
+          <ac:chgData name="Jang, Suji" userId="46b71c7e-d943-42a9-b5c6-2fce31a8aaf0" providerId="ADAL" clId="{331345D9-CAAA-4E17-BE9F-415EF1BD68FE}" dt="2023-01-05T09:09:10.418" v="94" actId="5736"/>
+          <ac:spMkLst>
+            <pc:docMk/>
+            <pc:sldMk cId="154029117" sldId="256"/>
+            <ac:spMk id="126" creationId="{1D6908F1-2D79-F9B4-D0F2-70F3CDC9F18D}"/>
+          </ac:spMkLst>
+        </pc:spChg>
+        <pc:spChg chg="mod">
+          <ac:chgData name="Jang, Suji" userId="46b71c7e-d943-42a9-b5c6-2fce31a8aaf0" providerId="ADAL" clId="{331345D9-CAAA-4E17-BE9F-415EF1BD68FE}" dt="2023-01-05T09:09:10.418" v="94" actId="5736"/>
+          <ac:spMkLst>
+            <pc:docMk/>
+            <pc:sldMk cId="154029117" sldId="256"/>
+            <ac:spMk id="141" creationId="{1703CCFF-D660-0A48-A192-A9B2250E98BF}"/>
+          </ac:spMkLst>
+        </pc:spChg>
+        <pc:spChg chg="mod">
+          <ac:chgData name="Jang, Suji" userId="46b71c7e-d943-42a9-b5c6-2fce31a8aaf0" providerId="ADAL" clId="{331345D9-CAAA-4E17-BE9F-415EF1BD68FE}" dt="2023-01-05T09:09:10.418" v="94" actId="5736"/>
+          <ac:spMkLst>
+            <pc:docMk/>
+            <pc:sldMk cId="154029117" sldId="256"/>
+            <ac:spMk id="149" creationId="{B225F3C0-A756-E383-F525-2C2D638C6A6A}"/>
+          </ac:spMkLst>
+        </pc:spChg>
+        <pc:grpChg chg="add mod">
+          <ac:chgData name="Jang, Suji" userId="46b71c7e-d943-42a9-b5c6-2fce31a8aaf0" providerId="ADAL" clId="{331345D9-CAAA-4E17-BE9F-415EF1BD68FE}" dt="2023-01-05T09:09:10.418" v="94" actId="5736"/>
+          <ac:grpSpMkLst>
+            <pc:docMk/>
+            <pc:sldMk cId="154029117" sldId="256"/>
+            <ac:grpSpMk id="12" creationId="{AC8D8A35-9A73-E42D-FDEA-397FABB3A51B}"/>
+          </ac:grpSpMkLst>
+        </pc:grpChg>
+        <pc:grpChg chg="add mod">
+          <ac:chgData name="Jang, Suji" userId="46b71c7e-d943-42a9-b5c6-2fce31a8aaf0" providerId="ADAL" clId="{331345D9-CAAA-4E17-BE9F-415EF1BD68FE}" dt="2023-01-05T09:09:10.418" v="94" actId="5736"/>
+          <ac:grpSpMkLst>
+            <pc:docMk/>
+            <pc:sldMk cId="154029117" sldId="256"/>
+            <ac:grpSpMk id="24" creationId="{095C7B08-0B1D-3914-DB69-AFB771772313}"/>
+          </ac:grpSpMkLst>
+        </pc:grpChg>
+        <pc:grpChg chg="add mod">
+          <ac:chgData name="Jang, Suji" userId="46b71c7e-d943-42a9-b5c6-2fce31a8aaf0" providerId="ADAL" clId="{331345D9-CAAA-4E17-BE9F-415EF1BD68FE}" dt="2023-01-05T09:09:10.418" v="94" actId="5736"/>
+          <ac:grpSpMkLst>
+            <pc:docMk/>
+            <pc:sldMk cId="154029117" sldId="256"/>
+            <ac:grpSpMk id="27" creationId="{F5F32EEA-A36D-F636-D6AA-CBFE567AEC21}"/>
+          </ac:grpSpMkLst>
+        </pc:grpChg>
+        <pc:grpChg chg="add mod">
+          <ac:chgData name="Jang, Suji" userId="46b71c7e-d943-42a9-b5c6-2fce31a8aaf0" providerId="ADAL" clId="{331345D9-CAAA-4E17-BE9F-415EF1BD68FE}" dt="2023-01-05T09:09:10.418" v="94" actId="5736"/>
+          <ac:grpSpMkLst>
+            <pc:docMk/>
+            <pc:sldMk cId="154029117" sldId="256"/>
+            <ac:grpSpMk id="38" creationId="{1C70E4A9-A906-31A2-0028-696D67C6D123}"/>
+          </ac:grpSpMkLst>
+        </pc:grpChg>
+        <pc:grpChg chg="del mod">
+          <ac:chgData name="Jang, Suji" userId="46b71c7e-d943-42a9-b5c6-2fce31a8aaf0" providerId="ADAL" clId="{331345D9-CAAA-4E17-BE9F-415EF1BD68FE}" dt="2023-01-05T09:03:52.789" v="34" actId="165"/>
+          <ac:grpSpMkLst>
+            <pc:docMk/>
+            <pc:sldMk cId="154029117" sldId="256"/>
+            <ac:grpSpMk id="40" creationId="{5B10A661-3B8A-D8E9-D673-641126E8880C}"/>
+          </ac:grpSpMkLst>
+        </pc:grpChg>
+        <pc:grpChg chg="del mod">
+          <ac:chgData name="Jang, Suji" userId="46b71c7e-d943-42a9-b5c6-2fce31a8aaf0" providerId="ADAL" clId="{331345D9-CAAA-4E17-BE9F-415EF1BD68FE}" dt="2023-01-05T09:03:54.736" v="35" actId="165"/>
+          <ac:grpSpMkLst>
+            <pc:docMk/>
+            <pc:sldMk cId="154029117" sldId="256"/>
+            <ac:grpSpMk id="41" creationId="{DAD40FD8-9D4D-FF93-CF5B-692E658A44E7}"/>
+          </ac:grpSpMkLst>
+        </pc:grpChg>
+        <pc:grpChg chg="del mod">
+          <ac:chgData name="Jang, Suji" userId="46b71c7e-d943-42a9-b5c6-2fce31a8aaf0" providerId="ADAL" clId="{331345D9-CAAA-4E17-BE9F-415EF1BD68FE}" dt="2023-01-05T09:03:47.720" v="32" actId="165"/>
+          <ac:grpSpMkLst>
+            <pc:docMk/>
+            <pc:sldMk cId="154029117" sldId="256"/>
+            <ac:grpSpMk id="42" creationId="{983AEE1F-6DBD-C0C5-8CA7-E9FF8912B347}"/>
+          </ac:grpSpMkLst>
+        </pc:grpChg>
+        <pc:grpChg chg="del mod">
+          <ac:chgData name="Jang, Suji" userId="46b71c7e-d943-42a9-b5c6-2fce31a8aaf0" providerId="ADAL" clId="{331345D9-CAAA-4E17-BE9F-415EF1BD68FE}" dt="2023-01-05T09:03:50.304" v="33" actId="165"/>
+          <ac:grpSpMkLst>
+            <pc:docMk/>
+            <pc:sldMk cId="154029117" sldId="256"/>
+            <ac:grpSpMk id="43" creationId="{099D1BFF-FEA2-CD09-1775-65538ABCDCAF}"/>
+          </ac:grpSpMkLst>
+        </pc:grpChg>
+        <pc:grpChg chg="mod">
+          <ac:chgData name="Jang, Suji" userId="46b71c7e-d943-42a9-b5c6-2fce31a8aaf0" providerId="ADAL" clId="{331345D9-CAAA-4E17-BE9F-415EF1BD68FE}" dt="2023-01-05T09:09:10.418" v="94" actId="5736"/>
+          <ac:grpSpMkLst>
+            <pc:docMk/>
+            <pc:sldMk cId="154029117" sldId="256"/>
+            <ac:grpSpMk id="44" creationId="{140FD758-BBFE-D473-FB96-B148E1715FAF}"/>
+          </ac:grpSpMkLst>
+        </pc:grpChg>
+        <pc:grpChg chg="mod">
+          <ac:chgData name="Jang, Suji" userId="46b71c7e-d943-42a9-b5c6-2fce31a8aaf0" providerId="ADAL" clId="{331345D9-CAAA-4E17-BE9F-415EF1BD68FE}" dt="2023-01-05T09:09:10.418" v="94" actId="5736"/>
+          <ac:grpSpMkLst>
+            <pc:docMk/>
+            <pc:sldMk cId="154029117" sldId="256"/>
+            <ac:grpSpMk id="45" creationId="{1428D6F5-1DB8-1C7A-1ACB-F25A78980FB2}"/>
+          </ac:grpSpMkLst>
+        </pc:grpChg>
+        <pc:grpChg chg="mod">
+          <ac:chgData name="Jang, Suji" userId="46b71c7e-d943-42a9-b5c6-2fce31a8aaf0" providerId="ADAL" clId="{331345D9-CAAA-4E17-BE9F-415EF1BD68FE}" dt="2023-01-05T09:09:10.418" v="94" actId="5736"/>
+          <ac:grpSpMkLst>
+            <pc:docMk/>
+            <pc:sldMk cId="154029117" sldId="256"/>
+            <ac:grpSpMk id="46" creationId="{4818DA9F-74B7-D924-30AC-B6D3EAFB9F83}"/>
+          </ac:grpSpMkLst>
+        </pc:grpChg>
+        <pc:graphicFrameChg chg="mod">
+          <ac:chgData name="Jang, Suji" userId="46b71c7e-d943-42a9-b5c6-2fce31a8aaf0" providerId="ADAL" clId="{331345D9-CAAA-4E17-BE9F-415EF1BD68FE}" dt="2023-01-05T09:09:10.418" v="94" actId="5736"/>
+          <ac:graphicFrameMkLst>
+            <pc:docMk/>
+            <pc:sldMk cId="154029117" sldId="256"/>
+            <ac:graphicFrameMk id="11" creationId="{DE0DA183-A897-4BFF-B847-8AB61B096C79}"/>
+          </ac:graphicFrameMkLst>
+        </pc:graphicFrameChg>
+        <pc:graphicFrameChg chg="mod">
+          <ac:chgData name="Jang, Suji" userId="46b71c7e-d943-42a9-b5c6-2fce31a8aaf0" providerId="ADAL" clId="{331345D9-CAAA-4E17-BE9F-415EF1BD68FE}" dt="2023-01-05T09:09:10.418" v="94" actId="5736"/>
+          <ac:graphicFrameMkLst>
+            <pc:docMk/>
+            <pc:sldMk cId="154029117" sldId="256"/>
+            <ac:graphicFrameMk id="26" creationId="{1929FE94-FE08-CFA4-9EE7-140BD42A9DDA}"/>
+          </ac:graphicFrameMkLst>
+        </pc:graphicFrameChg>
+        <pc:cxnChg chg="mod topLvl">
+          <ac:chgData name="Jang, Suji" userId="46b71c7e-d943-42a9-b5c6-2fce31a8aaf0" providerId="ADAL" clId="{331345D9-CAAA-4E17-BE9F-415EF1BD68FE}" dt="2023-01-05T09:05:14.727" v="62" actId="164"/>
+          <ac:cxnSpMkLst>
+            <pc:docMk/>
+            <pc:sldMk cId="154029117" sldId="256"/>
+            <ac:cxnSpMk id="17" creationId="{8821FA33-25B4-4C52-B676-157E09357FC2}"/>
+          </ac:cxnSpMkLst>
+        </pc:cxnChg>
+        <pc:cxnChg chg="mod topLvl">
+          <ac:chgData name="Jang, Suji" userId="46b71c7e-d943-42a9-b5c6-2fce31a8aaf0" providerId="ADAL" clId="{331345D9-CAAA-4E17-BE9F-415EF1BD68FE}" dt="2023-01-05T09:05:12.233" v="61" actId="164"/>
+          <ac:cxnSpMkLst>
+            <pc:docMk/>
+            <pc:sldMk cId="154029117" sldId="256"/>
+            <ac:cxnSpMk id="20" creationId="{67B6D897-A7CB-4F7B-9FD9-5BE6D759CF25}"/>
+          </ac:cxnSpMkLst>
+        </pc:cxnChg>
+        <pc:cxnChg chg="mod topLvl">
+          <ac:chgData name="Jang, Suji" userId="46b71c7e-d943-42a9-b5c6-2fce31a8aaf0" providerId="ADAL" clId="{331345D9-CAAA-4E17-BE9F-415EF1BD68FE}" dt="2023-01-05T09:05:07.082" v="60" actId="164"/>
+          <ac:cxnSpMkLst>
+            <pc:docMk/>
+            <pc:sldMk cId="154029117" sldId="256"/>
+            <ac:cxnSpMk id="21" creationId="{E888F088-A754-4F49-BF33-4E535289E41D}"/>
+          </ac:cxnSpMkLst>
+        </pc:cxnChg>
+        <pc:cxnChg chg="mod topLvl">
+          <ac:chgData name="Jang, Suji" userId="46b71c7e-d943-42a9-b5c6-2fce31a8aaf0" providerId="ADAL" clId="{331345D9-CAAA-4E17-BE9F-415EF1BD68FE}" dt="2023-01-05T09:05:04.057" v="59" actId="164"/>
+          <ac:cxnSpMkLst>
+            <pc:docMk/>
+            <pc:sldMk cId="154029117" sldId="256"/>
+            <ac:cxnSpMk id="22" creationId="{3D7E010D-D52F-433C-80A6-9AFDD7676C50}"/>
+          </ac:cxnSpMkLst>
+        </pc:cxnChg>
+        <pc:cxnChg chg="mod">
+          <ac:chgData name="Jang, Suji" userId="46b71c7e-d943-42a9-b5c6-2fce31a8aaf0" providerId="ADAL" clId="{331345D9-CAAA-4E17-BE9F-415EF1BD68FE}" dt="2023-01-05T09:09:10.418" v="94" actId="5736"/>
+          <ac:cxnSpMkLst>
+            <pc:docMk/>
+            <pc:sldMk cId="154029117" sldId="256"/>
+            <ac:cxnSpMk id="23" creationId="{67300F17-DB64-4EE1-9369-CE7B5B15F311}"/>
+          </ac:cxnSpMkLst>
+        </pc:cxnChg>
+        <pc:cxnChg chg="mod">
+          <ac:chgData name="Jang, Suji" userId="46b71c7e-d943-42a9-b5c6-2fce31a8aaf0" providerId="ADAL" clId="{331345D9-CAAA-4E17-BE9F-415EF1BD68FE}" dt="2023-01-05T09:09:10.418" v="94" actId="5736"/>
+          <ac:cxnSpMkLst>
+            <pc:docMk/>
+            <pc:sldMk cId="154029117" sldId="256"/>
+            <ac:cxnSpMk id="25" creationId="{0F892160-8C2D-4DF5-93D1-698A7874037E}"/>
+          </ac:cxnSpMkLst>
+        </pc:cxnChg>
+      </pc:sldChg>
+    </pc:docChg>
+  </pc:docChgLst>
 </pc:chgInfo>
 </file>
 
@@ -578,7 +906,11 @@
               </a:defRPr>
             </a:pPr>
             <a:r>
-              <a:rPr lang="en-US" sz="1600" dirty="0"/>
+              <a:rPr lang="en-US" sz="1600" b="1" dirty="0">
+                <a:solidFill>
+                  <a:schemeClr val="tx1"/>
+                </a:solidFill>
+              </a:rPr>
               <a:t>No. of D-R data points</a:t>
             </a:r>
           </a:p>
@@ -945,14 +1277,26 @@
               </a:defRPr>
             </a:pPr>
             <a:r>
-              <a:rPr lang="en-US"/>
+              <a:rPr lang="en-US" b="1" dirty="0">
+                <a:solidFill>
+                  <a:schemeClr val="tx1"/>
+                </a:solidFill>
+              </a:rPr>
               <a:t>Cancer</a:t>
             </a:r>
             <a:r>
-              <a:rPr lang="en-US" baseline="0"/>
+              <a:rPr lang="en-US" b="1" baseline="0" dirty="0">
+                <a:solidFill>
+                  <a:schemeClr val="tx1"/>
+                </a:solidFill>
+              </a:rPr>
               <a:t> Organ Types</a:t>
             </a:r>
-            <a:endParaRPr lang="en-US"/>
+            <a:endParaRPr lang="en-US" b="1" dirty="0">
+              <a:solidFill>
+                <a:schemeClr val="tx1"/>
+              </a:solidFill>
+            </a:endParaRPr>
           </a:p>
         </c:rich>
       </c:tx>
@@ -1167,10 +1511,7 @@
             <a:pPr>
               <a:defRPr sz="1200" b="0" i="0" u="none" strike="noStrike" kern="1200" baseline="0">
                 <a:solidFill>
-                  <a:schemeClr val="tx1">
-                    <a:lumMod val="65000"/>
-                    <a:lumOff val="35000"/>
-                  </a:schemeClr>
+                  <a:schemeClr val="tx1"/>
                 </a:solidFill>
                 <a:latin typeface="+mn-lt"/>
                 <a:ea typeface="+mn-ea"/>
@@ -2444,7 +2785,7 @@
           <a:p>
             <a:fld id="{A2E4C608-3332-4DE4-B983-82BE468F5C46}" type="datetimeFigureOut">
               <a:rPr lang="en-US" smtClean="0"/>
-              <a:t>12/22/2022</a:t>
+              <a:t>1/5/2023</a:t>
             </a:fld>
             <a:endParaRPr lang="en-US"/>
           </a:p>
@@ -2931,7 +3272,7 @@
           <a:p>
             <a:fld id="{82724D4C-6803-4E3B-BEA7-ED6632D6534A}" type="datetimeFigureOut">
               <a:rPr lang="en-US" smtClean="0"/>
-              <a:t>12/22/2022</a:t>
+              <a:t>1/5/2023</a:t>
             </a:fld>
             <a:endParaRPr lang="en-US"/>
           </a:p>
@@ -3101,7 +3442,7 @@
           <a:p>
             <a:fld id="{82724D4C-6803-4E3B-BEA7-ED6632D6534A}" type="datetimeFigureOut">
               <a:rPr lang="en-US" smtClean="0"/>
-              <a:t>12/22/2022</a:t>
+              <a:t>1/5/2023</a:t>
             </a:fld>
             <a:endParaRPr lang="en-US"/>
           </a:p>
@@ -3281,7 +3622,7 @@
           <a:p>
             <a:fld id="{82724D4C-6803-4E3B-BEA7-ED6632D6534A}" type="datetimeFigureOut">
               <a:rPr lang="en-US" smtClean="0"/>
-              <a:t>12/22/2022</a:t>
+              <a:t>1/5/2023</a:t>
             </a:fld>
             <a:endParaRPr lang="en-US"/>
           </a:p>
@@ -3451,7 +3792,7 @@
           <a:p>
             <a:fld id="{82724D4C-6803-4E3B-BEA7-ED6632D6534A}" type="datetimeFigureOut">
               <a:rPr lang="en-US" smtClean="0"/>
-              <a:t>12/22/2022</a:t>
+              <a:t>1/5/2023</a:t>
             </a:fld>
             <a:endParaRPr lang="en-US"/>
           </a:p>
@@ -3695,7 +4036,7 @@
           <a:p>
             <a:fld id="{82724D4C-6803-4E3B-BEA7-ED6632D6534A}" type="datetimeFigureOut">
               <a:rPr lang="en-US" smtClean="0"/>
-              <a:t>12/22/2022</a:t>
+              <a:t>1/5/2023</a:t>
             </a:fld>
             <a:endParaRPr lang="en-US"/>
           </a:p>
@@ -3927,7 +4268,7 @@
           <a:p>
             <a:fld id="{82724D4C-6803-4E3B-BEA7-ED6632D6534A}" type="datetimeFigureOut">
               <a:rPr lang="en-US" smtClean="0"/>
-              <a:t>12/22/2022</a:t>
+              <a:t>1/5/2023</a:t>
             </a:fld>
             <a:endParaRPr lang="en-US"/>
           </a:p>
@@ -4294,7 +4635,7 @@
           <a:p>
             <a:fld id="{82724D4C-6803-4E3B-BEA7-ED6632D6534A}" type="datetimeFigureOut">
               <a:rPr lang="en-US" smtClean="0"/>
-              <a:t>12/22/2022</a:t>
+              <a:t>1/5/2023</a:t>
             </a:fld>
             <a:endParaRPr lang="en-US"/>
           </a:p>
@@ -4412,7 +4753,7 @@
           <a:p>
             <a:fld id="{82724D4C-6803-4E3B-BEA7-ED6632D6534A}" type="datetimeFigureOut">
               <a:rPr lang="en-US" smtClean="0"/>
-              <a:t>12/22/2022</a:t>
+              <a:t>1/5/2023</a:t>
             </a:fld>
             <a:endParaRPr lang="en-US"/>
           </a:p>
@@ -4507,7 +4848,7 @@
           <a:p>
             <a:fld id="{82724D4C-6803-4E3B-BEA7-ED6632D6534A}" type="datetimeFigureOut">
               <a:rPr lang="en-US" smtClean="0"/>
-              <a:t>12/22/2022</a:t>
+              <a:t>1/5/2023</a:t>
             </a:fld>
             <a:endParaRPr lang="en-US"/>
           </a:p>
@@ -4784,7 +5125,7 @@
           <a:p>
             <a:fld id="{82724D4C-6803-4E3B-BEA7-ED6632D6534A}" type="datetimeFigureOut">
               <a:rPr lang="en-US" smtClean="0"/>
-              <a:t>12/22/2022</a:t>
+              <a:t>1/5/2023</a:t>
             </a:fld>
             <a:endParaRPr lang="en-US"/>
           </a:p>
@@ -5041,7 +5382,7 @@
           <a:p>
             <a:fld id="{82724D4C-6803-4E3B-BEA7-ED6632D6534A}" type="datetimeFigureOut">
               <a:rPr lang="en-US" smtClean="0"/>
-              <a:t>12/22/2022</a:t>
+              <a:t>1/5/2023</a:t>
             </a:fld>
             <a:endParaRPr lang="en-US"/>
           </a:p>
@@ -5254,7 +5595,7 @@
           <a:p>
             <a:fld id="{82724D4C-6803-4E3B-BEA7-ED6632D6534A}" type="datetimeFigureOut">
               <a:rPr lang="en-US" smtClean="0"/>
-              <a:t>12/22/2022</a:t>
+              <a:t>1/5/2023</a:t>
             </a:fld>
             <a:endParaRPr lang="en-US"/>
           </a:p>
@@ -6007,14 +6348,14 @@
           <p:nvPr>
             <p:extLst>
               <p:ext uri="{D42A27DB-BD31-4B8C-83A1-F6EECF244321}">
-                <p14:modId xmlns:p14="http://schemas.microsoft.com/office/powerpoint/2010/main" val="1093159559"/>
+                <p14:modId xmlns:p14="http://schemas.microsoft.com/office/powerpoint/2010/main" val="40651222"/>
               </p:ext>
             </p:extLst>
           </p:nvPr>
         </p:nvGraphicFramePr>
         <p:xfrm>
           <a:off x="567339" y="3076766"/>
-          <a:ext cx="1551021" cy="3681518"/>
+          <a:ext cx="1551021" cy="3056839"/>
         </p:xfrm>
         <a:graphic>
           <a:graphicData uri="http://schemas.openxmlformats.org/drawingml/2006/chart">
@@ -6024,10 +6365,10 @@
       </p:graphicFrame>
       <p:grpSp>
         <p:nvGrpSpPr>
-          <p:cNvPr id="42" name="Group 41">
+          <p:cNvPr id="38" name="Group 37">
             <a:extLst>
               <a:ext uri="{FF2B5EF4-FFF2-40B4-BE49-F238E27FC236}">
-                <a16:creationId xmlns:a16="http://schemas.microsoft.com/office/drawing/2014/main" id="{983AEE1F-6DBD-C0C5-8CA7-E9FF8912B347}"/>
+                <a16:creationId xmlns:a16="http://schemas.microsoft.com/office/drawing/2014/main" id="{1C70E4A9-A906-31A2-0028-696D67C6D123}"/>
               </a:ext>
             </a:extLst>
           </p:cNvPr>
@@ -6036,10 +6377,10 @@
         </p:nvGrpSpPr>
         <p:grpSpPr>
           <a:xfrm>
-            <a:off x="5548865" y="1200780"/>
-            <a:ext cx="1005840" cy="549661"/>
-            <a:chOff x="5548865" y="1200780"/>
-            <a:chExt cx="1005840" cy="549661"/>
+            <a:off x="5630541" y="1207731"/>
+            <a:ext cx="1005840" cy="604011"/>
+            <a:chOff x="5630541" y="1207731"/>
+            <a:chExt cx="1005840" cy="604011"/>
           </a:xfrm>
         </p:grpSpPr>
         <p:sp>
@@ -6056,7 +6397,7 @@
           </p:nvSpPr>
           <p:spPr>
             <a:xfrm>
-              <a:off x="5548865" y="1200780"/>
+              <a:off x="5630541" y="1207731"/>
               <a:ext cx="1005840" cy="307777"/>
             </a:xfrm>
             <a:prstGeom prst="rect">
@@ -6099,8 +6440,8 @@
           </p:nvCxnSpPr>
           <p:spPr>
             <a:xfrm>
-              <a:off x="6051785" y="1503039"/>
-              <a:ext cx="0" cy="247402"/>
+              <a:off x="6133461" y="1509990"/>
+              <a:ext cx="0" cy="301752"/>
             </a:xfrm>
             <a:prstGeom prst="straightConnector1">
               <a:avLst/>
@@ -6130,10 +6471,10 @@
       </p:grpSp>
       <p:grpSp>
         <p:nvGrpSpPr>
-          <p:cNvPr id="43" name="Group 42">
+          <p:cNvPr id="27" name="Group 26">
             <a:extLst>
               <a:ext uri="{FF2B5EF4-FFF2-40B4-BE49-F238E27FC236}">
-                <a16:creationId xmlns:a16="http://schemas.microsoft.com/office/drawing/2014/main" id="{099D1BFF-FEA2-CD09-1775-65538ABCDCAF}"/>
+                <a16:creationId xmlns:a16="http://schemas.microsoft.com/office/drawing/2014/main" id="{F5F32EEA-A36D-F636-D6AA-CBFE567AEC21}"/>
               </a:ext>
             </a:extLst>
           </p:cNvPr>
@@ -6142,10 +6483,10 @@
         </p:nvGrpSpPr>
         <p:grpSpPr>
           <a:xfrm>
-            <a:off x="6727928" y="1200780"/>
-            <a:ext cx="1005840" cy="554701"/>
-            <a:chOff x="6823898" y="1200780"/>
-            <a:chExt cx="1005840" cy="554701"/>
+            <a:off x="6809604" y="1207731"/>
+            <a:ext cx="1005840" cy="609051"/>
+            <a:chOff x="6809604" y="1207731"/>
+            <a:chExt cx="1005840" cy="609051"/>
           </a:xfrm>
         </p:grpSpPr>
         <p:sp>
@@ -6162,7 +6503,7 @@
           </p:nvSpPr>
           <p:spPr>
             <a:xfrm>
-              <a:off x="6823898" y="1200780"/>
+              <a:off x="6809604" y="1207731"/>
               <a:ext cx="1005840" cy="307777"/>
             </a:xfrm>
             <a:prstGeom prst="rect">
@@ -6205,8 +6546,8 @@
           </p:nvCxnSpPr>
           <p:spPr>
             <a:xfrm>
-              <a:off x="7326818" y="1508079"/>
-              <a:ext cx="0" cy="247402"/>
+              <a:off x="7312524" y="1515030"/>
+              <a:ext cx="0" cy="301752"/>
             </a:xfrm>
             <a:prstGeom prst="straightConnector1">
               <a:avLst/>
@@ -6236,10 +6577,10 @@
       </p:grpSp>
       <p:grpSp>
         <p:nvGrpSpPr>
-          <p:cNvPr id="40" name="Group 39">
+          <p:cNvPr id="24" name="Group 23">
             <a:extLst>
               <a:ext uri="{FF2B5EF4-FFF2-40B4-BE49-F238E27FC236}">
-                <a16:creationId xmlns:a16="http://schemas.microsoft.com/office/drawing/2014/main" id="{5B10A661-3B8A-D8E9-D673-641126E8880C}"/>
+                <a16:creationId xmlns:a16="http://schemas.microsoft.com/office/drawing/2014/main" id="{095C7B08-0B1D-3914-DB69-AFB771772313}"/>
               </a:ext>
             </a:extLst>
           </p:cNvPr>
@@ -6248,10 +6589,10 @@
         </p:nvGrpSpPr>
         <p:grpSpPr>
           <a:xfrm>
-            <a:off x="7906991" y="1200780"/>
-            <a:ext cx="1005840" cy="554701"/>
-            <a:chOff x="8039407" y="1200780"/>
-            <a:chExt cx="1005840" cy="554701"/>
+            <a:off x="7988667" y="1207731"/>
+            <a:ext cx="1005840" cy="609051"/>
+            <a:chOff x="7988667" y="1207731"/>
+            <a:chExt cx="1005840" cy="609051"/>
           </a:xfrm>
         </p:grpSpPr>
         <p:sp>
@@ -6268,7 +6609,7 @@
           </p:nvSpPr>
           <p:spPr>
             <a:xfrm>
-              <a:off x="8039407" y="1200780"/>
+              <a:off x="7988667" y="1207731"/>
               <a:ext cx="1005840" cy="307777"/>
             </a:xfrm>
             <a:prstGeom prst="rect">
@@ -6311,8 +6652,8 @@
           </p:nvCxnSpPr>
           <p:spPr>
             <a:xfrm>
-              <a:off x="8542327" y="1508079"/>
-              <a:ext cx="0" cy="247402"/>
+              <a:off x="8491587" y="1515030"/>
+              <a:ext cx="0" cy="301752"/>
             </a:xfrm>
             <a:prstGeom prst="straightConnector1">
               <a:avLst/>
@@ -6342,10 +6683,10 @@
       </p:grpSp>
       <p:grpSp>
         <p:nvGrpSpPr>
-          <p:cNvPr id="41" name="Group 40">
+          <p:cNvPr id="12" name="Group 11">
             <a:extLst>
               <a:ext uri="{FF2B5EF4-FFF2-40B4-BE49-F238E27FC236}">
-                <a16:creationId xmlns:a16="http://schemas.microsoft.com/office/drawing/2014/main" id="{DAD40FD8-9D4D-FF93-CF5B-692E658A44E7}"/>
+                <a16:creationId xmlns:a16="http://schemas.microsoft.com/office/drawing/2014/main" id="{AC8D8A35-9A73-E42D-FDEA-397FABB3A51B}"/>
               </a:ext>
             </a:extLst>
           </p:cNvPr>
@@ -6354,10 +6695,10 @@
         </p:nvGrpSpPr>
         <p:grpSpPr>
           <a:xfrm>
-            <a:off x="9086055" y="1195561"/>
-            <a:ext cx="1005840" cy="554880"/>
-            <a:chOff x="9086055" y="1195561"/>
-            <a:chExt cx="1005840" cy="554880"/>
+            <a:off x="9167730" y="1212122"/>
+            <a:ext cx="1005840" cy="599620"/>
+            <a:chOff x="9167730" y="1212122"/>
+            <a:chExt cx="1005840" cy="599620"/>
           </a:xfrm>
         </p:grpSpPr>
         <p:sp>
@@ -6374,7 +6715,7 @@
           </p:nvSpPr>
           <p:spPr>
             <a:xfrm>
-              <a:off x="9086055" y="1195561"/>
+              <a:off x="9167730" y="1212122"/>
               <a:ext cx="1005840" cy="307777"/>
             </a:xfrm>
             <a:prstGeom prst="rect">
@@ -6417,8 +6758,8 @@
           </p:nvCxnSpPr>
           <p:spPr>
             <a:xfrm>
-              <a:off x="9588975" y="1503039"/>
-              <a:ext cx="0" cy="247402"/>
+              <a:off x="9670651" y="1509990"/>
+              <a:ext cx="0" cy="301752"/>
             </a:xfrm>
             <a:prstGeom prst="straightConnector1">
               <a:avLst/>
@@ -6460,7 +6801,7 @@
         </p:nvSpPr>
         <p:spPr>
           <a:xfrm>
-            <a:off x="5548864" y="1767966"/>
+            <a:off x="5630540" y="1860642"/>
             <a:ext cx="4543031" cy="307777"/>
           </a:xfrm>
           <a:prstGeom prst="rect">
@@ -6503,8 +6844,8 @@
         </p:nvCxnSpPr>
         <p:spPr>
           <a:xfrm>
-            <a:off x="7820379" y="2075743"/>
-            <a:ext cx="0" cy="247402"/>
+            <a:off x="7902055" y="2168419"/>
+            <a:ext cx="0" cy="301752"/>
           </a:xfrm>
           <a:prstGeom prst="straightConnector1">
             <a:avLst/>
@@ -6545,7 +6886,7 @@
         </p:nvSpPr>
         <p:spPr>
           <a:xfrm>
-            <a:off x="5548863" y="2349125"/>
+            <a:off x="5630539" y="2527526"/>
             <a:ext cx="4543035" cy="307777"/>
           </a:xfrm>
           <a:prstGeom prst="rect">
@@ -6588,8 +6929,8 @@
         </p:nvCxnSpPr>
         <p:spPr>
           <a:xfrm>
-            <a:off x="7820380" y="2656902"/>
-            <a:ext cx="0" cy="247402"/>
+            <a:off x="7902056" y="2835303"/>
+            <a:ext cx="0" cy="301752"/>
           </a:xfrm>
           <a:prstGeom prst="straightConnector1">
             <a:avLst/>
@@ -6631,7 +6972,7 @@
         <p:spPr>
           <a:xfrm>
             <a:off x="11050815" y="1195561"/>
-            <a:ext cx="4190856" cy="1815882"/>
+            <a:ext cx="4190856" cy="1600438"/>
           </a:xfrm>
           <a:prstGeom prst="rect">
             <a:avLst/>
@@ -6671,19 +7012,23 @@
             </a:pPr>
             <a:r>
               <a:rPr lang="en-US" sz="1400" dirty="0"/>
-              <a:t>RSD based on a one-in-a-million extra risk (10</a:t>
-            </a:r>
-            <a:r>
-              <a:rPr lang="en-US" sz="1400" baseline="30000" dirty="0"/>
+              <a:t>RSD based on a one-in-a-million extra risk </a:t>
+            </a:r>
+            <a:r>
+              <a:rPr lang="en-US" sz="1300" dirty="0"/>
+              <a:t>(10</a:t>
+            </a:r>
+            <a:r>
+              <a:rPr lang="en-US" sz="1300" baseline="30000" dirty="0"/>
               <a:t>-6</a:t>
             </a:r>
             <a:r>
-              <a:rPr lang="en-US" sz="1400" dirty="0"/>
+              <a:rPr lang="en-US" sz="1300" dirty="0"/>
               <a:t> risk) </a:t>
             </a:r>
           </a:p>
           <a:p>
-            <a:pPr marL="742950" lvl="1" indent="-182880">
+            <a:pPr marL="640080" lvl="1" indent="-274320">
               <a:buFont typeface="Courier New" panose="02070309020205020404" pitchFamily="49" charset="0"/>
               <a:buChar char="o"/>
             </a:pPr>
@@ -6693,7 +7038,7 @@
             </a:r>
           </a:p>
           <a:p>
-            <a:pPr marL="742950" lvl="1" indent="-182880">
+            <a:pPr marL="640080" lvl="1" indent="-274320">
               <a:buFont typeface="Courier New" panose="02070309020205020404" pitchFamily="49" charset="0"/>
               <a:buChar char="o"/>
             </a:pPr>
@@ -6726,8 +7071,8 @@
         </p:nvSpPr>
         <p:spPr>
           <a:xfrm>
-            <a:off x="11050815" y="3084874"/>
-            <a:ext cx="4190856" cy="1815882"/>
+            <a:off x="11050815" y="2864364"/>
+            <a:ext cx="4190856" cy="1600438"/>
           </a:xfrm>
           <a:prstGeom prst="rect">
             <a:avLst/>
@@ -6757,11 +7102,23 @@
             </a:pPr>
             <a:r>
               <a:rPr lang="en-US" sz="1400" dirty="0"/>
-              <a:t>Human Dose Associated with an Effect of Magnitude M and Population Incidence I (HDMI): the human dose at which a fraction (or incidence) I of the population shows an effect of magnitude (or severity) M or greater for the adverse effect considered</a:t>
-            </a:r>
-          </a:p>
-          <a:p>
-            <a:pPr marL="742950" lvl="1" indent="-182880">
+              <a:t>Human Dose Associated with an Effect of Magnitude M and Population Incidence I (HD</a:t>
+            </a:r>
+            <a:r>
+              <a:rPr lang="en-US" sz="1400" baseline="-25000" dirty="0"/>
+              <a:t>M</a:t>
+            </a:r>
+            <a:r>
+              <a:rPr lang="en-US" sz="1400" baseline="30000" dirty="0"/>
+              <a:t>I</a:t>
+            </a:r>
+            <a:r>
+              <a:rPr lang="en-US" sz="1400" dirty="0"/>
+              <a:t>): the human dose at which a fraction (or incidence) I of the population shows an effect of magnitude (or severity) M or greater for the adverse effect</a:t>
+            </a:r>
+          </a:p>
+          <a:p>
+            <a:pPr marL="640080" lvl="1" indent="-274320">
               <a:buFont typeface="Courier New" panose="02070309020205020404" pitchFamily="49" charset="0"/>
               <a:buChar char="o"/>
             </a:pPr>
@@ -6806,7 +7163,7 @@
         </p:nvSpPr>
         <p:spPr>
           <a:xfrm>
-            <a:off x="5544250" y="2927945"/>
+            <a:off x="5620046" y="3194410"/>
             <a:ext cx="4547659" cy="307777"/>
           </a:xfrm>
           <a:prstGeom prst="rect">
@@ -6847,7 +7204,7 @@
         </p:nvSpPr>
         <p:spPr>
           <a:xfrm>
-            <a:off x="5557580" y="3340060"/>
+            <a:off x="5633376" y="3606525"/>
             <a:ext cx="310896" cy="2527080"/>
           </a:xfrm>
           <a:prstGeom prst="rect">
@@ -6906,7 +7263,7 @@
         </p:nvSpPr>
         <p:spPr>
           <a:xfrm>
-            <a:off x="5868476" y="3285433"/>
+            <a:off x="5944272" y="3551898"/>
             <a:ext cx="4376649" cy="307777"/>
           </a:xfrm>
           <a:prstGeom prst="rect">
@@ -6941,7 +7298,7 @@
         </p:nvGrpSpPr>
         <p:grpSpPr>
           <a:xfrm>
-            <a:off x="5866367" y="3606760"/>
+            <a:off x="5942163" y="3873225"/>
             <a:ext cx="4225553" cy="531246"/>
             <a:chOff x="5866367" y="3557163"/>
             <a:chExt cx="4225553" cy="531246"/>
@@ -7443,7 +7800,7 @@
         </p:nvSpPr>
         <p:spPr>
           <a:xfrm>
-            <a:off x="5871816" y="4151556"/>
+            <a:off x="5947612" y="4418021"/>
             <a:ext cx="4350486" cy="307777"/>
           </a:xfrm>
           <a:prstGeom prst="rect">
@@ -7478,7 +7835,7 @@
         </p:nvSpPr>
         <p:spPr>
           <a:xfrm>
-            <a:off x="5875837" y="5024609"/>
+            <a:off x="5951633" y="5291074"/>
             <a:ext cx="3337837" cy="307776"/>
           </a:xfrm>
           <a:prstGeom prst="rect">
@@ -7513,8 +7870,8 @@
         </p:nvSpPr>
         <p:spPr>
           <a:xfrm>
-            <a:off x="11050815" y="4974187"/>
-            <a:ext cx="4190856" cy="1815882"/>
+            <a:off x="11050815" y="4533167"/>
+            <a:ext cx="4190856" cy="1600438"/>
           </a:xfrm>
           <a:prstGeom prst="rect">
             <a:avLst/>
@@ -7538,17 +7895,17 @@
             </a:r>
           </a:p>
           <a:p>
-            <a:pPr marL="491478" indent="-342892">
+            <a:pPr marL="285750" indent="-182880">
               <a:buFont typeface="Arial" panose="020B0604020202020204" pitchFamily="34" charset="0"/>
               <a:buChar char="•"/>
             </a:pPr>
             <a:r>
               <a:rPr lang="en-US" sz="1400" dirty="0"/>
-              <a:t>Fraction of the overall variance that is contributed by uncertainties to quantify the dose–response relationship</a:t>
-            </a:r>
-          </a:p>
-          <a:p>
-            <a:pPr marL="948666" lvl="1" indent="-342892">
+              <a:t>Fraction of the overall variance that is contributed by uncertainties to quantify the dose-response relationship</a:t>
+            </a:r>
+          </a:p>
+          <a:p>
+            <a:pPr marL="640080" lvl="1" indent="-274320">
               <a:buFont typeface="Courier New" panose="02070309020205020404" pitchFamily="49" charset="0"/>
               <a:buChar char="o"/>
             </a:pPr>
@@ -7558,7 +7915,7 @@
             </a:r>
           </a:p>
           <a:p>
-            <a:pPr marL="948666" lvl="1" indent="-342892">
+            <a:pPr marL="640080" lvl="1" indent="-274320">
               <a:buFont typeface="Courier New" panose="02070309020205020404" pitchFamily="49" charset="0"/>
               <a:buChar char="o"/>
             </a:pPr>
@@ -7581,7 +7938,7 @@
             <a:endParaRPr lang="en-US" sz="1400" dirty="0"/>
           </a:p>
           <a:p>
-            <a:pPr marL="948666" lvl="1" indent="-342892">
+            <a:pPr marL="640080" lvl="1" indent="-274320">
               <a:buFont typeface="Courier New" panose="02070309020205020404" pitchFamily="49" charset="0"/>
               <a:buChar char="o"/>
             </a:pPr>
@@ -7606,7 +7963,7 @@
         </p:nvGrpSpPr>
         <p:grpSpPr>
           <a:xfrm>
-            <a:off x="5862609" y="4472883"/>
+            <a:off x="5938405" y="4739348"/>
             <a:ext cx="4235165" cy="538176"/>
             <a:chOff x="5862609" y="4362915"/>
             <a:chExt cx="4235165" cy="538176"/>
@@ -8108,7 +8465,7 @@
         </p:nvGrpSpPr>
         <p:grpSpPr>
           <a:xfrm>
-            <a:off x="5862609" y="5345933"/>
+            <a:off x="5938405" y="5612398"/>
             <a:ext cx="4235165" cy="521209"/>
             <a:chOff x="5862609" y="5155109"/>
             <a:chExt cx="4235165" cy="521209"/>
@@ -8440,14 +8797,14 @@
           <p:nvPr>
             <p:extLst>
               <p:ext uri="{D42A27DB-BD31-4B8C-83A1-F6EECF244321}">
-                <p14:modId xmlns:p14="http://schemas.microsoft.com/office/powerpoint/2010/main" val="663045067"/>
+                <p14:modId xmlns:p14="http://schemas.microsoft.com/office/powerpoint/2010/main" val="493019586"/>
               </p:ext>
             </p:extLst>
           </p:nvPr>
         </p:nvGraphicFramePr>
         <p:xfrm>
           <a:off x="2132851" y="3084874"/>
-          <a:ext cx="2619039" cy="3673410"/>
+          <a:ext cx="2619039" cy="3048731"/>
         </p:xfrm>
         <a:graphic>
           <a:graphicData uri="http://schemas.openxmlformats.org/drawingml/2006/chart">

--- a/figures/Figure 1.pptx
+++ b/figures/Figure 1.pptx
@@ -2,7 +2,7 @@
 <file path=ppt/presentation.xml><?xml version="1.0" encoding="utf-8"?>
 <p:presentation xmlns:a="http://schemas.openxmlformats.org/drawingml/2006/main" xmlns:r="http://schemas.openxmlformats.org/officeDocument/2006/relationships" xmlns:p="http://schemas.openxmlformats.org/presentationml/2006/main" saveSubsetFonts="1">
   <p:sldMasterIdLst>
-    <p:sldMasterId id="2147483672" r:id="rId1"/>
+    <p:sldMasterId id="2147483720" r:id="rId1"/>
   </p:sldMasterIdLst>
   <p:notesMasterIdLst>
     <p:notesMasterId r:id="rId3"/>
@@ -10,7 +10,7 @@
   <p:sldIdLst>
     <p:sldId id="256" r:id="rId2"/>
   </p:sldIdLst>
-  <p:sldSz cx="15544800" cy="13716000"/>
+  <p:sldSz cx="15087600" cy="6126163"/>
   <p:notesSz cx="6858000" cy="9144000"/>
   <p:defaultTextStyle>
     <a:defPPr>
@@ -125,6 +125,334 @@
 
 <file path=ppt/changesInfos/changesInfo1.xml><?xml version="1.0" encoding="utf-8"?>
 <pc:chgInfo xmlns:a="http://schemas.openxmlformats.org/drawingml/2006/main" xmlns:r="http://schemas.openxmlformats.org/officeDocument/2006/relationships" xmlns:ac="http://schemas.microsoft.com/office/drawing/2013/main/command" xmlns:pc="http://schemas.microsoft.com/office/powerpoint/2013/main/command">
+  <pc:docChgLst>
+    <pc:chgData name="Jang, Suji" userId="46b71c7e-d943-42a9-b5c6-2fce31a8aaf0" providerId="ADAL" clId="{331345D9-CAAA-4E17-BE9F-415EF1BD68FE}"/>
+    <pc:docChg chg="undo custSel modSld">
+      <pc:chgData name="Jang, Suji" userId="46b71c7e-d943-42a9-b5c6-2fce31a8aaf0" providerId="ADAL" clId="{331345D9-CAAA-4E17-BE9F-415EF1BD68FE}" dt="2023-01-05T09:09:10.418" v="94" actId="5736"/>
+      <pc:docMkLst>
+        <pc:docMk/>
+      </pc:docMkLst>
+      <pc:sldChg chg="addSp delSp modSp mod">
+        <pc:chgData name="Jang, Suji" userId="46b71c7e-d943-42a9-b5c6-2fce31a8aaf0" providerId="ADAL" clId="{331345D9-CAAA-4E17-BE9F-415EF1BD68FE}" dt="2023-01-05T09:09:10.418" v="94" actId="5736"/>
+        <pc:sldMkLst>
+          <pc:docMk/>
+          <pc:sldMk cId="154029117" sldId="256"/>
+        </pc:sldMkLst>
+        <pc:spChg chg="mod">
+          <ac:chgData name="Jang, Suji" userId="46b71c7e-d943-42a9-b5c6-2fce31a8aaf0" providerId="ADAL" clId="{331345D9-CAAA-4E17-BE9F-415EF1BD68FE}" dt="2023-01-05T09:09:10.418" v="94" actId="5736"/>
+          <ac:spMkLst>
+            <pc:docMk/>
+            <pc:sldMk cId="154029117" sldId="256"/>
+            <ac:spMk id="5" creationId="{8842A989-3598-4A3D-A287-93886937223A}"/>
+          </ac:spMkLst>
+        </pc:spChg>
+        <pc:spChg chg="mod">
+          <ac:chgData name="Jang, Suji" userId="46b71c7e-d943-42a9-b5c6-2fce31a8aaf0" providerId="ADAL" clId="{331345D9-CAAA-4E17-BE9F-415EF1BD68FE}" dt="2023-01-05T09:09:10.418" v="94" actId="5736"/>
+          <ac:spMkLst>
+            <pc:docMk/>
+            <pc:sldMk cId="154029117" sldId="256"/>
+            <ac:spMk id="6" creationId="{04B4E85F-A95A-4D71-9AE7-373452DE5CEF}"/>
+          </ac:spMkLst>
+        </pc:spChg>
+        <pc:spChg chg="mod">
+          <ac:chgData name="Jang, Suji" userId="46b71c7e-d943-42a9-b5c6-2fce31a8aaf0" providerId="ADAL" clId="{331345D9-CAAA-4E17-BE9F-415EF1BD68FE}" dt="2023-01-05T09:09:10.418" v="94" actId="5736"/>
+          <ac:spMkLst>
+            <pc:docMk/>
+            <pc:sldMk cId="154029117" sldId="256"/>
+            <ac:spMk id="7" creationId="{D890CD5F-DE21-46B1-84AF-081CA4EECF14}"/>
+          </ac:spMkLst>
+        </pc:spChg>
+        <pc:spChg chg="mod">
+          <ac:chgData name="Jang, Suji" userId="46b71c7e-d943-42a9-b5c6-2fce31a8aaf0" providerId="ADAL" clId="{331345D9-CAAA-4E17-BE9F-415EF1BD68FE}" dt="2023-01-05T09:09:10.418" v="94" actId="5736"/>
+          <ac:spMkLst>
+            <pc:docMk/>
+            <pc:sldMk cId="154029117" sldId="256"/>
+            <ac:spMk id="8" creationId="{9DDA437B-B368-408C-A38C-7CCFE1DFCE45}"/>
+          </ac:spMkLst>
+        </pc:spChg>
+        <pc:spChg chg="mod">
+          <ac:chgData name="Jang, Suji" userId="46b71c7e-d943-42a9-b5c6-2fce31a8aaf0" providerId="ADAL" clId="{331345D9-CAAA-4E17-BE9F-415EF1BD68FE}" dt="2023-01-05T09:09:10.418" v="94" actId="5736"/>
+          <ac:spMkLst>
+            <pc:docMk/>
+            <pc:sldMk cId="154029117" sldId="256"/>
+            <ac:spMk id="9" creationId="{D8CBE676-9182-4997-B241-BC4ACB17DFCE}"/>
+          </ac:spMkLst>
+        </pc:spChg>
+        <pc:spChg chg="mod">
+          <ac:chgData name="Jang, Suji" userId="46b71c7e-d943-42a9-b5c6-2fce31a8aaf0" providerId="ADAL" clId="{331345D9-CAAA-4E17-BE9F-415EF1BD68FE}" dt="2023-01-05T09:09:10.418" v="94" actId="5736"/>
+          <ac:spMkLst>
+            <pc:docMk/>
+            <pc:sldMk cId="154029117" sldId="256"/>
+            <ac:spMk id="10" creationId="{58E757BA-65D9-45FF-82D0-FE148700F1F1}"/>
+          </ac:spMkLst>
+        </pc:spChg>
+        <pc:spChg chg="mod topLvl">
+          <ac:chgData name="Jang, Suji" userId="46b71c7e-d943-42a9-b5c6-2fce31a8aaf0" providerId="ADAL" clId="{331345D9-CAAA-4E17-BE9F-415EF1BD68FE}" dt="2023-01-05T09:05:12.233" v="61" actId="164"/>
+          <ac:spMkLst>
+            <pc:docMk/>
+            <pc:sldMk cId="154029117" sldId="256"/>
+            <ac:spMk id="13" creationId="{2E62CF4C-55CC-4FE2-B142-FFEB45A2BE8F}"/>
+          </ac:spMkLst>
+        </pc:spChg>
+        <pc:spChg chg="mod topLvl">
+          <ac:chgData name="Jang, Suji" userId="46b71c7e-d943-42a9-b5c6-2fce31a8aaf0" providerId="ADAL" clId="{331345D9-CAAA-4E17-BE9F-415EF1BD68FE}" dt="2023-01-05T09:05:14.727" v="62" actId="164"/>
+          <ac:spMkLst>
+            <pc:docMk/>
+            <pc:sldMk cId="154029117" sldId="256"/>
+            <ac:spMk id="14" creationId="{F8E0CB00-6C12-45E8-A5C5-A70E77BA3B46}"/>
+          </ac:spMkLst>
+        </pc:spChg>
+        <pc:spChg chg="mod topLvl">
+          <ac:chgData name="Jang, Suji" userId="46b71c7e-d943-42a9-b5c6-2fce31a8aaf0" providerId="ADAL" clId="{331345D9-CAAA-4E17-BE9F-415EF1BD68FE}" dt="2023-01-05T09:05:04.057" v="59" actId="164"/>
+          <ac:spMkLst>
+            <pc:docMk/>
+            <pc:sldMk cId="154029117" sldId="256"/>
+            <ac:spMk id="15" creationId="{221997B2-73F2-4B23-9E03-11AFA847B0AD}"/>
+          </ac:spMkLst>
+        </pc:spChg>
+        <pc:spChg chg="mod topLvl">
+          <ac:chgData name="Jang, Suji" userId="46b71c7e-d943-42a9-b5c6-2fce31a8aaf0" providerId="ADAL" clId="{331345D9-CAAA-4E17-BE9F-415EF1BD68FE}" dt="2023-01-05T09:05:07.082" v="60" actId="164"/>
+          <ac:spMkLst>
+            <pc:docMk/>
+            <pc:sldMk cId="154029117" sldId="256"/>
+            <ac:spMk id="16" creationId="{82C3D29B-0DB6-45D4-BFCE-A9DF5CF31FC0}"/>
+          </ac:spMkLst>
+        </pc:spChg>
+        <pc:spChg chg="mod">
+          <ac:chgData name="Jang, Suji" userId="46b71c7e-d943-42a9-b5c6-2fce31a8aaf0" providerId="ADAL" clId="{331345D9-CAAA-4E17-BE9F-415EF1BD68FE}" dt="2023-01-05T09:09:10.418" v="94" actId="5736"/>
+          <ac:spMkLst>
+            <pc:docMk/>
+            <pc:sldMk cId="154029117" sldId="256"/>
+            <ac:spMk id="18" creationId="{7E07C574-E2EB-4C43-B839-3044309CFE9D}"/>
+          </ac:spMkLst>
+        </pc:spChg>
+        <pc:spChg chg="mod">
+          <ac:chgData name="Jang, Suji" userId="46b71c7e-d943-42a9-b5c6-2fce31a8aaf0" providerId="ADAL" clId="{331345D9-CAAA-4E17-BE9F-415EF1BD68FE}" dt="2023-01-05T09:09:10.418" v="94" actId="5736"/>
+          <ac:spMkLst>
+            <pc:docMk/>
+            <pc:sldMk cId="154029117" sldId="256"/>
+            <ac:spMk id="19" creationId="{F39FB78F-16CC-46C4-8DCF-D0171F89E191}"/>
+          </ac:spMkLst>
+        </pc:spChg>
+        <pc:spChg chg="mod">
+          <ac:chgData name="Jang, Suji" userId="46b71c7e-d943-42a9-b5c6-2fce31a8aaf0" providerId="ADAL" clId="{331345D9-CAAA-4E17-BE9F-415EF1BD68FE}" dt="2023-01-05T09:09:10.418" v="94" actId="5736"/>
+          <ac:spMkLst>
+            <pc:docMk/>
+            <pc:sldMk cId="154029117" sldId="256"/>
+            <ac:spMk id="31" creationId="{0EB7DB77-1C89-4D47-A45E-D99E402B9956}"/>
+          </ac:spMkLst>
+        </pc:spChg>
+        <pc:spChg chg="mod">
+          <ac:chgData name="Jang, Suji" userId="46b71c7e-d943-42a9-b5c6-2fce31a8aaf0" providerId="ADAL" clId="{331345D9-CAAA-4E17-BE9F-415EF1BD68FE}" dt="2023-01-05T09:09:10.418" v="94" actId="5736"/>
+          <ac:spMkLst>
+            <pc:docMk/>
+            <pc:sldMk cId="154029117" sldId="256"/>
+            <ac:spMk id="32" creationId="{9DF7DF60-120D-416C-BC24-C03ED4F96648}"/>
+          </ac:spMkLst>
+        </pc:spChg>
+        <pc:spChg chg="mod">
+          <ac:chgData name="Jang, Suji" userId="46b71c7e-d943-42a9-b5c6-2fce31a8aaf0" providerId="ADAL" clId="{331345D9-CAAA-4E17-BE9F-415EF1BD68FE}" dt="2023-01-05T09:09:10.418" v="94" actId="5736"/>
+          <ac:spMkLst>
+            <pc:docMk/>
+            <pc:sldMk cId="154029117" sldId="256"/>
+            <ac:spMk id="92" creationId="{D1854C37-B5A3-1937-5027-9E3F711B796D}"/>
+          </ac:spMkLst>
+        </pc:spChg>
+        <pc:spChg chg="mod">
+          <ac:chgData name="Jang, Suji" userId="46b71c7e-d943-42a9-b5c6-2fce31a8aaf0" providerId="ADAL" clId="{331345D9-CAAA-4E17-BE9F-415EF1BD68FE}" dt="2023-01-05T09:09:10.418" v="94" actId="5736"/>
+          <ac:spMkLst>
+            <pc:docMk/>
+            <pc:sldMk cId="154029117" sldId="256"/>
+            <ac:spMk id="99" creationId="{18BB68B2-398F-5A10-359F-9B55A6032BB0}"/>
+          </ac:spMkLst>
+        </pc:spChg>
+        <pc:spChg chg="mod">
+          <ac:chgData name="Jang, Suji" userId="46b71c7e-d943-42a9-b5c6-2fce31a8aaf0" providerId="ADAL" clId="{331345D9-CAAA-4E17-BE9F-415EF1BD68FE}" dt="2023-01-05T09:09:10.418" v="94" actId="5736"/>
+          <ac:spMkLst>
+            <pc:docMk/>
+            <pc:sldMk cId="154029117" sldId="256"/>
+            <ac:spMk id="101" creationId="{569FAC04-A6FA-3E5D-4C49-59D7A276AE0A}"/>
+          </ac:spMkLst>
+        </pc:spChg>
+        <pc:spChg chg="mod">
+          <ac:chgData name="Jang, Suji" userId="46b71c7e-d943-42a9-b5c6-2fce31a8aaf0" providerId="ADAL" clId="{331345D9-CAAA-4E17-BE9F-415EF1BD68FE}" dt="2023-01-05T09:09:10.418" v="94" actId="5736"/>
+          <ac:spMkLst>
+            <pc:docMk/>
+            <pc:sldMk cId="154029117" sldId="256"/>
+            <ac:spMk id="126" creationId="{1D6908F1-2D79-F9B4-D0F2-70F3CDC9F18D}"/>
+          </ac:spMkLst>
+        </pc:spChg>
+        <pc:spChg chg="mod">
+          <ac:chgData name="Jang, Suji" userId="46b71c7e-d943-42a9-b5c6-2fce31a8aaf0" providerId="ADAL" clId="{331345D9-CAAA-4E17-BE9F-415EF1BD68FE}" dt="2023-01-05T09:09:10.418" v="94" actId="5736"/>
+          <ac:spMkLst>
+            <pc:docMk/>
+            <pc:sldMk cId="154029117" sldId="256"/>
+            <ac:spMk id="141" creationId="{1703CCFF-D660-0A48-A192-A9B2250E98BF}"/>
+          </ac:spMkLst>
+        </pc:spChg>
+        <pc:spChg chg="mod">
+          <ac:chgData name="Jang, Suji" userId="46b71c7e-d943-42a9-b5c6-2fce31a8aaf0" providerId="ADAL" clId="{331345D9-CAAA-4E17-BE9F-415EF1BD68FE}" dt="2023-01-05T09:09:10.418" v="94" actId="5736"/>
+          <ac:spMkLst>
+            <pc:docMk/>
+            <pc:sldMk cId="154029117" sldId="256"/>
+            <ac:spMk id="149" creationId="{B225F3C0-A756-E383-F525-2C2D638C6A6A}"/>
+          </ac:spMkLst>
+        </pc:spChg>
+        <pc:grpChg chg="add mod">
+          <ac:chgData name="Jang, Suji" userId="46b71c7e-d943-42a9-b5c6-2fce31a8aaf0" providerId="ADAL" clId="{331345D9-CAAA-4E17-BE9F-415EF1BD68FE}" dt="2023-01-05T09:09:10.418" v="94" actId="5736"/>
+          <ac:grpSpMkLst>
+            <pc:docMk/>
+            <pc:sldMk cId="154029117" sldId="256"/>
+            <ac:grpSpMk id="12" creationId="{AC8D8A35-9A73-E42D-FDEA-397FABB3A51B}"/>
+          </ac:grpSpMkLst>
+        </pc:grpChg>
+        <pc:grpChg chg="add mod">
+          <ac:chgData name="Jang, Suji" userId="46b71c7e-d943-42a9-b5c6-2fce31a8aaf0" providerId="ADAL" clId="{331345D9-CAAA-4E17-BE9F-415EF1BD68FE}" dt="2023-01-05T09:09:10.418" v="94" actId="5736"/>
+          <ac:grpSpMkLst>
+            <pc:docMk/>
+            <pc:sldMk cId="154029117" sldId="256"/>
+            <ac:grpSpMk id="24" creationId="{095C7B08-0B1D-3914-DB69-AFB771772313}"/>
+          </ac:grpSpMkLst>
+        </pc:grpChg>
+        <pc:grpChg chg="add mod">
+          <ac:chgData name="Jang, Suji" userId="46b71c7e-d943-42a9-b5c6-2fce31a8aaf0" providerId="ADAL" clId="{331345D9-CAAA-4E17-BE9F-415EF1BD68FE}" dt="2023-01-05T09:09:10.418" v="94" actId="5736"/>
+          <ac:grpSpMkLst>
+            <pc:docMk/>
+            <pc:sldMk cId="154029117" sldId="256"/>
+            <ac:grpSpMk id="27" creationId="{F5F32EEA-A36D-F636-D6AA-CBFE567AEC21}"/>
+          </ac:grpSpMkLst>
+        </pc:grpChg>
+        <pc:grpChg chg="add mod">
+          <ac:chgData name="Jang, Suji" userId="46b71c7e-d943-42a9-b5c6-2fce31a8aaf0" providerId="ADAL" clId="{331345D9-CAAA-4E17-BE9F-415EF1BD68FE}" dt="2023-01-05T09:09:10.418" v="94" actId="5736"/>
+          <ac:grpSpMkLst>
+            <pc:docMk/>
+            <pc:sldMk cId="154029117" sldId="256"/>
+            <ac:grpSpMk id="38" creationId="{1C70E4A9-A906-31A2-0028-696D67C6D123}"/>
+          </ac:grpSpMkLst>
+        </pc:grpChg>
+        <pc:grpChg chg="del mod">
+          <ac:chgData name="Jang, Suji" userId="46b71c7e-d943-42a9-b5c6-2fce31a8aaf0" providerId="ADAL" clId="{331345D9-CAAA-4E17-BE9F-415EF1BD68FE}" dt="2023-01-05T09:03:52.789" v="34" actId="165"/>
+          <ac:grpSpMkLst>
+            <pc:docMk/>
+            <pc:sldMk cId="154029117" sldId="256"/>
+            <ac:grpSpMk id="40" creationId="{5B10A661-3B8A-D8E9-D673-641126E8880C}"/>
+          </ac:grpSpMkLst>
+        </pc:grpChg>
+        <pc:grpChg chg="del mod">
+          <ac:chgData name="Jang, Suji" userId="46b71c7e-d943-42a9-b5c6-2fce31a8aaf0" providerId="ADAL" clId="{331345D9-CAAA-4E17-BE9F-415EF1BD68FE}" dt="2023-01-05T09:03:54.736" v="35" actId="165"/>
+          <ac:grpSpMkLst>
+            <pc:docMk/>
+            <pc:sldMk cId="154029117" sldId="256"/>
+            <ac:grpSpMk id="41" creationId="{DAD40FD8-9D4D-FF93-CF5B-692E658A44E7}"/>
+          </ac:grpSpMkLst>
+        </pc:grpChg>
+        <pc:grpChg chg="del mod">
+          <ac:chgData name="Jang, Suji" userId="46b71c7e-d943-42a9-b5c6-2fce31a8aaf0" providerId="ADAL" clId="{331345D9-CAAA-4E17-BE9F-415EF1BD68FE}" dt="2023-01-05T09:03:47.720" v="32" actId="165"/>
+          <ac:grpSpMkLst>
+            <pc:docMk/>
+            <pc:sldMk cId="154029117" sldId="256"/>
+            <ac:grpSpMk id="42" creationId="{983AEE1F-6DBD-C0C5-8CA7-E9FF8912B347}"/>
+          </ac:grpSpMkLst>
+        </pc:grpChg>
+        <pc:grpChg chg="del mod">
+          <ac:chgData name="Jang, Suji" userId="46b71c7e-d943-42a9-b5c6-2fce31a8aaf0" providerId="ADAL" clId="{331345D9-CAAA-4E17-BE9F-415EF1BD68FE}" dt="2023-01-05T09:03:50.304" v="33" actId="165"/>
+          <ac:grpSpMkLst>
+            <pc:docMk/>
+            <pc:sldMk cId="154029117" sldId="256"/>
+            <ac:grpSpMk id="43" creationId="{099D1BFF-FEA2-CD09-1775-65538ABCDCAF}"/>
+          </ac:grpSpMkLst>
+        </pc:grpChg>
+        <pc:grpChg chg="mod">
+          <ac:chgData name="Jang, Suji" userId="46b71c7e-d943-42a9-b5c6-2fce31a8aaf0" providerId="ADAL" clId="{331345D9-CAAA-4E17-BE9F-415EF1BD68FE}" dt="2023-01-05T09:09:10.418" v="94" actId="5736"/>
+          <ac:grpSpMkLst>
+            <pc:docMk/>
+            <pc:sldMk cId="154029117" sldId="256"/>
+            <ac:grpSpMk id="44" creationId="{140FD758-BBFE-D473-FB96-B148E1715FAF}"/>
+          </ac:grpSpMkLst>
+        </pc:grpChg>
+        <pc:grpChg chg="mod">
+          <ac:chgData name="Jang, Suji" userId="46b71c7e-d943-42a9-b5c6-2fce31a8aaf0" providerId="ADAL" clId="{331345D9-CAAA-4E17-BE9F-415EF1BD68FE}" dt="2023-01-05T09:09:10.418" v="94" actId="5736"/>
+          <ac:grpSpMkLst>
+            <pc:docMk/>
+            <pc:sldMk cId="154029117" sldId="256"/>
+            <ac:grpSpMk id="45" creationId="{1428D6F5-1DB8-1C7A-1ACB-F25A78980FB2}"/>
+          </ac:grpSpMkLst>
+        </pc:grpChg>
+        <pc:grpChg chg="mod">
+          <ac:chgData name="Jang, Suji" userId="46b71c7e-d943-42a9-b5c6-2fce31a8aaf0" providerId="ADAL" clId="{331345D9-CAAA-4E17-BE9F-415EF1BD68FE}" dt="2023-01-05T09:09:10.418" v="94" actId="5736"/>
+          <ac:grpSpMkLst>
+            <pc:docMk/>
+            <pc:sldMk cId="154029117" sldId="256"/>
+            <ac:grpSpMk id="46" creationId="{4818DA9F-74B7-D924-30AC-B6D3EAFB9F83}"/>
+          </ac:grpSpMkLst>
+        </pc:grpChg>
+        <pc:graphicFrameChg chg="mod">
+          <ac:chgData name="Jang, Suji" userId="46b71c7e-d943-42a9-b5c6-2fce31a8aaf0" providerId="ADAL" clId="{331345D9-CAAA-4E17-BE9F-415EF1BD68FE}" dt="2023-01-05T09:09:10.418" v="94" actId="5736"/>
+          <ac:graphicFrameMkLst>
+            <pc:docMk/>
+            <pc:sldMk cId="154029117" sldId="256"/>
+            <ac:graphicFrameMk id="11" creationId="{DE0DA183-A897-4BFF-B847-8AB61B096C79}"/>
+          </ac:graphicFrameMkLst>
+        </pc:graphicFrameChg>
+        <pc:graphicFrameChg chg="mod">
+          <ac:chgData name="Jang, Suji" userId="46b71c7e-d943-42a9-b5c6-2fce31a8aaf0" providerId="ADAL" clId="{331345D9-CAAA-4E17-BE9F-415EF1BD68FE}" dt="2023-01-05T09:09:10.418" v="94" actId="5736"/>
+          <ac:graphicFrameMkLst>
+            <pc:docMk/>
+            <pc:sldMk cId="154029117" sldId="256"/>
+            <ac:graphicFrameMk id="26" creationId="{1929FE94-FE08-CFA4-9EE7-140BD42A9DDA}"/>
+          </ac:graphicFrameMkLst>
+        </pc:graphicFrameChg>
+        <pc:cxnChg chg="mod topLvl">
+          <ac:chgData name="Jang, Suji" userId="46b71c7e-d943-42a9-b5c6-2fce31a8aaf0" providerId="ADAL" clId="{331345D9-CAAA-4E17-BE9F-415EF1BD68FE}" dt="2023-01-05T09:05:14.727" v="62" actId="164"/>
+          <ac:cxnSpMkLst>
+            <pc:docMk/>
+            <pc:sldMk cId="154029117" sldId="256"/>
+            <ac:cxnSpMk id="17" creationId="{8821FA33-25B4-4C52-B676-157E09357FC2}"/>
+          </ac:cxnSpMkLst>
+        </pc:cxnChg>
+        <pc:cxnChg chg="mod topLvl">
+          <ac:chgData name="Jang, Suji" userId="46b71c7e-d943-42a9-b5c6-2fce31a8aaf0" providerId="ADAL" clId="{331345D9-CAAA-4E17-BE9F-415EF1BD68FE}" dt="2023-01-05T09:05:12.233" v="61" actId="164"/>
+          <ac:cxnSpMkLst>
+            <pc:docMk/>
+            <pc:sldMk cId="154029117" sldId="256"/>
+            <ac:cxnSpMk id="20" creationId="{67B6D897-A7CB-4F7B-9FD9-5BE6D759CF25}"/>
+          </ac:cxnSpMkLst>
+        </pc:cxnChg>
+        <pc:cxnChg chg="mod topLvl">
+          <ac:chgData name="Jang, Suji" userId="46b71c7e-d943-42a9-b5c6-2fce31a8aaf0" providerId="ADAL" clId="{331345D9-CAAA-4E17-BE9F-415EF1BD68FE}" dt="2023-01-05T09:05:07.082" v="60" actId="164"/>
+          <ac:cxnSpMkLst>
+            <pc:docMk/>
+            <pc:sldMk cId="154029117" sldId="256"/>
+            <ac:cxnSpMk id="21" creationId="{E888F088-A754-4F49-BF33-4E535289E41D}"/>
+          </ac:cxnSpMkLst>
+        </pc:cxnChg>
+        <pc:cxnChg chg="mod topLvl">
+          <ac:chgData name="Jang, Suji" userId="46b71c7e-d943-42a9-b5c6-2fce31a8aaf0" providerId="ADAL" clId="{331345D9-CAAA-4E17-BE9F-415EF1BD68FE}" dt="2023-01-05T09:05:04.057" v="59" actId="164"/>
+          <ac:cxnSpMkLst>
+            <pc:docMk/>
+            <pc:sldMk cId="154029117" sldId="256"/>
+            <ac:cxnSpMk id="22" creationId="{3D7E010D-D52F-433C-80A6-9AFDD7676C50}"/>
+          </ac:cxnSpMkLst>
+        </pc:cxnChg>
+        <pc:cxnChg chg="mod">
+          <ac:chgData name="Jang, Suji" userId="46b71c7e-d943-42a9-b5c6-2fce31a8aaf0" providerId="ADAL" clId="{331345D9-CAAA-4E17-BE9F-415EF1BD68FE}" dt="2023-01-05T09:09:10.418" v="94" actId="5736"/>
+          <ac:cxnSpMkLst>
+            <pc:docMk/>
+            <pc:sldMk cId="154029117" sldId="256"/>
+            <ac:cxnSpMk id="23" creationId="{67300F17-DB64-4EE1-9369-CE7B5B15F311}"/>
+          </ac:cxnSpMkLst>
+        </pc:cxnChg>
+        <pc:cxnChg chg="mod">
+          <ac:chgData name="Jang, Suji" userId="46b71c7e-d943-42a9-b5c6-2fce31a8aaf0" providerId="ADAL" clId="{331345D9-CAAA-4E17-BE9F-415EF1BD68FE}" dt="2023-01-05T09:09:10.418" v="94" actId="5736"/>
+          <ac:cxnSpMkLst>
+            <pc:docMk/>
+            <pc:sldMk cId="154029117" sldId="256"/>
+            <ac:cxnSpMk id="25" creationId="{0F892160-8C2D-4DF5-93D1-698A7874037E}"/>
+          </ac:cxnSpMkLst>
+        </pc:cxnChg>
+      </pc:sldChg>
+    </pc:docChg>
+  </pc:docChgLst>
   <pc:docChgLst>
     <pc:chgData name="Jang, Suji" userId="46b71c7e-d943-42a9-b5c6-2fce31a8aaf0" providerId="ADAL" clId="{5EEDA46A-5631-473B-98B9-A625FA5AFAD3}"/>
     <pc:docChg chg="undo custSel modSld">
@@ -536,334 +864,6 @@
             <pc:docMk/>
             <pc:sldMk cId="154029117" sldId="256"/>
             <ac:cxnSpMk id="147" creationId="{671633E4-A739-5009-8C97-D5F00ED9FE88}"/>
-          </ac:cxnSpMkLst>
-        </pc:cxnChg>
-      </pc:sldChg>
-    </pc:docChg>
-  </pc:docChgLst>
-  <pc:docChgLst>
-    <pc:chgData name="Jang, Suji" userId="46b71c7e-d943-42a9-b5c6-2fce31a8aaf0" providerId="ADAL" clId="{331345D9-CAAA-4E17-BE9F-415EF1BD68FE}"/>
-    <pc:docChg chg="undo custSel modSld">
-      <pc:chgData name="Jang, Suji" userId="46b71c7e-d943-42a9-b5c6-2fce31a8aaf0" providerId="ADAL" clId="{331345D9-CAAA-4E17-BE9F-415EF1BD68FE}" dt="2023-01-05T09:09:10.418" v="94" actId="5736"/>
-      <pc:docMkLst>
-        <pc:docMk/>
-      </pc:docMkLst>
-      <pc:sldChg chg="addSp delSp modSp mod">
-        <pc:chgData name="Jang, Suji" userId="46b71c7e-d943-42a9-b5c6-2fce31a8aaf0" providerId="ADAL" clId="{331345D9-CAAA-4E17-BE9F-415EF1BD68FE}" dt="2023-01-05T09:09:10.418" v="94" actId="5736"/>
-        <pc:sldMkLst>
-          <pc:docMk/>
-          <pc:sldMk cId="154029117" sldId="256"/>
-        </pc:sldMkLst>
-        <pc:spChg chg="mod">
-          <ac:chgData name="Jang, Suji" userId="46b71c7e-d943-42a9-b5c6-2fce31a8aaf0" providerId="ADAL" clId="{331345D9-CAAA-4E17-BE9F-415EF1BD68FE}" dt="2023-01-05T09:09:10.418" v="94" actId="5736"/>
-          <ac:spMkLst>
-            <pc:docMk/>
-            <pc:sldMk cId="154029117" sldId="256"/>
-            <ac:spMk id="5" creationId="{8842A989-3598-4A3D-A287-93886937223A}"/>
-          </ac:spMkLst>
-        </pc:spChg>
-        <pc:spChg chg="mod">
-          <ac:chgData name="Jang, Suji" userId="46b71c7e-d943-42a9-b5c6-2fce31a8aaf0" providerId="ADAL" clId="{331345D9-CAAA-4E17-BE9F-415EF1BD68FE}" dt="2023-01-05T09:09:10.418" v="94" actId="5736"/>
-          <ac:spMkLst>
-            <pc:docMk/>
-            <pc:sldMk cId="154029117" sldId="256"/>
-            <ac:spMk id="6" creationId="{04B4E85F-A95A-4D71-9AE7-373452DE5CEF}"/>
-          </ac:spMkLst>
-        </pc:spChg>
-        <pc:spChg chg="mod">
-          <ac:chgData name="Jang, Suji" userId="46b71c7e-d943-42a9-b5c6-2fce31a8aaf0" providerId="ADAL" clId="{331345D9-CAAA-4E17-BE9F-415EF1BD68FE}" dt="2023-01-05T09:09:10.418" v="94" actId="5736"/>
-          <ac:spMkLst>
-            <pc:docMk/>
-            <pc:sldMk cId="154029117" sldId="256"/>
-            <ac:spMk id="7" creationId="{D890CD5F-DE21-46B1-84AF-081CA4EECF14}"/>
-          </ac:spMkLst>
-        </pc:spChg>
-        <pc:spChg chg="mod">
-          <ac:chgData name="Jang, Suji" userId="46b71c7e-d943-42a9-b5c6-2fce31a8aaf0" providerId="ADAL" clId="{331345D9-CAAA-4E17-BE9F-415EF1BD68FE}" dt="2023-01-05T09:09:10.418" v="94" actId="5736"/>
-          <ac:spMkLst>
-            <pc:docMk/>
-            <pc:sldMk cId="154029117" sldId="256"/>
-            <ac:spMk id="8" creationId="{9DDA437B-B368-408C-A38C-7CCFE1DFCE45}"/>
-          </ac:spMkLst>
-        </pc:spChg>
-        <pc:spChg chg="mod">
-          <ac:chgData name="Jang, Suji" userId="46b71c7e-d943-42a9-b5c6-2fce31a8aaf0" providerId="ADAL" clId="{331345D9-CAAA-4E17-BE9F-415EF1BD68FE}" dt="2023-01-05T09:09:10.418" v="94" actId="5736"/>
-          <ac:spMkLst>
-            <pc:docMk/>
-            <pc:sldMk cId="154029117" sldId="256"/>
-            <ac:spMk id="9" creationId="{D8CBE676-9182-4997-B241-BC4ACB17DFCE}"/>
-          </ac:spMkLst>
-        </pc:spChg>
-        <pc:spChg chg="mod">
-          <ac:chgData name="Jang, Suji" userId="46b71c7e-d943-42a9-b5c6-2fce31a8aaf0" providerId="ADAL" clId="{331345D9-CAAA-4E17-BE9F-415EF1BD68FE}" dt="2023-01-05T09:09:10.418" v="94" actId="5736"/>
-          <ac:spMkLst>
-            <pc:docMk/>
-            <pc:sldMk cId="154029117" sldId="256"/>
-            <ac:spMk id="10" creationId="{58E757BA-65D9-45FF-82D0-FE148700F1F1}"/>
-          </ac:spMkLst>
-        </pc:spChg>
-        <pc:spChg chg="mod topLvl">
-          <ac:chgData name="Jang, Suji" userId="46b71c7e-d943-42a9-b5c6-2fce31a8aaf0" providerId="ADAL" clId="{331345D9-CAAA-4E17-BE9F-415EF1BD68FE}" dt="2023-01-05T09:05:12.233" v="61" actId="164"/>
-          <ac:spMkLst>
-            <pc:docMk/>
-            <pc:sldMk cId="154029117" sldId="256"/>
-            <ac:spMk id="13" creationId="{2E62CF4C-55CC-4FE2-B142-FFEB45A2BE8F}"/>
-          </ac:spMkLst>
-        </pc:spChg>
-        <pc:spChg chg="mod topLvl">
-          <ac:chgData name="Jang, Suji" userId="46b71c7e-d943-42a9-b5c6-2fce31a8aaf0" providerId="ADAL" clId="{331345D9-CAAA-4E17-BE9F-415EF1BD68FE}" dt="2023-01-05T09:05:14.727" v="62" actId="164"/>
-          <ac:spMkLst>
-            <pc:docMk/>
-            <pc:sldMk cId="154029117" sldId="256"/>
-            <ac:spMk id="14" creationId="{F8E0CB00-6C12-45E8-A5C5-A70E77BA3B46}"/>
-          </ac:spMkLst>
-        </pc:spChg>
-        <pc:spChg chg="mod topLvl">
-          <ac:chgData name="Jang, Suji" userId="46b71c7e-d943-42a9-b5c6-2fce31a8aaf0" providerId="ADAL" clId="{331345D9-CAAA-4E17-BE9F-415EF1BD68FE}" dt="2023-01-05T09:05:04.057" v="59" actId="164"/>
-          <ac:spMkLst>
-            <pc:docMk/>
-            <pc:sldMk cId="154029117" sldId="256"/>
-            <ac:spMk id="15" creationId="{221997B2-73F2-4B23-9E03-11AFA847B0AD}"/>
-          </ac:spMkLst>
-        </pc:spChg>
-        <pc:spChg chg="mod topLvl">
-          <ac:chgData name="Jang, Suji" userId="46b71c7e-d943-42a9-b5c6-2fce31a8aaf0" providerId="ADAL" clId="{331345D9-CAAA-4E17-BE9F-415EF1BD68FE}" dt="2023-01-05T09:05:07.082" v="60" actId="164"/>
-          <ac:spMkLst>
-            <pc:docMk/>
-            <pc:sldMk cId="154029117" sldId="256"/>
-            <ac:spMk id="16" creationId="{82C3D29B-0DB6-45D4-BFCE-A9DF5CF31FC0}"/>
-          </ac:spMkLst>
-        </pc:spChg>
-        <pc:spChg chg="mod">
-          <ac:chgData name="Jang, Suji" userId="46b71c7e-d943-42a9-b5c6-2fce31a8aaf0" providerId="ADAL" clId="{331345D9-CAAA-4E17-BE9F-415EF1BD68FE}" dt="2023-01-05T09:09:10.418" v="94" actId="5736"/>
-          <ac:spMkLst>
-            <pc:docMk/>
-            <pc:sldMk cId="154029117" sldId="256"/>
-            <ac:spMk id="18" creationId="{7E07C574-E2EB-4C43-B839-3044309CFE9D}"/>
-          </ac:spMkLst>
-        </pc:spChg>
-        <pc:spChg chg="mod">
-          <ac:chgData name="Jang, Suji" userId="46b71c7e-d943-42a9-b5c6-2fce31a8aaf0" providerId="ADAL" clId="{331345D9-CAAA-4E17-BE9F-415EF1BD68FE}" dt="2023-01-05T09:09:10.418" v="94" actId="5736"/>
-          <ac:spMkLst>
-            <pc:docMk/>
-            <pc:sldMk cId="154029117" sldId="256"/>
-            <ac:spMk id="19" creationId="{F39FB78F-16CC-46C4-8DCF-D0171F89E191}"/>
-          </ac:spMkLst>
-        </pc:spChg>
-        <pc:spChg chg="mod">
-          <ac:chgData name="Jang, Suji" userId="46b71c7e-d943-42a9-b5c6-2fce31a8aaf0" providerId="ADAL" clId="{331345D9-CAAA-4E17-BE9F-415EF1BD68FE}" dt="2023-01-05T09:09:10.418" v="94" actId="5736"/>
-          <ac:spMkLst>
-            <pc:docMk/>
-            <pc:sldMk cId="154029117" sldId="256"/>
-            <ac:spMk id="31" creationId="{0EB7DB77-1C89-4D47-A45E-D99E402B9956}"/>
-          </ac:spMkLst>
-        </pc:spChg>
-        <pc:spChg chg="mod">
-          <ac:chgData name="Jang, Suji" userId="46b71c7e-d943-42a9-b5c6-2fce31a8aaf0" providerId="ADAL" clId="{331345D9-CAAA-4E17-BE9F-415EF1BD68FE}" dt="2023-01-05T09:09:10.418" v="94" actId="5736"/>
-          <ac:spMkLst>
-            <pc:docMk/>
-            <pc:sldMk cId="154029117" sldId="256"/>
-            <ac:spMk id="32" creationId="{9DF7DF60-120D-416C-BC24-C03ED4F96648}"/>
-          </ac:spMkLst>
-        </pc:spChg>
-        <pc:spChg chg="mod">
-          <ac:chgData name="Jang, Suji" userId="46b71c7e-d943-42a9-b5c6-2fce31a8aaf0" providerId="ADAL" clId="{331345D9-CAAA-4E17-BE9F-415EF1BD68FE}" dt="2023-01-05T09:09:10.418" v="94" actId="5736"/>
-          <ac:spMkLst>
-            <pc:docMk/>
-            <pc:sldMk cId="154029117" sldId="256"/>
-            <ac:spMk id="92" creationId="{D1854C37-B5A3-1937-5027-9E3F711B796D}"/>
-          </ac:spMkLst>
-        </pc:spChg>
-        <pc:spChg chg="mod">
-          <ac:chgData name="Jang, Suji" userId="46b71c7e-d943-42a9-b5c6-2fce31a8aaf0" providerId="ADAL" clId="{331345D9-CAAA-4E17-BE9F-415EF1BD68FE}" dt="2023-01-05T09:09:10.418" v="94" actId="5736"/>
-          <ac:spMkLst>
-            <pc:docMk/>
-            <pc:sldMk cId="154029117" sldId="256"/>
-            <ac:spMk id="99" creationId="{18BB68B2-398F-5A10-359F-9B55A6032BB0}"/>
-          </ac:spMkLst>
-        </pc:spChg>
-        <pc:spChg chg="mod">
-          <ac:chgData name="Jang, Suji" userId="46b71c7e-d943-42a9-b5c6-2fce31a8aaf0" providerId="ADAL" clId="{331345D9-CAAA-4E17-BE9F-415EF1BD68FE}" dt="2023-01-05T09:09:10.418" v="94" actId="5736"/>
-          <ac:spMkLst>
-            <pc:docMk/>
-            <pc:sldMk cId="154029117" sldId="256"/>
-            <ac:spMk id="101" creationId="{569FAC04-A6FA-3E5D-4C49-59D7A276AE0A}"/>
-          </ac:spMkLst>
-        </pc:spChg>
-        <pc:spChg chg="mod">
-          <ac:chgData name="Jang, Suji" userId="46b71c7e-d943-42a9-b5c6-2fce31a8aaf0" providerId="ADAL" clId="{331345D9-CAAA-4E17-BE9F-415EF1BD68FE}" dt="2023-01-05T09:09:10.418" v="94" actId="5736"/>
-          <ac:spMkLst>
-            <pc:docMk/>
-            <pc:sldMk cId="154029117" sldId="256"/>
-            <ac:spMk id="126" creationId="{1D6908F1-2D79-F9B4-D0F2-70F3CDC9F18D}"/>
-          </ac:spMkLst>
-        </pc:spChg>
-        <pc:spChg chg="mod">
-          <ac:chgData name="Jang, Suji" userId="46b71c7e-d943-42a9-b5c6-2fce31a8aaf0" providerId="ADAL" clId="{331345D9-CAAA-4E17-BE9F-415EF1BD68FE}" dt="2023-01-05T09:09:10.418" v="94" actId="5736"/>
-          <ac:spMkLst>
-            <pc:docMk/>
-            <pc:sldMk cId="154029117" sldId="256"/>
-            <ac:spMk id="141" creationId="{1703CCFF-D660-0A48-A192-A9B2250E98BF}"/>
-          </ac:spMkLst>
-        </pc:spChg>
-        <pc:spChg chg="mod">
-          <ac:chgData name="Jang, Suji" userId="46b71c7e-d943-42a9-b5c6-2fce31a8aaf0" providerId="ADAL" clId="{331345D9-CAAA-4E17-BE9F-415EF1BD68FE}" dt="2023-01-05T09:09:10.418" v="94" actId="5736"/>
-          <ac:spMkLst>
-            <pc:docMk/>
-            <pc:sldMk cId="154029117" sldId="256"/>
-            <ac:spMk id="149" creationId="{B225F3C0-A756-E383-F525-2C2D638C6A6A}"/>
-          </ac:spMkLst>
-        </pc:spChg>
-        <pc:grpChg chg="add mod">
-          <ac:chgData name="Jang, Suji" userId="46b71c7e-d943-42a9-b5c6-2fce31a8aaf0" providerId="ADAL" clId="{331345D9-CAAA-4E17-BE9F-415EF1BD68FE}" dt="2023-01-05T09:09:10.418" v="94" actId="5736"/>
-          <ac:grpSpMkLst>
-            <pc:docMk/>
-            <pc:sldMk cId="154029117" sldId="256"/>
-            <ac:grpSpMk id="12" creationId="{AC8D8A35-9A73-E42D-FDEA-397FABB3A51B}"/>
-          </ac:grpSpMkLst>
-        </pc:grpChg>
-        <pc:grpChg chg="add mod">
-          <ac:chgData name="Jang, Suji" userId="46b71c7e-d943-42a9-b5c6-2fce31a8aaf0" providerId="ADAL" clId="{331345D9-CAAA-4E17-BE9F-415EF1BD68FE}" dt="2023-01-05T09:09:10.418" v="94" actId="5736"/>
-          <ac:grpSpMkLst>
-            <pc:docMk/>
-            <pc:sldMk cId="154029117" sldId="256"/>
-            <ac:grpSpMk id="24" creationId="{095C7B08-0B1D-3914-DB69-AFB771772313}"/>
-          </ac:grpSpMkLst>
-        </pc:grpChg>
-        <pc:grpChg chg="add mod">
-          <ac:chgData name="Jang, Suji" userId="46b71c7e-d943-42a9-b5c6-2fce31a8aaf0" providerId="ADAL" clId="{331345D9-CAAA-4E17-BE9F-415EF1BD68FE}" dt="2023-01-05T09:09:10.418" v="94" actId="5736"/>
-          <ac:grpSpMkLst>
-            <pc:docMk/>
-            <pc:sldMk cId="154029117" sldId="256"/>
-            <ac:grpSpMk id="27" creationId="{F5F32EEA-A36D-F636-D6AA-CBFE567AEC21}"/>
-          </ac:grpSpMkLst>
-        </pc:grpChg>
-        <pc:grpChg chg="add mod">
-          <ac:chgData name="Jang, Suji" userId="46b71c7e-d943-42a9-b5c6-2fce31a8aaf0" providerId="ADAL" clId="{331345D9-CAAA-4E17-BE9F-415EF1BD68FE}" dt="2023-01-05T09:09:10.418" v="94" actId="5736"/>
-          <ac:grpSpMkLst>
-            <pc:docMk/>
-            <pc:sldMk cId="154029117" sldId="256"/>
-            <ac:grpSpMk id="38" creationId="{1C70E4A9-A906-31A2-0028-696D67C6D123}"/>
-          </ac:grpSpMkLst>
-        </pc:grpChg>
-        <pc:grpChg chg="del mod">
-          <ac:chgData name="Jang, Suji" userId="46b71c7e-d943-42a9-b5c6-2fce31a8aaf0" providerId="ADAL" clId="{331345D9-CAAA-4E17-BE9F-415EF1BD68FE}" dt="2023-01-05T09:03:52.789" v="34" actId="165"/>
-          <ac:grpSpMkLst>
-            <pc:docMk/>
-            <pc:sldMk cId="154029117" sldId="256"/>
-            <ac:grpSpMk id="40" creationId="{5B10A661-3B8A-D8E9-D673-641126E8880C}"/>
-          </ac:grpSpMkLst>
-        </pc:grpChg>
-        <pc:grpChg chg="del mod">
-          <ac:chgData name="Jang, Suji" userId="46b71c7e-d943-42a9-b5c6-2fce31a8aaf0" providerId="ADAL" clId="{331345D9-CAAA-4E17-BE9F-415EF1BD68FE}" dt="2023-01-05T09:03:54.736" v="35" actId="165"/>
-          <ac:grpSpMkLst>
-            <pc:docMk/>
-            <pc:sldMk cId="154029117" sldId="256"/>
-            <ac:grpSpMk id="41" creationId="{DAD40FD8-9D4D-FF93-CF5B-692E658A44E7}"/>
-          </ac:grpSpMkLst>
-        </pc:grpChg>
-        <pc:grpChg chg="del mod">
-          <ac:chgData name="Jang, Suji" userId="46b71c7e-d943-42a9-b5c6-2fce31a8aaf0" providerId="ADAL" clId="{331345D9-CAAA-4E17-BE9F-415EF1BD68FE}" dt="2023-01-05T09:03:47.720" v="32" actId="165"/>
-          <ac:grpSpMkLst>
-            <pc:docMk/>
-            <pc:sldMk cId="154029117" sldId="256"/>
-            <ac:grpSpMk id="42" creationId="{983AEE1F-6DBD-C0C5-8CA7-E9FF8912B347}"/>
-          </ac:grpSpMkLst>
-        </pc:grpChg>
-        <pc:grpChg chg="del mod">
-          <ac:chgData name="Jang, Suji" userId="46b71c7e-d943-42a9-b5c6-2fce31a8aaf0" providerId="ADAL" clId="{331345D9-CAAA-4E17-BE9F-415EF1BD68FE}" dt="2023-01-05T09:03:50.304" v="33" actId="165"/>
-          <ac:grpSpMkLst>
-            <pc:docMk/>
-            <pc:sldMk cId="154029117" sldId="256"/>
-            <ac:grpSpMk id="43" creationId="{099D1BFF-FEA2-CD09-1775-65538ABCDCAF}"/>
-          </ac:grpSpMkLst>
-        </pc:grpChg>
-        <pc:grpChg chg="mod">
-          <ac:chgData name="Jang, Suji" userId="46b71c7e-d943-42a9-b5c6-2fce31a8aaf0" providerId="ADAL" clId="{331345D9-CAAA-4E17-BE9F-415EF1BD68FE}" dt="2023-01-05T09:09:10.418" v="94" actId="5736"/>
-          <ac:grpSpMkLst>
-            <pc:docMk/>
-            <pc:sldMk cId="154029117" sldId="256"/>
-            <ac:grpSpMk id="44" creationId="{140FD758-BBFE-D473-FB96-B148E1715FAF}"/>
-          </ac:grpSpMkLst>
-        </pc:grpChg>
-        <pc:grpChg chg="mod">
-          <ac:chgData name="Jang, Suji" userId="46b71c7e-d943-42a9-b5c6-2fce31a8aaf0" providerId="ADAL" clId="{331345D9-CAAA-4E17-BE9F-415EF1BD68FE}" dt="2023-01-05T09:09:10.418" v="94" actId="5736"/>
-          <ac:grpSpMkLst>
-            <pc:docMk/>
-            <pc:sldMk cId="154029117" sldId="256"/>
-            <ac:grpSpMk id="45" creationId="{1428D6F5-1DB8-1C7A-1ACB-F25A78980FB2}"/>
-          </ac:grpSpMkLst>
-        </pc:grpChg>
-        <pc:grpChg chg="mod">
-          <ac:chgData name="Jang, Suji" userId="46b71c7e-d943-42a9-b5c6-2fce31a8aaf0" providerId="ADAL" clId="{331345D9-CAAA-4E17-BE9F-415EF1BD68FE}" dt="2023-01-05T09:09:10.418" v="94" actId="5736"/>
-          <ac:grpSpMkLst>
-            <pc:docMk/>
-            <pc:sldMk cId="154029117" sldId="256"/>
-            <ac:grpSpMk id="46" creationId="{4818DA9F-74B7-D924-30AC-B6D3EAFB9F83}"/>
-          </ac:grpSpMkLst>
-        </pc:grpChg>
-        <pc:graphicFrameChg chg="mod">
-          <ac:chgData name="Jang, Suji" userId="46b71c7e-d943-42a9-b5c6-2fce31a8aaf0" providerId="ADAL" clId="{331345D9-CAAA-4E17-BE9F-415EF1BD68FE}" dt="2023-01-05T09:09:10.418" v="94" actId="5736"/>
-          <ac:graphicFrameMkLst>
-            <pc:docMk/>
-            <pc:sldMk cId="154029117" sldId="256"/>
-            <ac:graphicFrameMk id="11" creationId="{DE0DA183-A897-4BFF-B847-8AB61B096C79}"/>
-          </ac:graphicFrameMkLst>
-        </pc:graphicFrameChg>
-        <pc:graphicFrameChg chg="mod">
-          <ac:chgData name="Jang, Suji" userId="46b71c7e-d943-42a9-b5c6-2fce31a8aaf0" providerId="ADAL" clId="{331345D9-CAAA-4E17-BE9F-415EF1BD68FE}" dt="2023-01-05T09:09:10.418" v="94" actId="5736"/>
-          <ac:graphicFrameMkLst>
-            <pc:docMk/>
-            <pc:sldMk cId="154029117" sldId="256"/>
-            <ac:graphicFrameMk id="26" creationId="{1929FE94-FE08-CFA4-9EE7-140BD42A9DDA}"/>
-          </ac:graphicFrameMkLst>
-        </pc:graphicFrameChg>
-        <pc:cxnChg chg="mod topLvl">
-          <ac:chgData name="Jang, Suji" userId="46b71c7e-d943-42a9-b5c6-2fce31a8aaf0" providerId="ADAL" clId="{331345D9-CAAA-4E17-BE9F-415EF1BD68FE}" dt="2023-01-05T09:05:14.727" v="62" actId="164"/>
-          <ac:cxnSpMkLst>
-            <pc:docMk/>
-            <pc:sldMk cId="154029117" sldId="256"/>
-            <ac:cxnSpMk id="17" creationId="{8821FA33-25B4-4C52-B676-157E09357FC2}"/>
-          </ac:cxnSpMkLst>
-        </pc:cxnChg>
-        <pc:cxnChg chg="mod topLvl">
-          <ac:chgData name="Jang, Suji" userId="46b71c7e-d943-42a9-b5c6-2fce31a8aaf0" providerId="ADAL" clId="{331345D9-CAAA-4E17-BE9F-415EF1BD68FE}" dt="2023-01-05T09:05:12.233" v="61" actId="164"/>
-          <ac:cxnSpMkLst>
-            <pc:docMk/>
-            <pc:sldMk cId="154029117" sldId="256"/>
-            <ac:cxnSpMk id="20" creationId="{67B6D897-A7CB-4F7B-9FD9-5BE6D759CF25}"/>
-          </ac:cxnSpMkLst>
-        </pc:cxnChg>
-        <pc:cxnChg chg="mod topLvl">
-          <ac:chgData name="Jang, Suji" userId="46b71c7e-d943-42a9-b5c6-2fce31a8aaf0" providerId="ADAL" clId="{331345D9-CAAA-4E17-BE9F-415EF1BD68FE}" dt="2023-01-05T09:05:07.082" v="60" actId="164"/>
-          <ac:cxnSpMkLst>
-            <pc:docMk/>
-            <pc:sldMk cId="154029117" sldId="256"/>
-            <ac:cxnSpMk id="21" creationId="{E888F088-A754-4F49-BF33-4E535289E41D}"/>
-          </ac:cxnSpMkLst>
-        </pc:cxnChg>
-        <pc:cxnChg chg="mod topLvl">
-          <ac:chgData name="Jang, Suji" userId="46b71c7e-d943-42a9-b5c6-2fce31a8aaf0" providerId="ADAL" clId="{331345D9-CAAA-4E17-BE9F-415EF1BD68FE}" dt="2023-01-05T09:05:04.057" v="59" actId="164"/>
-          <ac:cxnSpMkLst>
-            <pc:docMk/>
-            <pc:sldMk cId="154029117" sldId="256"/>
-            <ac:cxnSpMk id="22" creationId="{3D7E010D-D52F-433C-80A6-9AFDD7676C50}"/>
-          </ac:cxnSpMkLst>
-        </pc:cxnChg>
-        <pc:cxnChg chg="mod">
-          <ac:chgData name="Jang, Suji" userId="46b71c7e-d943-42a9-b5c6-2fce31a8aaf0" providerId="ADAL" clId="{331345D9-CAAA-4E17-BE9F-415EF1BD68FE}" dt="2023-01-05T09:09:10.418" v="94" actId="5736"/>
-          <ac:cxnSpMkLst>
-            <pc:docMk/>
-            <pc:sldMk cId="154029117" sldId="256"/>
-            <ac:cxnSpMk id="23" creationId="{67300F17-DB64-4EE1-9369-CE7B5B15F311}"/>
-          </ac:cxnSpMkLst>
-        </pc:cxnChg>
-        <pc:cxnChg chg="mod">
-          <ac:chgData name="Jang, Suji" userId="46b71c7e-d943-42a9-b5c6-2fce31a8aaf0" providerId="ADAL" clId="{331345D9-CAAA-4E17-BE9F-415EF1BD68FE}" dt="2023-01-05T09:09:10.418" v="94" actId="5736"/>
-          <ac:cxnSpMkLst>
-            <pc:docMk/>
-            <pc:sldMk cId="154029117" sldId="256"/>
-            <ac:cxnSpMk id="25" creationId="{0F892160-8C2D-4DF5-93D1-698A7874037E}"/>
           </ac:cxnSpMkLst>
         </pc:cxnChg>
       </pc:sldChg>
@@ -2785,7 +2785,7 @@
           <a:p>
             <a:fld id="{A2E4C608-3332-4DE4-B983-82BE468F5C46}" type="datetimeFigureOut">
               <a:rPr lang="en-US" smtClean="0"/>
-              <a:t>1/5/2023</a:t>
+              <a:t>1/29/2023</a:t>
             </a:fld>
             <a:endParaRPr lang="en-US"/>
           </a:p>
@@ -2803,8 +2803,8 @@
         </p:nvSpPr>
         <p:spPr>
           <a:xfrm>
-            <a:off x="1679575" y="1143000"/>
-            <a:ext cx="3498850" cy="3086100"/>
+            <a:off x="-369888" y="1143000"/>
+            <a:ext cx="7597776" cy="3086100"/>
           </a:xfrm>
           <a:prstGeom prst="rect">
             <a:avLst/>
@@ -2958,8 +2958,8 @@
   </p:cSld>
   <p:clrMap bg1="lt1" tx1="dk1" bg2="lt2" tx2="dk2" accent1="accent1" accent2="accent2" accent3="accent3" accent4="accent4" accent5="accent5" accent6="accent6" hlink="hlink" folHlink="folHlink"/>
   <p:notesStyle>
-    <a:lvl1pPr marL="0" algn="l" defTabSz="1300292" rtl="0" eaLnBrk="1" latinLnBrk="0" hangingPunct="1">
-      <a:defRPr sz="1707" kern="1200">
+    <a:lvl1pPr marL="0" algn="l" defTabSz="1175204" rtl="0" eaLnBrk="1" latinLnBrk="0" hangingPunct="1">
+      <a:defRPr sz="1543" kern="1200">
         <a:solidFill>
           <a:schemeClr val="tx1"/>
         </a:solidFill>
@@ -2968,8 +2968,8 @@
         <a:cs typeface="+mn-cs"/>
       </a:defRPr>
     </a:lvl1pPr>
-    <a:lvl2pPr marL="650147" algn="l" defTabSz="1300292" rtl="0" eaLnBrk="1" latinLnBrk="0" hangingPunct="1">
-      <a:defRPr sz="1707" kern="1200">
+    <a:lvl2pPr marL="587603" algn="l" defTabSz="1175204" rtl="0" eaLnBrk="1" latinLnBrk="0" hangingPunct="1">
+      <a:defRPr sz="1543" kern="1200">
         <a:solidFill>
           <a:schemeClr val="tx1"/>
         </a:solidFill>
@@ -2978,8 +2978,8 @@
         <a:cs typeface="+mn-cs"/>
       </a:defRPr>
     </a:lvl2pPr>
-    <a:lvl3pPr marL="1300292" algn="l" defTabSz="1300292" rtl="0" eaLnBrk="1" latinLnBrk="0" hangingPunct="1">
-      <a:defRPr sz="1707" kern="1200">
+    <a:lvl3pPr marL="1175204" algn="l" defTabSz="1175204" rtl="0" eaLnBrk="1" latinLnBrk="0" hangingPunct="1">
+      <a:defRPr sz="1543" kern="1200">
         <a:solidFill>
           <a:schemeClr val="tx1"/>
         </a:solidFill>
@@ -2988,8 +2988,8 @@
         <a:cs typeface="+mn-cs"/>
       </a:defRPr>
     </a:lvl3pPr>
-    <a:lvl4pPr marL="1950439" algn="l" defTabSz="1300292" rtl="0" eaLnBrk="1" latinLnBrk="0" hangingPunct="1">
-      <a:defRPr sz="1707" kern="1200">
+    <a:lvl4pPr marL="1762807" algn="l" defTabSz="1175204" rtl="0" eaLnBrk="1" latinLnBrk="0" hangingPunct="1">
+      <a:defRPr sz="1543" kern="1200">
         <a:solidFill>
           <a:schemeClr val="tx1"/>
         </a:solidFill>
@@ -2998,8 +2998,8 @@
         <a:cs typeface="+mn-cs"/>
       </a:defRPr>
     </a:lvl4pPr>
-    <a:lvl5pPr marL="2600587" algn="l" defTabSz="1300292" rtl="0" eaLnBrk="1" latinLnBrk="0" hangingPunct="1">
-      <a:defRPr sz="1707" kern="1200">
+    <a:lvl5pPr marL="2350411" algn="l" defTabSz="1175204" rtl="0" eaLnBrk="1" latinLnBrk="0" hangingPunct="1">
+      <a:defRPr sz="1543" kern="1200">
         <a:solidFill>
           <a:schemeClr val="tx1"/>
         </a:solidFill>
@@ -3008,8 +3008,8 @@
         <a:cs typeface="+mn-cs"/>
       </a:defRPr>
     </a:lvl5pPr>
-    <a:lvl6pPr marL="3250734" algn="l" defTabSz="1300292" rtl="0" eaLnBrk="1" latinLnBrk="0" hangingPunct="1">
-      <a:defRPr sz="1707" kern="1200">
+    <a:lvl6pPr marL="2938013" algn="l" defTabSz="1175204" rtl="0" eaLnBrk="1" latinLnBrk="0" hangingPunct="1">
+      <a:defRPr sz="1543" kern="1200">
         <a:solidFill>
           <a:schemeClr val="tx1"/>
         </a:solidFill>
@@ -3018,8 +3018,8 @@
         <a:cs typeface="+mn-cs"/>
       </a:defRPr>
     </a:lvl6pPr>
-    <a:lvl7pPr marL="3900880" algn="l" defTabSz="1300292" rtl="0" eaLnBrk="1" latinLnBrk="0" hangingPunct="1">
-      <a:defRPr sz="1707" kern="1200">
+    <a:lvl7pPr marL="3525615" algn="l" defTabSz="1175204" rtl="0" eaLnBrk="1" latinLnBrk="0" hangingPunct="1">
+      <a:defRPr sz="1543" kern="1200">
         <a:solidFill>
           <a:schemeClr val="tx1"/>
         </a:solidFill>
@@ -3028,8 +3028,8 @@
         <a:cs typeface="+mn-cs"/>
       </a:defRPr>
     </a:lvl7pPr>
-    <a:lvl8pPr marL="4551026" algn="l" defTabSz="1300292" rtl="0" eaLnBrk="1" latinLnBrk="0" hangingPunct="1">
-      <a:defRPr sz="1707" kern="1200">
+    <a:lvl8pPr marL="4113217" algn="l" defTabSz="1175204" rtl="0" eaLnBrk="1" latinLnBrk="0" hangingPunct="1">
+      <a:defRPr sz="1543" kern="1200">
         <a:solidFill>
           <a:schemeClr val="tx1"/>
         </a:solidFill>
@@ -3038,8 +3038,8 @@
         <a:cs typeface="+mn-cs"/>
       </a:defRPr>
     </a:lvl8pPr>
-    <a:lvl9pPr marL="5201173" algn="l" defTabSz="1300292" rtl="0" eaLnBrk="1" latinLnBrk="0" hangingPunct="1">
-      <a:defRPr sz="1707" kern="1200">
+    <a:lvl9pPr marL="4700820" algn="l" defTabSz="1175204" rtl="0" eaLnBrk="1" latinLnBrk="0" hangingPunct="1">
+      <a:defRPr sz="1543" kern="1200">
         <a:solidFill>
           <a:schemeClr val="tx1"/>
         </a:solidFill>
@@ -3081,8 +3081,8 @@
         </p:nvSpPr>
         <p:spPr>
           <a:xfrm>
-            <a:off x="1679575" y="1143000"/>
-            <a:ext cx="3498850" cy="3086100"/>
+            <a:off x="-369888" y="1143000"/>
+            <a:ext cx="7597776" cy="3086100"/>
           </a:xfrm>
         </p:spPr>
       </p:sp>
@@ -3170,15 +3170,15 @@
         </p:nvSpPr>
         <p:spPr>
           <a:xfrm>
-            <a:off x="1165860" y="2244726"/>
-            <a:ext cx="13213080" cy="4775200"/>
+            <a:off x="1885950" y="1002593"/>
+            <a:ext cx="11315700" cy="2132812"/>
           </a:xfrm>
         </p:spPr>
         <p:txBody>
           <a:bodyPr anchor="b"/>
           <a:lstStyle>
             <a:lvl1pPr algn="ctr">
-              <a:defRPr sz="10200"/>
+              <a:defRPr sz="5360"/>
             </a:lvl1pPr>
           </a:lstStyle>
           <a:p>
@@ -3202,8 +3202,8 @@
         </p:nvSpPr>
         <p:spPr>
           <a:xfrm>
-            <a:off x="1943100" y="7204076"/>
-            <a:ext cx="11658600" cy="3311524"/>
+            <a:off x="1885950" y="3217654"/>
+            <a:ext cx="11315700" cy="1479071"/>
           </a:xfrm>
         </p:spPr>
         <p:txBody>
@@ -3211,39 +3211,39 @@
           <a:lstStyle>
             <a:lvl1pPr marL="0" indent="0" algn="ctr">
               <a:buNone/>
-              <a:defRPr sz="4080"/>
+              <a:defRPr sz="2144"/>
             </a:lvl1pPr>
-            <a:lvl2pPr marL="777240" indent="0" algn="ctr">
+            <a:lvl2pPr marL="408417" indent="0" algn="ctr">
               <a:buNone/>
-              <a:defRPr sz="3400"/>
+              <a:defRPr sz="1787"/>
             </a:lvl2pPr>
-            <a:lvl3pPr marL="1554480" indent="0" algn="ctr">
+            <a:lvl3pPr marL="816834" indent="0" algn="ctr">
               <a:buNone/>
-              <a:defRPr sz="3060"/>
+              <a:defRPr sz="1608"/>
             </a:lvl3pPr>
-            <a:lvl4pPr marL="2331720" indent="0" algn="ctr">
+            <a:lvl4pPr marL="1225250" indent="0" algn="ctr">
               <a:buNone/>
-              <a:defRPr sz="2720"/>
+              <a:defRPr sz="1429"/>
             </a:lvl4pPr>
-            <a:lvl5pPr marL="3108960" indent="0" algn="ctr">
+            <a:lvl5pPr marL="1633667" indent="0" algn="ctr">
               <a:buNone/>
-              <a:defRPr sz="2720"/>
+              <a:defRPr sz="1429"/>
             </a:lvl5pPr>
-            <a:lvl6pPr marL="3886200" indent="0" algn="ctr">
+            <a:lvl6pPr marL="2042084" indent="0" algn="ctr">
               <a:buNone/>
-              <a:defRPr sz="2720"/>
+              <a:defRPr sz="1429"/>
             </a:lvl6pPr>
-            <a:lvl7pPr marL="4663440" indent="0" algn="ctr">
+            <a:lvl7pPr marL="2450501" indent="0" algn="ctr">
               <a:buNone/>
-              <a:defRPr sz="2720"/>
+              <a:defRPr sz="1429"/>
             </a:lvl7pPr>
-            <a:lvl8pPr marL="5440680" indent="0" algn="ctr">
+            <a:lvl8pPr marL="2858917" indent="0" algn="ctr">
               <a:buNone/>
-              <a:defRPr sz="2720"/>
+              <a:defRPr sz="1429"/>
             </a:lvl8pPr>
-            <a:lvl9pPr marL="6217920" indent="0" algn="ctr">
+            <a:lvl9pPr marL="3267334" indent="0" algn="ctr">
               <a:buNone/>
-              <a:defRPr sz="2720"/>
+              <a:defRPr sz="1429"/>
             </a:lvl9pPr>
           </a:lstStyle>
           <a:p>
@@ -3272,7 +3272,7 @@
           <a:p>
             <a:fld id="{82724D4C-6803-4E3B-BEA7-ED6632D6534A}" type="datetimeFigureOut">
               <a:rPr lang="en-US" smtClean="0"/>
-              <a:t>1/5/2023</a:t>
+              <a:t>1/29/2023</a:t>
             </a:fld>
             <a:endParaRPr lang="en-US"/>
           </a:p>
@@ -3323,7 +3323,7 @@
     </p:spTree>
     <p:extLst>
       <p:ext uri="{BB962C8B-B14F-4D97-AF65-F5344CB8AC3E}">
-        <p14:creationId xmlns:p14="http://schemas.microsoft.com/office/powerpoint/2010/main" val="1810420313"/>
+        <p14:creationId xmlns:p14="http://schemas.microsoft.com/office/powerpoint/2010/main" val="2205213132"/>
       </p:ext>
     </p:extLst>
   </p:cSld>
@@ -3442,7 +3442,7 @@
           <a:p>
             <a:fld id="{82724D4C-6803-4E3B-BEA7-ED6632D6534A}" type="datetimeFigureOut">
               <a:rPr lang="en-US" smtClean="0"/>
-              <a:t>1/5/2023</a:t>
+              <a:t>1/29/2023</a:t>
             </a:fld>
             <a:endParaRPr lang="en-US"/>
           </a:p>
@@ -3493,7 +3493,7 @@
     </p:spTree>
     <p:extLst>
       <p:ext uri="{BB962C8B-B14F-4D97-AF65-F5344CB8AC3E}">
-        <p14:creationId xmlns:p14="http://schemas.microsoft.com/office/powerpoint/2010/main" val="711670804"/>
+        <p14:creationId xmlns:p14="http://schemas.microsoft.com/office/powerpoint/2010/main" val="3067336360"/>
       </p:ext>
     </p:extLst>
   </p:cSld>
@@ -3532,8 +3532,8 @@
         </p:nvSpPr>
         <p:spPr>
           <a:xfrm>
-            <a:off x="11124248" y="730250"/>
-            <a:ext cx="3351848" cy="11623676"/>
+            <a:off x="10797064" y="326161"/>
+            <a:ext cx="3253264" cy="5191640"/>
           </a:xfrm>
         </p:spPr>
         <p:txBody>
@@ -3560,8 +3560,8 @@
         </p:nvSpPr>
         <p:spPr>
           <a:xfrm>
-            <a:off x="1068706" y="730250"/>
-            <a:ext cx="9861233" cy="11623676"/>
+            <a:off x="1037273" y="326161"/>
+            <a:ext cx="9571196" cy="5191640"/>
           </a:xfrm>
         </p:spPr>
         <p:txBody>
@@ -3622,7 +3622,7 @@
           <a:p>
             <a:fld id="{82724D4C-6803-4E3B-BEA7-ED6632D6534A}" type="datetimeFigureOut">
               <a:rPr lang="en-US" smtClean="0"/>
-              <a:t>1/5/2023</a:t>
+              <a:t>1/29/2023</a:t>
             </a:fld>
             <a:endParaRPr lang="en-US"/>
           </a:p>
@@ -3673,7 +3673,7 @@
     </p:spTree>
     <p:extLst>
       <p:ext uri="{BB962C8B-B14F-4D97-AF65-F5344CB8AC3E}">
-        <p14:creationId xmlns:p14="http://schemas.microsoft.com/office/powerpoint/2010/main" val="1926075009"/>
+        <p14:creationId xmlns:p14="http://schemas.microsoft.com/office/powerpoint/2010/main" val="2104171723"/>
       </p:ext>
     </p:extLst>
   </p:cSld>
@@ -3792,7 +3792,7 @@
           <a:p>
             <a:fld id="{82724D4C-6803-4E3B-BEA7-ED6632D6534A}" type="datetimeFigureOut">
               <a:rPr lang="en-US" smtClean="0"/>
-              <a:t>1/5/2023</a:t>
+              <a:t>1/29/2023</a:t>
             </a:fld>
             <a:endParaRPr lang="en-US"/>
           </a:p>
@@ -3843,7 +3843,7 @@
     </p:spTree>
     <p:extLst>
       <p:ext uri="{BB962C8B-B14F-4D97-AF65-F5344CB8AC3E}">
-        <p14:creationId xmlns:p14="http://schemas.microsoft.com/office/powerpoint/2010/main" val="1223467220"/>
+        <p14:creationId xmlns:p14="http://schemas.microsoft.com/office/powerpoint/2010/main" val="2350570133"/>
       </p:ext>
     </p:extLst>
   </p:cSld>
@@ -3882,15 +3882,15 @@
         </p:nvSpPr>
         <p:spPr>
           <a:xfrm>
-            <a:off x="1060610" y="3419479"/>
-            <a:ext cx="13407390" cy="5705474"/>
+            <a:off x="1029414" y="1527287"/>
+            <a:ext cx="13013055" cy="2548313"/>
           </a:xfrm>
         </p:spPr>
         <p:txBody>
           <a:bodyPr anchor="b"/>
           <a:lstStyle>
             <a:lvl1pPr>
-              <a:defRPr sz="10200"/>
+              <a:defRPr sz="5360"/>
             </a:lvl1pPr>
           </a:lstStyle>
           <a:p>
@@ -3914,8 +3914,8 @@
         </p:nvSpPr>
         <p:spPr>
           <a:xfrm>
-            <a:off x="1060610" y="9178929"/>
-            <a:ext cx="13407390" cy="3000374"/>
+            <a:off x="1029414" y="4099708"/>
+            <a:ext cx="13013055" cy="1340098"/>
           </a:xfrm>
         </p:spPr>
         <p:txBody>
@@ -3923,15 +3923,17 @@
           <a:lstStyle>
             <a:lvl1pPr marL="0" indent="0">
               <a:buNone/>
-              <a:defRPr sz="4080">
+              <a:defRPr sz="2144">
                 <a:solidFill>
-                  <a:schemeClr val="tx1"/>
+                  <a:schemeClr val="tx1">
+                    <a:tint val="75000"/>
+                  </a:schemeClr>
                 </a:solidFill>
               </a:defRPr>
             </a:lvl1pPr>
-            <a:lvl2pPr marL="777240" indent="0">
+            <a:lvl2pPr marL="408417" indent="0">
               <a:buNone/>
-              <a:defRPr sz="3400">
+              <a:defRPr sz="1787">
                 <a:solidFill>
                   <a:schemeClr val="tx1">
                     <a:tint val="75000"/>
@@ -3939,9 +3941,9 @@
                 </a:solidFill>
               </a:defRPr>
             </a:lvl2pPr>
-            <a:lvl3pPr marL="1554480" indent="0">
+            <a:lvl3pPr marL="816834" indent="0">
               <a:buNone/>
-              <a:defRPr sz="3060">
+              <a:defRPr sz="1608">
                 <a:solidFill>
                   <a:schemeClr val="tx1">
                     <a:tint val="75000"/>
@@ -3949,9 +3951,9 @@
                 </a:solidFill>
               </a:defRPr>
             </a:lvl3pPr>
-            <a:lvl4pPr marL="2331720" indent="0">
+            <a:lvl4pPr marL="1225250" indent="0">
               <a:buNone/>
-              <a:defRPr sz="2720">
+              <a:defRPr sz="1429">
                 <a:solidFill>
                   <a:schemeClr val="tx1">
                     <a:tint val="75000"/>
@@ -3959,9 +3961,9 @@
                 </a:solidFill>
               </a:defRPr>
             </a:lvl4pPr>
-            <a:lvl5pPr marL="3108960" indent="0">
+            <a:lvl5pPr marL="1633667" indent="0">
               <a:buNone/>
-              <a:defRPr sz="2720">
+              <a:defRPr sz="1429">
                 <a:solidFill>
                   <a:schemeClr val="tx1">
                     <a:tint val="75000"/>
@@ -3969,9 +3971,9 @@
                 </a:solidFill>
               </a:defRPr>
             </a:lvl5pPr>
-            <a:lvl6pPr marL="3886200" indent="0">
+            <a:lvl6pPr marL="2042084" indent="0">
               <a:buNone/>
-              <a:defRPr sz="2720">
+              <a:defRPr sz="1429">
                 <a:solidFill>
                   <a:schemeClr val="tx1">
                     <a:tint val="75000"/>
@@ -3979,9 +3981,9 @@
                 </a:solidFill>
               </a:defRPr>
             </a:lvl6pPr>
-            <a:lvl7pPr marL="4663440" indent="0">
+            <a:lvl7pPr marL="2450501" indent="0">
               <a:buNone/>
-              <a:defRPr sz="2720">
+              <a:defRPr sz="1429">
                 <a:solidFill>
                   <a:schemeClr val="tx1">
                     <a:tint val="75000"/>
@@ -3989,9 +3991,9 @@
                 </a:solidFill>
               </a:defRPr>
             </a:lvl7pPr>
-            <a:lvl8pPr marL="5440680" indent="0">
+            <a:lvl8pPr marL="2858917" indent="0">
               <a:buNone/>
-              <a:defRPr sz="2720">
+              <a:defRPr sz="1429">
                 <a:solidFill>
                   <a:schemeClr val="tx1">
                     <a:tint val="75000"/>
@@ -3999,9 +4001,9 @@
                 </a:solidFill>
               </a:defRPr>
             </a:lvl8pPr>
-            <a:lvl9pPr marL="6217920" indent="0">
+            <a:lvl9pPr marL="3267334" indent="0">
               <a:buNone/>
-              <a:defRPr sz="2720">
+              <a:defRPr sz="1429">
                 <a:solidFill>
                   <a:schemeClr val="tx1">
                     <a:tint val="75000"/>
@@ -4036,7 +4038,7 @@
           <a:p>
             <a:fld id="{82724D4C-6803-4E3B-BEA7-ED6632D6534A}" type="datetimeFigureOut">
               <a:rPr lang="en-US" smtClean="0"/>
-              <a:t>1/5/2023</a:t>
+              <a:t>1/29/2023</a:t>
             </a:fld>
             <a:endParaRPr lang="en-US"/>
           </a:p>
@@ -4087,7 +4089,7 @@
     </p:spTree>
     <p:extLst>
       <p:ext uri="{BB962C8B-B14F-4D97-AF65-F5344CB8AC3E}">
-        <p14:creationId xmlns:p14="http://schemas.microsoft.com/office/powerpoint/2010/main" val="1963060932"/>
+        <p14:creationId xmlns:p14="http://schemas.microsoft.com/office/powerpoint/2010/main" val="650955713"/>
       </p:ext>
     </p:extLst>
   </p:cSld>
@@ -4149,8 +4151,8 @@
         </p:nvSpPr>
         <p:spPr>
           <a:xfrm>
-            <a:off x="1068705" y="3651250"/>
-            <a:ext cx="6606540" cy="8702676"/>
+            <a:off x="1037273" y="1630807"/>
+            <a:ext cx="6412230" cy="3886994"/>
           </a:xfrm>
         </p:spPr>
         <p:txBody>
@@ -4206,8 +4208,8 @@
         </p:nvSpPr>
         <p:spPr>
           <a:xfrm>
-            <a:off x="7869555" y="3651250"/>
-            <a:ext cx="6606540" cy="8702676"/>
+            <a:off x="7638098" y="1630807"/>
+            <a:ext cx="6412230" cy="3886994"/>
           </a:xfrm>
         </p:spPr>
         <p:txBody>
@@ -4268,7 +4270,7 @@
           <a:p>
             <a:fld id="{82724D4C-6803-4E3B-BEA7-ED6632D6534A}" type="datetimeFigureOut">
               <a:rPr lang="en-US" smtClean="0"/>
-              <a:t>1/5/2023</a:t>
+              <a:t>1/29/2023</a:t>
             </a:fld>
             <a:endParaRPr lang="en-US"/>
           </a:p>
@@ -4319,7 +4321,7 @@
     </p:spTree>
     <p:extLst>
       <p:ext uri="{BB962C8B-B14F-4D97-AF65-F5344CB8AC3E}">
-        <p14:creationId xmlns:p14="http://schemas.microsoft.com/office/powerpoint/2010/main" val="2023948436"/>
+        <p14:creationId xmlns:p14="http://schemas.microsoft.com/office/powerpoint/2010/main" val="4200337030"/>
       </p:ext>
     </p:extLst>
   </p:cSld>
@@ -4358,8 +4360,8 @@
         </p:nvSpPr>
         <p:spPr>
           <a:xfrm>
-            <a:off x="1070730" y="730253"/>
-            <a:ext cx="13407390" cy="2651126"/>
+            <a:off x="1039238" y="326162"/>
+            <a:ext cx="13013055" cy="1184108"/>
           </a:xfrm>
         </p:spPr>
         <p:txBody>
@@ -4386,8 +4388,8 @@
         </p:nvSpPr>
         <p:spPr>
           <a:xfrm>
-            <a:off x="1070731" y="3362326"/>
-            <a:ext cx="6576178" cy="1647824"/>
+            <a:off x="1039238" y="1501761"/>
+            <a:ext cx="6382761" cy="735990"/>
           </a:xfrm>
         </p:spPr>
         <p:txBody>
@@ -4395,39 +4397,39 @@
           <a:lstStyle>
             <a:lvl1pPr marL="0" indent="0">
               <a:buNone/>
-              <a:defRPr sz="4080" b="1"/>
+              <a:defRPr sz="2144" b="1"/>
             </a:lvl1pPr>
-            <a:lvl2pPr marL="777240" indent="0">
+            <a:lvl2pPr marL="408417" indent="0">
               <a:buNone/>
-              <a:defRPr sz="3400" b="1"/>
+              <a:defRPr sz="1787" b="1"/>
             </a:lvl2pPr>
-            <a:lvl3pPr marL="1554480" indent="0">
+            <a:lvl3pPr marL="816834" indent="0">
               <a:buNone/>
-              <a:defRPr sz="3060" b="1"/>
+              <a:defRPr sz="1608" b="1"/>
             </a:lvl3pPr>
-            <a:lvl4pPr marL="2331720" indent="0">
+            <a:lvl4pPr marL="1225250" indent="0">
               <a:buNone/>
-              <a:defRPr sz="2720" b="1"/>
+              <a:defRPr sz="1429" b="1"/>
             </a:lvl4pPr>
-            <a:lvl5pPr marL="3108960" indent="0">
+            <a:lvl5pPr marL="1633667" indent="0">
               <a:buNone/>
-              <a:defRPr sz="2720" b="1"/>
+              <a:defRPr sz="1429" b="1"/>
             </a:lvl5pPr>
-            <a:lvl6pPr marL="3886200" indent="0">
+            <a:lvl6pPr marL="2042084" indent="0">
               <a:buNone/>
-              <a:defRPr sz="2720" b="1"/>
+              <a:defRPr sz="1429" b="1"/>
             </a:lvl6pPr>
-            <a:lvl7pPr marL="4663440" indent="0">
+            <a:lvl7pPr marL="2450501" indent="0">
               <a:buNone/>
-              <a:defRPr sz="2720" b="1"/>
+              <a:defRPr sz="1429" b="1"/>
             </a:lvl7pPr>
-            <a:lvl8pPr marL="5440680" indent="0">
+            <a:lvl8pPr marL="2858917" indent="0">
               <a:buNone/>
-              <a:defRPr sz="2720" b="1"/>
+              <a:defRPr sz="1429" b="1"/>
             </a:lvl8pPr>
-            <a:lvl9pPr marL="6217920" indent="0">
+            <a:lvl9pPr marL="3267334" indent="0">
               <a:buNone/>
-              <a:defRPr sz="2720" b="1"/>
+              <a:defRPr sz="1429" b="1"/>
             </a:lvl9pPr>
           </a:lstStyle>
           <a:p>
@@ -4451,8 +4453,8 @@
         </p:nvSpPr>
         <p:spPr>
           <a:xfrm>
-            <a:off x="1070731" y="5010150"/>
-            <a:ext cx="6576178" cy="7369176"/>
+            <a:off x="1039238" y="2237751"/>
+            <a:ext cx="6382761" cy="3291395"/>
           </a:xfrm>
         </p:spPr>
         <p:txBody>
@@ -4508,8 +4510,8 @@
         </p:nvSpPr>
         <p:spPr>
           <a:xfrm>
-            <a:off x="7869556" y="3362326"/>
-            <a:ext cx="6608565" cy="1647824"/>
+            <a:off x="7638098" y="1501761"/>
+            <a:ext cx="6414195" cy="735990"/>
           </a:xfrm>
         </p:spPr>
         <p:txBody>
@@ -4517,39 +4519,39 @@
           <a:lstStyle>
             <a:lvl1pPr marL="0" indent="0">
               <a:buNone/>
-              <a:defRPr sz="4080" b="1"/>
+              <a:defRPr sz="2144" b="1"/>
             </a:lvl1pPr>
-            <a:lvl2pPr marL="777240" indent="0">
+            <a:lvl2pPr marL="408417" indent="0">
               <a:buNone/>
-              <a:defRPr sz="3400" b="1"/>
+              <a:defRPr sz="1787" b="1"/>
             </a:lvl2pPr>
-            <a:lvl3pPr marL="1554480" indent="0">
+            <a:lvl3pPr marL="816834" indent="0">
               <a:buNone/>
-              <a:defRPr sz="3060" b="1"/>
+              <a:defRPr sz="1608" b="1"/>
             </a:lvl3pPr>
-            <a:lvl4pPr marL="2331720" indent="0">
+            <a:lvl4pPr marL="1225250" indent="0">
               <a:buNone/>
-              <a:defRPr sz="2720" b="1"/>
+              <a:defRPr sz="1429" b="1"/>
             </a:lvl4pPr>
-            <a:lvl5pPr marL="3108960" indent="0">
+            <a:lvl5pPr marL="1633667" indent="0">
               <a:buNone/>
-              <a:defRPr sz="2720" b="1"/>
+              <a:defRPr sz="1429" b="1"/>
             </a:lvl5pPr>
-            <a:lvl6pPr marL="3886200" indent="0">
+            <a:lvl6pPr marL="2042084" indent="0">
               <a:buNone/>
-              <a:defRPr sz="2720" b="1"/>
+              <a:defRPr sz="1429" b="1"/>
             </a:lvl6pPr>
-            <a:lvl7pPr marL="4663440" indent="0">
+            <a:lvl7pPr marL="2450501" indent="0">
               <a:buNone/>
-              <a:defRPr sz="2720" b="1"/>
+              <a:defRPr sz="1429" b="1"/>
             </a:lvl7pPr>
-            <a:lvl8pPr marL="5440680" indent="0">
+            <a:lvl8pPr marL="2858917" indent="0">
               <a:buNone/>
-              <a:defRPr sz="2720" b="1"/>
+              <a:defRPr sz="1429" b="1"/>
             </a:lvl8pPr>
-            <a:lvl9pPr marL="6217920" indent="0">
+            <a:lvl9pPr marL="3267334" indent="0">
               <a:buNone/>
-              <a:defRPr sz="2720" b="1"/>
+              <a:defRPr sz="1429" b="1"/>
             </a:lvl9pPr>
           </a:lstStyle>
           <a:p>
@@ -4573,8 +4575,8 @@
         </p:nvSpPr>
         <p:spPr>
           <a:xfrm>
-            <a:off x="7869556" y="5010150"/>
-            <a:ext cx="6608565" cy="7369176"/>
+            <a:off x="7638098" y="2237751"/>
+            <a:ext cx="6414195" cy="3291395"/>
           </a:xfrm>
         </p:spPr>
         <p:txBody>
@@ -4635,7 +4637,7 @@
           <a:p>
             <a:fld id="{82724D4C-6803-4E3B-BEA7-ED6632D6534A}" type="datetimeFigureOut">
               <a:rPr lang="en-US" smtClean="0"/>
-              <a:t>1/5/2023</a:t>
+              <a:t>1/29/2023</a:t>
             </a:fld>
             <a:endParaRPr lang="en-US"/>
           </a:p>
@@ -4686,7 +4688,7 @@
     </p:spTree>
     <p:extLst>
       <p:ext uri="{BB962C8B-B14F-4D97-AF65-F5344CB8AC3E}">
-        <p14:creationId xmlns:p14="http://schemas.microsoft.com/office/powerpoint/2010/main" val="2348138113"/>
+        <p14:creationId xmlns:p14="http://schemas.microsoft.com/office/powerpoint/2010/main" val="3207707952"/>
       </p:ext>
     </p:extLst>
   </p:cSld>
@@ -4753,7 +4755,7 @@
           <a:p>
             <a:fld id="{82724D4C-6803-4E3B-BEA7-ED6632D6534A}" type="datetimeFigureOut">
               <a:rPr lang="en-US" smtClean="0"/>
-              <a:t>1/5/2023</a:t>
+              <a:t>1/29/2023</a:t>
             </a:fld>
             <a:endParaRPr lang="en-US"/>
           </a:p>
@@ -4804,7 +4806,7 @@
     </p:spTree>
     <p:extLst>
       <p:ext uri="{BB962C8B-B14F-4D97-AF65-F5344CB8AC3E}">
-        <p14:creationId xmlns:p14="http://schemas.microsoft.com/office/powerpoint/2010/main" val="2095935401"/>
+        <p14:creationId xmlns:p14="http://schemas.microsoft.com/office/powerpoint/2010/main" val="2176632447"/>
       </p:ext>
     </p:extLst>
   </p:cSld>
@@ -4848,7 +4850,7 @@
           <a:p>
             <a:fld id="{82724D4C-6803-4E3B-BEA7-ED6632D6534A}" type="datetimeFigureOut">
               <a:rPr lang="en-US" smtClean="0"/>
-              <a:t>1/5/2023</a:t>
+              <a:t>1/29/2023</a:t>
             </a:fld>
             <a:endParaRPr lang="en-US"/>
           </a:p>
@@ -4899,7 +4901,7 @@
     </p:spTree>
     <p:extLst>
       <p:ext uri="{BB962C8B-B14F-4D97-AF65-F5344CB8AC3E}">
-        <p14:creationId xmlns:p14="http://schemas.microsoft.com/office/powerpoint/2010/main" val="2492240397"/>
+        <p14:creationId xmlns:p14="http://schemas.microsoft.com/office/powerpoint/2010/main" val="3128206951"/>
       </p:ext>
     </p:extLst>
   </p:cSld>
@@ -4938,15 +4940,15 @@
         </p:nvSpPr>
         <p:spPr>
           <a:xfrm>
-            <a:off x="1070730" y="914400"/>
-            <a:ext cx="5013603" cy="3200400"/>
+            <a:off x="1039238" y="408411"/>
+            <a:ext cx="4866143" cy="1429438"/>
           </a:xfrm>
         </p:spPr>
         <p:txBody>
           <a:bodyPr anchor="b"/>
           <a:lstStyle>
             <a:lvl1pPr>
-              <a:defRPr sz="5440"/>
+              <a:defRPr sz="2859"/>
             </a:lvl1pPr>
           </a:lstStyle>
           <a:p>
@@ -4970,39 +4972,39 @@
         </p:nvSpPr>
         <p:spPr>
           <a:xfrm>
-            <a:off x="6608565" y="1974853"/>
-            <a:ext cx="7869555" cy="9747250"/>
+            <a:off x="6414195" y="882055"/>
+            <a:ext cx="7638098" cy="4353546"/>
           </a:xfrm>
         </p:spPr>
         <p:txBody>
           <a:bodyPr/>
           <a:lstStyle>
             <a:lvl1pPr>
-              <a:defRPr sz="5440"/>
+              <a:defRPr sz="2859"/>
             </a:lvl1pPr>
             <a:lvl2pPr>
-              <a:defRPr sz="4760"/>
+              <a:defRPr sz="2501"/>
             </a:lvl2pPr>
             <a:lvl3pPr>
-              <a:defRPr sz="4080"/>
+              <a:defRPr sz="2144"/>
             </a:lvl3pPr>
             <a:lvl4pPr>
-              <a:defRPr sz="3400"/>
+              <a:defRPr sz="1787"/>
             </a:lvl4pPr>
             <a:lvl5pPr>
-              <a:defRPr sz="3400"/>
+              <a:defRPr sz="1787"/>
             </a:lvl5pPr>
             <a:lvl6pPr>
-              <a:defRPr sz="3400"/>
+              <a:defRPr sz="1787"/>
             </a:lvl6pPr>
             <a:lvl7pPr>
-              <a:defRPr sz="3400"/>
+              <a:defRPr sz="1787"/>
             </a:lvl7pPr>
             <a:lvl8pPr>
-              <a:defRPr sz="3400"/>
+              <a:defRPr sz="1787"/>
             </a:lvl8pPr>
             <a:lvl9pPr>
-              <a:defRPr sz="3400"/>
+              <a:defRPr sz="1787"/>
             </a:lvl9pPr>
           </a:lstStyle>
           <a:p>
@@ -5055,8 +5057,8 @@
         </p:nvSpPr>
         <p:spPr>
           <a:xfrm>
-            <a:off x="1070730" y="4114800"/>
-            <a:ext cx="5013603" cy="7623176"/>
+            <a:off x="1039238" y="1837849"/>
+            <a:ext cx="4866143" cy="3404842"/>
           </a:xfrm>
         </p:spPr>
         <p:txBody>
@@ -5064,39 +5066,39 @@
           <a:lstStyle>
             <a:lvl1pPr marL="0" indent="0">
               <a:buNone/>
-              <a:defRPr sz="2720"/>
+              <a:defRPr sz="1429"/>
             </a:lvl1pPr>
-            <a:lvl2pPr marL="777240" indent="0">
+            <a:lvl2pPr marL="408417" indent="0">
               <a:buNone/>
-              <a:defRPr sz="2380"/>
+              <a:defRPr sz="1251"/>
             </a:lvl2pPr>
-            <a:lvl3pPr marL="1554480" indent="0">
+            <a:lvl3pPr marL="816834" indent="0">
               <a:buNone/>
-              <a:defRPr sz="2040"/>
+              <a:defRPr sz="1072"/>
             </a:lvl3pPr>
-            <a:lvl4pPr marL="2331720" indent="0">
+            <a:lvl4pPr marL="1225250" indent="0">
               <a:buNone/>
-              <a:defRPr sz="1700"/>
+              <a:defRPr sz="893"/>
             </a:lvl4pPr>
-            <a:lvl5pPr marL="3108960" indent="0">
+            <a:lvl5pPr marL="1633667" indent="0">
               <a:buNone/>
-              <a:defRPr sz="1700"/>
+              <a:defRPr sz="893"/>
             </a:lvl5pPr>
-            <a:lvl6pPr marL="3886200" indent="0">
+            <a:lvl6pPr marL="2042084" indent="0">
               <a:buNone/>
-              <a:defRPr sz="1700"/>
+              <a:defRPr sz="893"/>
             </a:lvl6pPr>
-            <a:lvl7pPr marL="4663440" indent="0">
+            <a:lvl7pPr marL="2450501" indent="0">
               <a:buNone/>
-              <a:defRPr sz="1700"/>
+              <a:defRPr sz="893"/>
             </a:lvl7pPr>
-            <a:lvl8pPr marL="5440680" indent="0">
+            <a:lvl8pPr marL="2858917" indent="0">
               <a:buNone/>
-              <a:defRPr sz="1700"/>
+              <a:defRPr sz="893"/>
             </a:lvl8pPr>
-            <a:lvl9pPr marL="6217920" indent="0">
+            <a:lvl9pPr marL="3267334" indent="0">
               <a:buNone/>
-              <a:defRPr sz="1700"/>
+              <a:defRPr sz="893"/>
             </a:lvl9pPr>
           </a:lstStyle>
           <a:p>
@@ -5125,7 +5127,7 @@
           <a:p>
             <a:fld id="{82724D4C-6803-4E3B-BEA7-ED6632D6534A}" type="datetimeFigureOut">
               <a:rPr lang="en-US" smtClean="0"/>
-              <a:t>1/5/2023</a:t>
+              <a:t>1/29/2023</a:t>
             </a:fld>
             <a:endParaRPr lang="en-US"/>
           </a:p>
@@ -5176,7 +5178,7 @@
     </p:spTree>
     <p:extLst>
       <p:ext uri="{BB962C8B-B14F-4D97-AF65-F5344CB8AC3E}">
-        <p14:creationId xmlns:p14="http://schemas.microsoft.com/office/powerpoint/2010/main" val="2408025566"/>
+        <p14:creationId xmlns:p14="http://schemas.microsoft.com/office/powerpoint/2010/main" val="3731530458"/>
       </p:ext>
     </p:extLst>
   </p:cSld>
@@ -5215,15 +5217,15 @@
         </p:nvSpPr>
         <p:spPr>
           <a:xfrm>
-            <a:off x="1070730" y="914400"/>
-            <a:ext cx="5013603" cy="3200400"/>
+            <a:off x="1039238" y="408411"/>
+            <a:ext cx="4866143" cy="1429438"/>
           </a:xfrm>
         </p:spPr>
         <p:txBody>
           <a:bodyPr anchor="b"/>
           <a:lstStyle>
             <a:lvl1pPr>
-              <a:defRPr sz="5440"/>
+              <a:defRPr sz="2859"/>
             </a:lvl1pPr>
           </a:lstStyle>
           <a:p>
@@ -5247,8 +5249,8 @@
         </p:nvSpPr>
         <p:spPr>
           <a:xfrm>
-            <a:off x="6608565" y="1974853"/>
-            <a:ext cx="7869555" cy="9747250"/>
+            <a:off x="6414195" y="882055"/>
+            <a:ext cx="7638098" cy="4353546"/>
           </a:xfrm>
         </p:spPr>
         <p:txBody>
@@ -5256,39 +5258,39 @@
           <a:lstStyle>
             <a:lvl1pPr marL="0" indent="0">
               <a:buNone/>
-              <a:defRPr sz="5440"/>
+              <a:defRPr sz="2859"/>
             </a:lvl1pPr>
-            <a:lvl2pPr marL="777240" indent="0">
+            <a:lvl2pPr marL="408417" indent="0">
               <a:buNone/>
-              <a:defRPr sz="4760"/>
+              <a:defRPr sz="2501"/>
             </a:lvl2pPr>
-            <a:lvl3pPr marL="1554480" indent="0">
+            <a:lvl3pPr marL="816834" indent="0">
               <a:buNone/>
-              <a:defRPr sz="4080"/>
+              <a:defRPr sz="2144"/>
             </a:lvl3pPr>
-            <a:lvl4pPr marL="2331720" indent="0">
+            <a:lvl4pPr marL="1225250" indent="0">
               <a:buNone/>
-              <a:defRPr sz="3400"/>
+              <a:defRPr sz="1787"/>
             </a:lvl4pPr>
-            <a:lvl5pPr marL="3108960" indent="0">
+            <a:lvl5pPr marL="1633667" indent="0">
               <a:buNone/>
-              <a:defRPr sz="3400"/>
+              <a:defRPr sz="1787"/>
             </a:lvl5pPr>
-            <a:lvl6pPr marL="3886200" indent="0">
+            <a:lvl6pPr marL="2042084" indent="0">
               <a:buNone/>
-              <a:defRPr sz="3400"/>
+              <a:defRPr sz="1787"/>
             </a:lvl6pPr>
-            <a:lvl7pPr marL="4663440" indent="0">
+            <a:lvl7pPr marL="2450501" indent="0">
               <a:buNone/>
-              <a:defRPr sz="3400"/>
+              <a:defRPr sz="1787"/>
             </a:lvl7pPr>
-            <a:lvl8pPr marL="5440680" indent="0">
+            <a:lvl8pPr marL="2858917" indent="0">
               <a:buNone/>
-              <a:defRPr sz="3400"/>
+              <a:defRPr sz="1787"/>
             </a:lvl8pPr>
-            <a:lvl9pPr marL="6217920" indent="0">
+            <a:lvl9pPr marL="3267334" indent="0">
               <a:buNone/>
-              <a:defRPr sz="3400"/>
+              <a:defRPr sz="1787"/>
             </a:lvl9pPr>
           </a:lstStyle>
           <a:p>
@@ -5312,8 +5314,8 @@
         </p:nvSpPr>
         <p:spPr>
           <a:xfrm>
-            <a:off x="1070730" y="4114800"/>
-            <a:ext cx="5013603" cy="7623176"/>
+            <a:off x="1039238" y="1837849"/>
+            <a:ext cx="4866143" cy="3404842"/>
           </a:xfrm>
         </p:spPr>
         <p:txBody>
@@ -5321,39 +5323,39 @@
           <a:lstStyle>
             <a:lvl1pPr marL="0" indent="0">
               <a:buNone/>
-              <a:defRPr sz="2720"/>
+              <a:defRPr sz="1429"/>
             </a:lvl1pPr>
-            <a:lvl2pPr marL="777240" indent="0">
+            <a:lvl2pPr marL="408417" indent="0">
               <a:buNone/>
-              <a:defRPr sz="2380"/>
+              <a:defRPr sz="1251"/>
             </a:lvl2pPr>
-            <a:lvl3pPr marL="1554480" indent="0">
+            <a:lvl3pPr marL="816834" indent="0">
               <a:buNone/>
-              <a:defRPr sz="2040"/>
+              <a:defRPr sz="1072"/>
             </a:lvl3pPr>
-            <a:lvl4pPr marL="2331720" indent="0">
+            <a:lvl4pPr marL="1225250" indent="0">
               <a:buNone/>
-              <a:defRPr sz="1700"/>
+              <a:defRPr sz="893"/>
             </a:lvl4pPr>
-            <a:lvl5pPr marL="3108960" indent="0">
+            <a:lvl5pPr marL="1633667" indent="0">
               <a:buNone/>
-              <a:defRPr sz="1700"/>
+              <a:defRPr sz="893"/>
             </a:lvl5pPr>
-            <a:lvl6pPr marL="3886200" indent="0">
+            <a:lvl6pPr marL="2042084" indent="0">
               <a:buNone/>
-              <a:defRPr sz="1700"/>
+              <a:defRPr sz="893"/>
             </a:lvl6pPr>
-            <a:lvl7pPr marL="4663440" indent="0">
+            <a:lvl7pPr marL="2450501" indent="0">
               <a:buNone/>
-              <a:defRPr sz="1700"/>
+              <a:defRPr sz="893"/>
             </a:lvl7pPr>
-            <a:lvl8pPr marL="5440680" indent="0">
+            <a:lvl8pPr marL="2858917" indent="0">
               <a:buNone/>
-              <a:defRPr sz="1700"/>
+              <a:defRPr sz="893"/>
             </a:lvl8pPr>
-            <a:lvl9pPr marL="6217920" indent="0">
+            <a:lvl9pPr marL="3267334" indent="0">
               <a:buNone/>
-              <a:defRPr sz="1700"/>
+              <a:defRPr sz="893"/>
             </a:lvl9pPr>
           </a:lstStyle>
           <a:p>
@@ -5382,7 +5384,7 @@
           <a:p>
             <a:fld id="{82724D4C-6803-4E3B-BEA7-ED6632D6534A}" type="datetimeFigureOut">
               <a:rPr lang="en-US" smtClean="0"/>
-              <a:t>1/5/2023</a:t>
+              <a:t>1/29/2023</a:t>
             </a:fld>
             <a:endParaRPr lang="en-US"/>
           </a:p>
@@ -5433,7 +5435,7 @@
     </p:spTree>
     <p:extLst>
       <p:ext uri="{BB962C8B-B14F-4D97-AF65-F5344CB8AC3E}">
-        <p14:creationId xmlns:p14="http://schemas.microsoft.com/office/powerpoint/2010/main" val="4288753918"/>
+        <p14:creationId xmlns:p14="http://schemas.microsoft.com/office/powerpoint/2010/main" val="2261228546"/>
       </p:ext>
     </p:extLst>
   </p:cSld>
@@ -5477,8 +5479,8 @@
         </p:nvSpPr>
         <p:spPr>
           <a:xfrm>
-            <a:off x="1068705" y="730253"/>
-            <a:ext cx="13407390" cy="2651126"/>
+            <a:off x="1037273" y="326162"/>
+            <a:ext cx="13013055" cy="1184108"/>
           </a:xfrm>
           <a:prstGeom prst="rect">
             <a:avLst/>
@@ -5510,8 +5512,8 @@
         </p:nvSpPr>
         <p:spPr>
           <a:xfrm>
-            <a:off x="1068705" y="3651250"/>
-            <a:ext cx="13407390" cy="8702676"/>
+            <a:off x="1037273" y="1630807"/>
+            <a:ext cx="13013055" cy="3886994"/>
           </a:xfrm>
           <a:prstGeom prst="rect">
             <a:avLst/>
@@ -5572,8 +5574,8 @@
         </p:nvSpPr>
         <p:spPr>
           <a:xfrm>
-            <a:off x="1068705" y="12712703"/>
-            <a:ext cx="3497580" cy="730250"/>
+            <a:off x="1037273" y="5678046"/>
+            <a:ext cx="3394710" cy="326161"/>
           </a:xfrm>
           <a:prstGeom prst="rect">
             <a:avLst/>
@@ -5583,7 +5585,7 @@
           <a:bodyPr vert="horz" lIns="91440" tIns="45720" rIns="91440" bIns="45720" rtlCol="0" anchor="ctr"/>
           <a:lstStyle>
             <a:lvl1pPr algn="l">
-              <a:defRPr sz="2040">
+              <a:defRPr sz="1072">
                 <a:solidFill>
                   <a:schemeClr val="tx1">
                     <a:tint val="75000"/>
@@ -5595,7 +5597,7 @@
           <a:p>
             <a:fld id="{82724D4C-6803-4E3B-BEA7-ED6632D6534A}" type="datetimeFigureOut">
               <a:rPr lang="en-US" smtClean="0"/>
-              <a:t>1/5/2023</a:t>
+              <a:t>1/29/2023</a:t>
             </a:fld>
             <a:endParaRPr lang="en-US"/>
           </a:p>
@@ -5613,8 +5615,8 @@
         </p:nvSpPr>
         <p:spPr>
           <a:xfrm>
-            <a:off x="5149215" y="12712703"/>
-            <a:ext cx="5246370" cy="730250"/>
+            <a:off x="4997768" y="5678046"/>
+            <a:ext cx="5092065" cy="326161"/>
           </a:xfrm>
           <a:prstGeom prst="rect">
             <a:avLst/>
@@ -5624,7 +5626,7 @@
           <a:bodyPr vert="horz" lIns="91440" tIns="45720" rIns="91440" bIns="45720" rtlCol="0" anchor="ctr"/>
           <a:lstStyle>
             <a:lvl1pPr algn="ctr">
-              <a:defRPr sz="2040">
+              <a:defRPr sz="1072">
                 <a:solidFill>
                   <a:schemeClr val="tx1">
                     <a:tint val="75000"/>
@@ -5650,8 +5652,8 @@
         </p:nvSpPr>
         <p:spPr>
           <a:xfrm>
-            <a:off x="10978515" y="12712703"/>
-            <a:ext cx="3497580" cy="730250"/>
+            <a:off x="10655618" y="5678046"/>
+            <a:ext cx="3394710" cy="326161"/>
           </a:xfrm>
           <a:prstGeom prst="rect">
             <a:avLst/>
@@ -5661,7 +5663,7 @@
           <a:bodyPr vert="horz" lIns="91440" tIns="45720" rIns="91440" bIns="45720" rtlCol="0" anchor="ctr"/>
           <a:lstStyle>
             <a:lvl1pPr algn="r">
-              <a:defRPr sz="2040">
+              <a:defRPr sz="1072">
                 <a:solidFill>
                   <a:schemeClr val="tx1">
                     <a:tint val="75000"/>
@@ -5682,27 +5684,27 @@
     </p:spTree>
     <p:extLst>
       <p:ext uri="{BB962C8B-B14F-4D97-AF65-F5344CB8AC3E}">
-        <p14:creationId xmlns:p14="http://schemas.microsoft.com/office/powerpoint/2010/main" val="3125972764"/>
+        <p14:creationId xmlns:p14="http://schemas.microsoft.com/office/powerpoint/2010/main" val="3083184265"/>
       </p:ext>
     </p:extLst>
   </p:cSld>
   <p:clrMap bg1="lt1" tx1="dk1" bg2="lt2" tx2="dk2" accent1="accent1" accent2="accent2" accent3="accent3" accent4="accent4" accent5="accent5" accent6="accent6" hlink="hlink" folHlink="folHlink"/>
   <p:sldLayoutIdLst>
-    <p:sldLayoutId id="2147483673" r:id="rId1"/>
-    <p:sldLayoutId id="2147483674" r:id="rId2"/>
-    <p:sldLayoutId id="2147483675" r:id="rId3"/>
-    <p:sldLayoutId id="2147483676" r:id="rId4"/>
-    <p:sldLayoutId id="2147483677" r:id="rId5"/>
-    <p:sldLayoutId id="2147483678" r:id="rId6"/>
-    <p:sldLayoutId id="2147483679" r:id="rId7"/>
-    <p:sldLayoutId id="2147483680" r:id="rId8"/>
-    <p:sldLayoutId id="2147483681" r:id="rId9"/>
-    <p:sldLayoutId id="2147483682" r:id="rId10"/>
-    <p:sldLayoutId id="2147483683" r:id="rId11"/>
+    <p:sldLayoutId id="2147483721" r:id="rId1"/>
+    <p:sldLayoutId id="2147483722" r:id="rId2"/>
+    <p:sldLayoutId id="2147483723" r:id="rId3"/>
+    <p:sldLayoutId id="2147483724" r:id="rId4"/>
+    <p:sldLayoutId id="2147483725" r:id="rId5"/>
+    <p:sldLayoutId id="2147483726" r:id="rId6"/>
+    <p:sldLayoutId id="2147483727" r:id="rId7"/>
+    <p:sldLayoutId id="2147483728" r:id="rId8"/>
+    <p:sldLayoutId id="2147483729" r:id="rId9"/>
+    <p:sldLayoutId id="2147483730" r:id="rId10"/>
+    <p:sldLayoutId id="2147483731" r:id="rId11"/>
   </p:sldLayoutIdLst>
   <p:txStyles>
     <p:titleStyle>
-      <a:lvl1pPr algn="l" defTabSz="1554480" rtl="0" eaLnBrk="1" latinLnBrk="0" hangingPunct="1">
+      <a:lvl1pPr algn="l" defTabSz="816834" rtl="0" eaLnBrk="1" latinLnBrk="0" hangingPunct="1">
         <a:lnSpc>
           <a:spcPct val="90000"/>
         </a:lnSpc>
@@ -5710,7 +5712,7 @@
           <a:spcPct val="0"/>
         </a:spcBef>
         <a:buNone/>
-        <a:defRPr sz="7480" kern="1200">
+        <a:defRPr sz="3931" kern="1200">
           <a:solidFill>
             <a:schemeClr val="tx1"/>
           </a:solidFill>
@@ -5721,16 +5723,16 @@
       </a:lvl1pPr>
     </p:titleStyle>
     <p:bodyStyle>
-      <a:lvl1pPr marL="388620" indent="-388620" algn="l" defTabSz="1554480" rtl="0" eaLnBrk="1" latinLnBrk="0" hangingPunct="1">
+      <a:lvl1pPr marL="204208" indent="-204208" algn="l" defTabSz="816834" rtl="0" eaLnBrk="1" latinLnBrk="0" hangingPunct="1">
         <a:lnSpc>
           <a:spcPct val="90000"/>
         </a:lnSpc>
         <a:spcBef>
-          <a:spcPts val="1700"/>
+          <a:spcPts val="893"/>
         </a:spcBef>
         <a:buFont typeface="Arial" panose="020B0604020202020204" pitchFamily="34" charset="0"/>
         <a:buChar char="•"/>
-        <a:defRPr sz="4760" kern="1200">
+        <a:defRPr sz="2501" kern="1200">
           <a:solidFill>
             <a:schemeClr val="tx1"/>
           </a:solidFill>
@@ -5739,16 +5741,16 @@
           <a:cs typeface="+mn-cs"/>
         </a:defRPr>
       </a:lvl1pPr>
-      <a:lvl2pPr marL="1165860" indent="-388620" algn="l" defTabSz="1554480" rtl="0" eaLnBrk="1" latinLnBrk="0" hangingPunct="1">
+      <a:lvl2pPr marL="612625" indent="-204208" algn="l" defTabSz="816834" rtl="0" eaLnBrk="1" latinLnBrk="0" hangingPunct="1">
         <a:lnSpc>
           <a:spcPct val="90000"/>
         </a:lnSpc>
         <a:spcBef>
-          <a:spcPts val="850"/>
+          <a:spcPts val="447"/>
         </a:spcBef>
         <a:buFont typeface="Arial" panose="020B0604020202020204" pitchFamily="34" charset="0"/>
         <a:buChar char="•"/>
-        <a:defRPr sz="4080" kern="1200">
+        <a:defRPr sz="2144" kern="1200">
           <a:solidFill>
             <a:schemeClr val="tx1"/>
           </a:solidFill>
@@ -5757,16 +5759,16 @@
           <a:cs typeface="+mn-cs"/>
         </a:defRPr>
       </a:lvl2pPr>
-      <a:lvl3pPr marL="1943100" indent="-388620" algn="l" defTabSz="1554480" rtl="0" eaLnBrk="1" latinLnBrk="0" hangingPunct="1">
+      <a:lvl3pPr marL="1021042" indent="-204208" algn="l" defTabSz="816834" rtl="0" eaLnBrk="1" latinLnBrk="0" hangingPunct="1">
         <a:lnSpc>
           <a:spcPct val="90000"/>
         </a:lnSpc>
         <a:spcBef>
-          <a:spcPts val="850"/>
+          <a:spcPts val="447"/>
         </a:spcBef>
         <a:buFont typeface="Arial" panose="020B0604020202020204" pitchFamily="34" charset="0"/>
         <a:buChar char="•"/>
-        <a:defRPr sz="3400" kern="1200">
+        <a:defRPr sz="1787" kern="1200">
           <a:solidFill>
             <a:schemeClr val="tx1"/>
           </a:solidFill>
@@ -5775,16 +5777,16 @@
           <a:cs typeface="+mn-cs"/>
         </a:defRPr>
       </a:lvl3pPr>
-      <a:lvl4pPr marL="2720340" indent="-388620" algn="l" defTabSz="1554480" rtl="0" eaLnBrk="1" latinLnBrk="0" hangingPunct="1">
+      <a:lvl4pPr marL="1429459" indent="-204208" algn="l" defTabSz="816834" rtl="0" eaLnBrk="1" latinLnBrk="0" hangingPunct="1">
         <a:lnSpc>
           <a:spcPct val="90000"/>
         </a:lnSpc>
         <a:spcBef>
-          <a:spcPts val="850"/>
+          <a:spcPts val="447"/>
         </a:spcBef>
         <a:buFont typeface="Arial" panose="020B0604020202020204" pitchFamily="34" charset="0"/>
         <a:buChar char="•"/>
-        <a:defRPr sz="3060" kern="1200">
+        <a:defRPr sz="1608" kern="1200">
           <a:solidFill>
             <a:schemeClr val="tx1"/>
           </a:solidFill>
@@ -5793,16 +5795,16 @@
           <a:cs typeface="+mn-cs"/>
         </a:defRPr>
       </a:lvl4pPr>
-      <a:lvl5pPr marL="3497580" indent="-388620" algn="l" defTabSz="1554480" rtl="0" eaLnBrk="1" latinLnBrk="0" hangingPunct="1">
+      <a:lvl5pPr marL="1837875" indent="-204208" algn="l" defTabSz="816834" rtl="0" eaLnBrk="1" latinLnBrk="0" hangingPunct="1">
         <a:lnSpc>
           <a:spcPct val="90000"/>
         </a:lnSpc>
         <a:spcBef>
-          <a:spcPts val="850"/>
+          <a:spcPts val="447"/>
         </a:spcBef>
         <a:buFont typeface="Arial" panose="020B0604020202020204" pitchFamily="34" charset="0"/>
         <a:buChar char="•"/>
-        <a:defRPr sz="3060" kern="1200">
+        <a:defRPr sz="1608" kern="1200">
           <a:solidFill>
             <a:schemeClr val="tx1"/>
           </a:solidFill>
@@ -5811,16 +5813,16 @@
           <a:cs typeface="+mn-cs"/>
         </a:defRPr>
       </a:lvl5pPr>
-      <a:lvl6pPr marL="4274820" indent="-388620" algn="l" defTabSz="1554480" rtl="0" eaLnBrk="1" latinLnBrk="0" hangingPunct="1">
+      <a:lvl6pPr marL="2246292" indent="-204208" algn="l" defTabSz="816834" rtl="0" eaLnBrk="1" latinLnBrk="0" hangingPunct="1">
         <a:lnSpc>
           <a:spcPct val="90000"/>
         </a:lnSpc>
         <a:spcBef>
-          <a:spcPts val="850"/>
+          <a:spcPts val="447"/>
         </a:spcBef>
         <a:buFont typeface="Arial" panose="020B0604020202020204" pitchFamily="34" charset="0"/>
         <a:buChar char="•"/>
-        <a:defRPr sz="3060" kern="1200">
+        <a:defRPr sz="1608" kern="1200">
           <a:solidFill>
             <a:schemeClr val="tx1"/>
           </a:solidFill>
@@ -5829,16 +5831,16 @@
           <a:cs typeface="+mn-cs"/>
         </a:defRPr>
       </a:lvl6pPr>
-      <a:lvl7pPr marL="5052060" indent="-388620" algn="l" defTabSz="1554480" rtl="0" eaLnBrk="1" latinLnBrk="0" hangingPunct="1">
+      <a:lvl7pPr marL="2654709" indent="-204208" algn="l" defTabSz="816834" rtl="0" eaLnBrk="1" latinLnBrk="0" hangingPunct="1">
         <a:lnSpc>
           <a:spcPct val="90000"/>
         </a:lnSpc>
         <a:spcBef>
-          <a:spcPts val="850"/>
+          <a:spcPts val="447"/>
         </a:spcBef>
         <a:buFont typeface="Arial" panose="020B0604020202020204" pitchFamily="34" charset="0"/>
         <a:buChar char="•"/>
-        <a:defRPr sz="3060" kern="1200">
+        <a:defRPr sz="1608" kern="1200">
           <a:solidFill>
             <a:schemeClr val="tx1"/>
           </a:solidFill>
@@ -5847,16 +5849,16 @@
           <a:cs typeface="+mn-cs"/>
         </a:defRPr>
       </a:lvl7pPr>
-      <a:lvl8pPr marL="5829300" indent="-388620" algn="l" defTabSz="1554480" rtl="0" eaLnBrk="1" latinLnBrk="0" hangingPunct="1">
+      <a:lvl8pPr marL="3063126" indent="-204208" algn="l" defTabSz="816834" rtl="0" eaLnBrk="1" latinLnBrk="0" hangingPunct="1">
         <a:lnSpc>
           <a:spcPct val="90000"/>
         </a:lnSpc>
         <a:spcBef>
-          <a:spcPts val="850"/>
+          <a:spcPts val="447"/>
         </a:spcBef>
         <a:buFont typeface="Arial" panose="020B0604020202020204" pitchFamily="34" charset="0"/>
         <a:buChar char="•"/>
-        <a:defRPr sz="3060" kern="1200">
+        <a:defRPr sz="1608" kern="1200">
           <a:solidFill>
             <a:schemeClr val="tx1"/>
           </a:solidFill>
@@ -5865,16 +5867,16 @@
           <a:cs typeface="+mn-cs"/>
         </a:defRPr>
       </a:lvl8pPr>
-      <a:lvl9pPr marL="6606540" indent="-388620" algn="l" defTabSz="1554480" rtl="0" eaLnBrk="1" latinLnBrk="0" hangingPunct="1">
+      <a:lvl9pPr marL="3471542" indent="-204208" algn="l" defTabSz="816834" rtl="0" eaLnBrk="1" latinLnBrk="0" hangingPunct="1">
         <a:lnSpc>
           <a:spcPct val="90000"/>
         </a:lnSpc>
         <a:spcBef>
-          <a:spcPts val="850"/>
+          <a:spcPts val="447"/>
         </a:spcBef>
         <a:buFont typeface="Arial" panose="020B0604020202020204" pitchFamily="34" charset="0"/>
         <a:buChar char="•"/>
-        <a:defRPr sz="3060" kern="1200">
+        <a:defRPr sz="1608" kern="1200">
           <a:solidFill>
             <a:schemeClr val="tx1"/>
           </a:solidFill>
@@ -5888,8 +5890,8 @@
       <a:defPPr>
         <a:defRPr lang="en-US"/>
       </a:defPPr>
-      <a:lvl1pPr marL="0" algn="l" defTabSz="1554480" rtl="0" eaLnBrk="1" latinLnBrk="0" hangingPunct="1">
-        <a:defRPr sz="3060" kern="1200">
+      <a:lvl1pPr marL="0" algn="l" defTabSz="816834" rtl="0" eaLnBrk="1" latinLnBrk="0" hangingPunct="1">
+        <a:defRPr sz="1608" kern="1200">
           <a:solidFill>
             <a:schemeClr val="tx1"/>
           </a:solidFill>
@@ -5898,8 +5900,8 @@
           <a:cs typeface="+mn-cs"/>
         </a:defRPr>
       </a:lvl1pPr>
-      <a:lvl2pPr marL="777240" algn="l" defTabSz="1554480" rtl="0" eaLnBrk="1" latinLnBrk="0" hangingPunct="1">
-        <a:defRPr sz="3060" kern="1200">
+      <a:lvl2pPr marL="408417" algn="l" defTabSz="816834" rtl="0" eaLnBrk="1" latinLnBrk="0" hangingPunct="1">
+        <a:defRPr sz="1608" kern="1200">
           <a:solidFill>
             <a:schemeClr val="tx1"/>
           </a:solidFill>
@@ -5908,8 +5910,8 @@
           <a:cs typeface="+mn-cs"/>
         </a:defRPr>
       </a:lvl2pPr>
-      <a:lvl3pPr marL="1554480" algn="l" defTabSz="1554480" rtl="0" eaLnBrk="1" latinLnBrk="0" hangingPunct="1">
-        <a:defRPr sz="3060" kern="1200">
+      <a:lvl3pPr marL="816834" algn="l" defTabSz="816834" rtl="0" eaLnBrk="1" latinLnBrk="0" hangingPunct="1">
+        <a:defRPr sz="1608" kern="1200">
           <a:solidFill>
             <a:schemeClr val="tx1"/>
           </a:solidFill>
@@ -5918,8 +5920,8 @@
           <a:cs typeface="+mn-cs"/>
         </a:defRPr>
       </a:lvl3pPr>
-      <a:lvl4pPr marL="2331720" algn="l" defTabSz="1554480" rtl="0" eaLnBrk="1" latinLnBrk="0" hangingPunct="1">
-        <a:defRPr sz="3060" kern="1200">
+      <a:lvl4pPr marL="1225250" algn="l" defTabSz="816834" rtl="0" eaLnBrk="1" latinLnBrk="0" hangingPunct="1">
+        <a:defRPr sz="1608" kern="1200">
           <a:solidFill>
             <a:schemeClr val="tx1"/>
           </a:solidFill>
@@ -5928,8 +5930,8 @@
           <a:cs typeface="+mn-cs"/>
         </a:defRPr>
       </a:lvl4pPr>
-      <a:lvl5pPr marL="3108960" algn="l" defTabSz="1554480" rtl="0" eaLnBrk="1" latinLnBrk="0" hangingPunct="1">
-        <a:defRPr sz="3060" kern="1200">
+      <a:lvl5pPr marL="1633667" algn="l" defTabSz="816834" rtl="0" eaLnBrk="1" latinLnBrk="0" hangingPunct="1">
+        <a:defRPr sz="1608" kern="1200">
           <a:solidFill>
             <a:schemeClr val="tx1"/>
           </a:solidFill>
@@ -5938,8 +5940,8 @@
           <a:cs typeface="+mn-cs"/>
         </a:defRPr>
       </a:lvl5pPr>
-      <a:lvl6pPr marL="3886200" algn="l" defTabSz="1554480" rtl="0" eaLnBrk="1" latinLnBrk="0" hangingPunct="1">
-        <a:defRPr sz="3060" kern="1200">
+      <a:lvl6pPr marL="2042084" algn="l" defTabSz="816834" rtl="0" eaLnBrk="1" latinLnBrk="0" hangingPunct="1">
+        <a:defRPr sz="1608" kern="1200">
           <a:solidFill>
             <a:schemeClr val="tx1"/>
           </a:solidFill>
@@ -5948,8 +5950,8 @@
           <a:cs typeface="+mn-cs"/>
         </a:defRPr>
       </a:lvl6pPr>
-      <a:lvl7pPr marL="4663440" algn="l" defTabSz="1554480" rtl="0" eaLnBrk="1" latinLnBrk="0" hangingPunct="1">
-        <a:defRPr sz="3060" kern="1200">
+      <a:lvl7pPr marL="2450501" algn="l" defTabSz="816834" rtl="0" eaLnBrk="1" latinLnBrk="0" hangingPunct="1">
+        <a:defRPr sz="1608" kern="1200">
           <a:solidFill>
             <a:schemeClr val="tx1"/>
           </a:solidFill>
@@ -5958,8 +5960,8 @@
           <a:cs typeface="+mn-cs"/>
         </a:defRPr>
       </a:lvl7pPr>
-      <a:lvl8pPr marL="5440680" algn="l" defTabSz="1554480" rtl="0" eaLnBrk="1" latinLnBrk="0" hangingPunct="1">
-        <a:defRPr sz="3060" kern="1200">
+      <a:lvl8pPr marL="2858917" algn="l" defTabSz="816834" rtl="0" eaLnBrk="1" latinLnBrk="0" hangingPunct="1">
+        <a:defRPr sz="1608" kern="1200">
           <a:solidFill>
             <a:schemeClr val="tx1"/>
           </a:solidFill>
@@ -5968,8 +5970,8 @@
           <a:cs typeface="+mn-cs"/>
         </a:defRPr>
       </a:lvl8pPr>
-      <a:lvl9pPr marL="6217920" algn="l" defTabSz="1554480" rtl="0" eaLnBrk="1" latinLnBrk="0" hangingPunct="1">
-        <a:defRPr sz="3060" kern="1200">
+      <a:lvl9pPr marL="3267334" algn="l" defTabSz="816834" rtl="0" eaLnBrk="1" latinLnBrk="0" hangingPunct="1">
+        <a:defRPr sz="1608" kern="1200">
           <a:solidFill>
             <a:schemeClr val="tx1"/>
           </a:solidFill>
@@ -6014,7 +6016,7 @@
         </p:nvSpPr>
         <p:spPr>
           <a:xfrm>
-            <a:off x="567338" y="410031"/>
+            <a:off x="207674" y="192706"/>
             <a:ext cx="4189742" cy="584775"/>
           </a:xfrm>
           <a:prstGeom prst="rect">
@@ -6057,7 +6059,7 @@
         </p:nvSpPr>
         <p:spPr>
           <a:xfrm>
-            <a:off x="4900803" y="410031"/>
+            <a:off x="4541143" y="192706"/>
             <a:ext cx="583919" cy="584775"/>
           </a:xfrm>
           <a:prstGeom prst="rightArrow">
@@ -6103,7 +6105,7 @@
         </p:nvSpPr>
         <p:spPr>
           <a:xfrm>
-            <a:off x="5628445" y="410031"/>
+            <a:off x="5268785" y="192706"/>
             <a:ext cx="4551005" cy="584775"/>
           </a:xfrm>
           <a:prstGeom prst="rect">
@@ -6155,7 +6157,7 @@
         </p:nvSpPr>
         <p:spPr>
           <a:xfrm>
-            <a:off x="10323173" y="410030"/>
+            <a:off x="9963513" y="192705"/>
             <a:ext cx="583919" cy="584775"/>
           </a:xfrm>
           <a:prstGeom prst="rightArrow">
@@ -6201,7 +6203,7 @@
         </p:nvSpPr>
         <p:spPr>
           <a:xfrm>
-            <a:off x="11050815" y="410031"/>
+            <a:off x="10691155" y="192706"/>
             <a:ext cx="4190859" cy="584775"/>
           </a:xfrm>
           <a:prstGeom prst="rect">
@@ -6253,7 +6255,7 @@
         </p:nvSpPr>
         <p:spPr>
           <a:xfrm>
-            <a:off x="567338" y="1202512"/>
+            <a:off x="207678" y="985183"/>
             <a:ext cx="4160767" cy="1815882"/>
           </a:xfrm>
           <a:prstGeom prst="rect">
@@ -6302,13 +6304,21 @@
             </a:pPr>
             <a:r>
               <a:rPr lang="en-US" sz="1400" dirty="0"/>
-              <a:t>3,064 Toxicity values and study information – Masterfile (2017)</a:t>
+              <a:t>3,064 Toxicity values and study information – </a:t>
+            </a:r>
+            <a:r>
+              <a:rPr lang="en-US" sz="1400" dirty="0" err="1"/>
+              <a:t>Wignall</a:t>
+            </a:r>
+            <a:r>
+              <a:rPr lang="en-US" sz="1400" dirty="0"/>
+              <a:t> et al. (2018)</a:t>
             </a:r>
           </a:p>
           <a:p>
             <a:r>
               <a:rPr lang="en-US" sz="1400" b="1" dirty="0"/>
-              <a:t>Data Cleansing - 255 Oral slope factors (OSFs)</a:t>
+              <a:t>Data Cleaning - 255 Caner slope factors (CSFs)</a:t>
             </a:r>
           </a:p>
           <a:p>
@@ -6318,7 +6328,7 @@
             </a:pPr>
             <a:r>
               <a:rPr lang="en-US" sz="1400" dirty="0"/>
-              <a:t>More than 3 dose-response data points</a:t>
+              <a:t>At least 3 dose-response (D-R) data points</a:t>
             </a:r>
           </a:p>
           <a:p>
@@ -6328,7 +6338,7 @@
             </a:pPr>
             <a:r>
               <a:rPr lang="en-US" sz="1400" dirty="0"/>
-              <a:t>No intraperitoneal administration</a:t>
+              <a:t>Oral administration only</a:t>
             </a:r>
           </a:p>
         </p:txBody>
@@ -6348,13 +6358,13 @@
           <p:nvPr>
             <p:extLst>
               <p:ext uri="{D42A27DB-BD31-4B8C-83A1-F6EECF244321}">
-                <p14:modId xmlns:p14="http://schemas.microsoft.com/office/powerpoint/2010/main" val="40651222"/>
+                <p14:modId xmlns:p14="http://schemas.microsoft.com/office/powerpoint/2010/main" val="4082243614"/>
               </p:ext>
             </p:extLst>
           </p:nvPr>
         </p:nvGraphicFramePr>
         <p:xfrm>
-          <a:off x="567339" y="3076766"/>
+          <a:off x="207679" y="2859441"/>
           <a:ext cx="1551021" cy="3056839"/>
         </p:xfrm>
         <a:graphic>
@@ -6377,7 +6387,7 @@
         </p:nvGrpSpPr>
         <p:grpSpPr>
           <a:xfrm>
-            <a:off x="5630541" y="1207731"/>
+            <a:off x="5270877" y="990406"/>
             <a:ext cx="1005840" cy="604011"/>
             <a:chOff x="5630541" y="1207731"/>
             <a:chExt cx="1005840" cy="604011"/>
@@ -6483,7 +6493,7 @@
         </p:nvGrpSpPr>
         <p:grpSpPr>
           <a:xfrm>
-            <a:off x="6809604" y="1207731"/>
+            <a:off x="6449940" y="990406"/>
             <a:ext cx="1005840" cy="609051"/>
             <a:chOff x="6809604" y="1207731"/>
             <a:chExt cx="1005840" cy="609051"/>
@@ -6589,7 +6599,7 @@
         </p:nvGrpSpPr>
         <p:grpSpPr>
           <a:xfrm>
-            <a:off x="7988667" y="1207731"/>
+            <a:off x="7629003" y="990406"/>
             <a:ext cx="1005840" cy="609051"/>
             <a:chOff x="7988667" y="1207731"/>
             <a:chExt cx="1005840" cy="609051"/>
@@ -6695,7 +6705,7 @@
         </p:nvGrpSpPr>
         <p:grpSpPr>
           <a:xfrm>
-            <a:off x="9167730" y="1212122"/>
+            <a:off x="8808066" y="994793"/>
             <a:ext cx="1005840" cy="599620"/>
             <a:chOff x="9167730" y="1212122"/>
             <a:chExt cx="1005840" cy="599620"/>
@@ -6801,7 +6811,7 @@
         </p:nvSpPr>
         <p:spPr>
           <a:xfrm>
-            <a:off x="5630540" y="1860642"/>
+            <a:off x="5270880" y="1643317"/>
             <a:ext cx="4543031" cy="307777"/>
           </a:xfrm>
           <a:prstGeom prst="rect">
@@ -6844,7 +6854,7 @@
         </p:nvCxnSpPr>
         <p:spPr>
           <a:xfrm>
-            <a:off x="7902055" y="2168419"/>
+            <a:off x="7542391" y="1951090"/>
             <a:ext cx="0" cy="301752"/>
           </a:xfrm>
           <a:prstGeom prst="straightConnector1">
@@ -6886,7 +6896,7 @@
         </p:nvSpPr>
         <p:spPr>
           <a:xfrm>
-            <a:off x="5630539" y="2527526"/>
+            <a:off x="5270879" y="2310201"/>
             <a:ext cx="4543035" cy="307777"/>
           </a:xfrm>
           <a:prstGeom prst="rect">
@@ -6929,7 +6939,7 @@
         </p:nvCxnSpPr>
         <p:spPr>
           <a:xfrm>
-            <a:off x="7902056" y="2835303"/>
+            <a:off x="7542392" y="2617974"/>
             <a:ext cx="0" cy="301752"/>
           </a:xfrm>
           <a:prstGeom prst="straightConnector1">
@@ -6971,7 +6981,7 @@
         </p:nvSpPr>
         <p:spPr>
           <a:xfrm>
-            <a:off x="11050815" y="1195561"/>
+            <a:off x="10691151" y="978232"/>
             <a:ext cx="4190856" cy="1600438"/>
           </a:xfrm>
           <a:prstGeom prst="rect">
@@ -7044,15 +7054,15 @@
             </a:pPr>
             <a:r>
               <a:rPr lang="en-US" sz="1400" dirty="0"/>
-              <a:t>Traditional linear extrapolation: 1×10</a:t>
+              <a:t>Traditional linear extrapolation: 10</a:t>
             </a:r>
             <a:r>
               <a:rPr lang="en-US" sz="1400" baseline="30000" dirty="0"/>
-              <a:t>-6</a:t>
+              <a:t>-5</a:t>
             </a:r>
             <a:r>
               <a:rPr lang="en-US" sz="1400" dirty="0"/>
-              <a:t> / CSF</a:t>
+              <a:t> / HED</a:t>
             </a:r>
           </a:p>
         </p:txBody>
@@ -7071,7 +7081,7 @@
         </p:nvSpPr>
         <p:spPr>
           <a:xfrm>
-            <a:off x="11050815" y="2864364"/>
+            <a:off x="10691151" y="2647035"/>
             <a:ext cx="4190856" cy="1600438"/>
           </a:xfrm>
           <a:prstGeom prst="rect">
@@ -7102,7 +7112,7 @@
             </a:pPr>
             <a:r>
               <a:rPr lang="en-US" sz="1400" dirty="0"/>
-              <a:t>Human Dose Associated with an Effect of Magnitude M and Population Incidence I (HD</a:t>
+              <a:t>HD</a:t>
             </a:r>
             <a:r>
               <a:rPr lang="en-US" sz="1400" baseline="-25000" dirty="0"/>
@@ -7114,7 +7124,7 @@
             </a:r>
             <a:r>
               <a:rPr lang="en-US" sz="1400" dirty="0"/>
-              <a:t>): the human dose at which a fraction (or incidence) I of the population shows an effect of magnitude (or severity) M or greater for the adverse effect</a:t>
+              <a:t>: the human dose at which a fraction (or incidence) I of the population shows an effect of magnitude (or severity) M or greater for the adverse effect</a:t>
             </a:r>
           </a:p>
           <a:p>
@@ -7124,7 +7134,17 @@
             </a:pPr>
             <a:r>
               <a:rPr lang="en-US" sz="1400" dirty="0"/>
-              <a:t>I = 1%, M = 1×10</a:t>
+              <a:t>I = 1%</a:t>
+            </a:r>
+          </a:p>
+          <a:p>
+            <a:pPr marL="640080" lvl="1" indent="-274320">
+              <a:buFont typeface="Courier New" panose="02070309020205020404" pitchFamily="49" charset="0"/>
+              <a:buChar char="o"/>
+            </a:pPr>
+            <a:r>
+              <a:rPr lang="en-US" sz="1400" dirty="0"/>
+              <a:t>M = 1×10</a:t>
             </a:r>
             <a:r>
               <a:rPr lang="en-US" sz="1400" baseline="30000" dirty="0"/>
@@ -7163,7 +7183,7 @@
         </p:nvSpPr>
         <p:spPr>
           <a:xfrm>
-            <a:off x="5620046" y="3194410"/>
+            <a:off x="5260386" y="2977085"/>
             <a:ext cx="4547659" cy="307777"/>
           </a:xfrm>
           <a:prstGeom prst="rect">
@@ -7204,7 +7224,7 @@
         </p:nvSpPr>
         <p:spPr>
           <a:xfrm>
-            <a:off x="5633376" y="3606525"/>
+            <a:off x="5273712" y="3389196"/>
             <a:ext cx="310896" cy="2527080"/>
           </a:xfrm>
           <a:prstGeom prst="rect">
@@ -7263,7 +7283,7 @@
         </p:nvSpPr>
         <p:spPr>
           <a:xfrm>
-            <a:off x="5944272" y="3551898"/>
+            <a:off x="5584612" y="3334573"/>
             <a:ext cx="4376649" cy="307777"/>
           </a:xfrm>
           <a:prstGeom prst="rect">
@@ -7298,7 +7318,7 @@
         </p:nvGrpSpPr>
         <p:grpSpPr>
           <a:xfrm>
-            <a:off x="5942163" y="3873225"/>
+            <a:off x="5582503" y="3655896"/>
             <a:ext cx="4225553" cy="531246"/>
             <a:chOff x="5866367" y="3557163"/>
             <a:chExt cx="4225553" cy="531246"/>
@@ -7800,7 +7820,7 @@
         </p:nvSpPr>
         <p:spPr>
           <a:xfrm>
-            <a:off x="5947612" y="4418021"/>
+            <a:off x="5587948" y="4200696"/>
             <a:ext cx="4350486" cy="307777"/>
           </a:xfrm>
           <a:prstGeom prst="rect">
@@ -7835,7 +7855,7 @@
         </p:nvSpPr>
         <p:spPr>
           <a:xfrm>
-            <a:off x="5951633" y="5291074"/>
+            <a:off x="5591973" y="5073745"/>
             <a:ext cx="3337837" cy="307776"/>
           </a:xfrm>
           <a:prstGeom prst="rect">
@@ -7870,7 +7890,7 @@
         </p:nvSpPr>
         <p:spPr>
           <a:xfrm>
-            <a:off x="11050815" y="4533167"/>
+            <a:off x="10691151" y="4315838"/>
             <a:ext cx="4190856" cy="1600438"/>
           </a:xfrm>
           <a:prstGeom prst="rect">
@@ -7901,7 +7921,7 @@
             </a:pPr>
             <a:r>
               <a:rPr lang="en-US" sz="1400" dirty="0"/>
-              <a:t>Fraction of the overall variance that is contributed by uncertainties to quantify the dose-response relationship</a:t>
+              <a:t>Fraction of the overall variance that is contributed by uncertainties to quantify the D-R relationship</a:t>
             </a:r>
           </a:p>
           <a:p>
@@ -7911,7 +7931,17 @@
             </a:pPr>
             <a:r>
               <a:rPr lang="en-US" sz="1400" dirty="0"/>
-              <a:t>BMD</a:t>
+              <a:t>BMD model choice</a:t>
+            </a:r>
+          </a:p>
+          <a:p>
+            <a:pPr marL="640080" lvl="1" indent="-274320">
+              <a:buFont typeface="Courier New" panose="02070309020205020404" pitchFamily="49" charset="0"/>
+              <a:buChar char="o"/>
+            </a:pPr>
+            <a:r>
+              <a:rPr lang="en-US" sz="1400" dirty="0"/>
+              <a:t>BMD model parameters</a:t>
             </a:r>
           </a:p>
           <a:p>
@@ -7963,7 +7993,7 @@
         </p:nvGrpSpPr>
         <p:grpSpPr>
           <a:xfrm>
-            <a:off x="5938405" y="4739348"/>
+            <a:off x="5578745" y="4522019"/>
             <a:ext cx="4235165" cy="538176"/>
             <a:chOff x="5862609" y="4362915"/>
             <a:chExt cx="4235165" cy="538176"/>
@@ -8465,7 +8495,7 @@
         </p:nvGrpSpPr>
         <p:grpSpPr>
           <a:xfrm>
-            <a:off x="5938405" y="5612398"/>
+            <a:off x="5578745" y="5395073"/>
             <a:ext cx="4235165" cy="521209"/>
             <a:chOff x="5862609" y="5155109"/>
             <a:chExt cx="4235165" cy="521209"/>
@@ -8797,13 +8827,13 @@
           <p:nvPr>
             <p:extLst>
               <p:ext uri="{D42A27DB-BD31-4B8C-83A1-F6EECF244321}">
-                <p14:modId xmlns:p14="http://schemas.microsoft.com/office/powerpoint/2010/main" val="493019586"/>
+                <p14:modId xmlns:p14="http://schemas.microsoft.com/office/powerpoint/2010/main" val="155397124"/>
               </p:ext>
             </p:extLst>
           </p:nvPr>
         </p:nvGraphicFramePr>
         <p:xfrm>
-          <a:off x="2132851" y="3084874"/>
+          <a:off x="1773191" y="2867549"/>
           <a:ext cx="2619039" cy="3048731"/>
         </p:xfrm>
         <a:graphic>
@@ -9080,7 +9110,7 @@
   <a:extraClrSchemeLst/>
   <a:extLst>
     <a:ext uri="{05A4C25C-085E-4340-85A3-A5531E510DB2}">
-      <thm15:themeFamily xmlns:thm15="http://schemas.microsoft.com/office/thememl/2012/main" name="Office Theme" id="{62F939B6-93AF-4DB8-9C6B-D6C7DFDC589F}" vid="{4A3C46E8-61CC-4603-A589-7422A47A8E4A}"/>
+      <thm15:themeFamily xmlns:thm15="http://schemas.microsoft.com/office/thememl/2012/main" name="Office Theme 2013 - 2022" id="{62F939B6-93AF-4DB8-9C6B-D6C7DFDC589F}" vid="{4A3C46E8-61CC-4603-A589-7422A47A8E4A}"/>
     </a:ext>
   </a:extLst>
 </a:theme>
